--- a/Project4_presentation_draft.pptx
+++ b/Project4_presentation_draft.pptx
@@ -5,10 +5,10 @@
     <p:sldMasterId id="2147483686" r:id="rId4"/>
   </p:sldMasterIdLst>
   <p:notesMasterIdLst>
-    <p:notesMasterId r:id="rId15"/>
+    <p:notesMasterId r:id="rId18"/>
   </p:notesMasterIdLst>
   <p:handoutMasterIdLst>
-    <p:handoutMasterId r:id="rId16"/>
+    <p:handoutMasterId r:id="rId19"/>
   </p:handoutMasterIdLst>
   <p:sldIdLst>
     <p:sldId id="285" r:id="rId5"/>
@@ -16,11 +16,14 @@
     <p:sldId id="280" r:id="rId7"/>
     <p:sldId id="274" r:id="rId8"/>
     <p:sldId id="282" r:id="rId9"/>
-    <p:sldId id="283" r:id="rId10"/>
-    <p:sldId id="284" r:id="rId11"/>
-    <p:sldId id="277" r:id="rId12"/>
-    <p:sldId id="286" r:id="rId13"/>
-    <p:sldId id="276" r:id="rId14"/>
+    <p:sldId id="289" r:id="rId10"/>
+    <p:sldId id="290" r:id="rId11"/>
+    <p:sldId id="291" r:id="rId12"/>
+    <p:sldId id="288" r:id="rId13"/>
+    <p:sldId id="284" r:id="rId14"/>
+    <p:sldId id="277" r:id="rId15"/>
+    <p:sldId id="286" r:id="rId16"/>
+    <p:sldId id="276" r:id="rId17"/>
   </p:sldIdLst>
   <p:sldSz cx="10058400" cy="7772400"/>
   <p:notesSz cx="6858000" cy="9144000"/>
@@ -151,6 +154,14 @@
 </p:presentation>
 </file>
 
+<file path=ppt/revisionInfo.xml><?xml version="1.0" encoding="utf-8"?>
+<p1510:revInfo xmlns:a="http://schemas.openxmlformats.org/drawingml/2006/main" xmlns:r="http://schemas.openxmlformats.org/officeDocument/2006/relationships" xmlns:p1510="http://schemas.microsoft.com/office/powerpoint/2015/10/main">
+  <p1510:revLst>
+    <p1510:client id="{DE07A792-ECF5-4BB9-9B55-CEF5A1FAA8FC}" v="27" dt="2024-01-19T19:42:50.041"/>
+  </p1510:revLst>
+</p1510:revInfo>
+</file>
+
 <file path=ppt/handoutMasters/handoutMaster1.xml><?xml version="1.0" encoding="utf-8"?>
 <p:handoutMaster xmlns:a="http://schemas.openxmlformats.org/drawingml/2006/main" xmlns:r="http://schemas.openxmlformats.org/officeDocument/2006/relationships" xmlns:p="http://schemas.openxmlformats.org/presentationml/2006/main">
   <p:cSld>
@@ -245,7 +256,7 @@
           <a:p>
             <a:fld id="{BE668B7C-E4CD-4872-B084-44133F808FCE}" type="datetimeFigureOut">
               <a:rPr lang="en-US" smtClean="0"/>
-              <a:t>1/17/24</a:t>
+              <a:t>1/18/2024</a:t>
             </a:fld>
             <a:endParaRPr lang="en-US" dirty="0"/>
           </a:p>
@@ -422,7 +433,7 @@
           <a:p>
             <a:fld id="{6733D5BD-E30B-48AB-B24F-3878C333D518}" type="datetimeFigureOut">
               <a:rPr lang="en-US" smtClean="0"/>
-              <a:t>1/17/24</a:t>
+              <a:t>1/18/2024</a:t>
             </a:fld>
             <a:endParaRPr lang="en-US" dirty="0"/>
           </a:p>
@@ -802,6 +813,330 @@
   <p:cSld>
     <p:spTree>
       <p:nvGrpSpPr>
+        <p:cNvPr id="1" name="">
+          <a:extLst>
+            <a:ext uri="{FF2B5EF4-FFF2-40B4-BE49-F238E27FC236}">
+              <a16:creationId xmlns:a16="http://schemas.microsoft.com/office/drawing/2014/main" id="{22297792-71FF-431E-DC59-7D78E2105884}"/>
+            </a:ext>
+          </a:extLst>
+        </p:cNvPr>
+        <p:cNvGrpSpPr/>
+        <p:nvPr/>
+      </p:nvGrpSpPr>
+      <p:grpSpPr>
+        <a:xfrm>
+          <a:off x="0" y="0"/>
+          <a:ext cx="0" cy="0"/>
+          <a:chOff x="0" y="0"/>
+          <a:chExt cx="0" cy="0"/>
+        </a:xfrm>
+      </p:grpSpPr>
+      <p:sp>
+        <p:nvSpPr>
+          <p:cNvPr id="2" name="Slide Image Placeholder 1">
+            <a:extLst>
+              <a:ext uri="{FF2B5EF4-FFF2-40B4-BE49-F238E27FC236}">
+                <a16:creationId xmlns:a16="http://schemas.microsoft.com/office/drawing/2014/main" id="{89D14B59-2DD8-D936-19E1-958A32E93C70}"/>
+              </a:ext>
+            </a:extLst>
+          </p:cNvPr>
+          <p:cNvSpPr>
+            <a:spLocks noGrp="1" noRot="1" noChangeAspect="1"/>
+          </p:cNvSpPr>
+          <p:nvPr>
+            <p:ph type="sldImg"/>
+          </p:nvPr>
+        </p:nvSpPr>
+        <p:spPr/>
+      </p:sp>
+      <p:sp>
+        <p:nvSpPr>
+          <p:cNvPr id="3" name="Notes Placeholder 2">
+            <a:extLst>
+              <a:ext uri="{FF2B5EF4-FFF2-40B4-BE49-F238E27FC236}">
+                <a16:creationId xmlns:a16="http://schemas.microsoft.com/office/drawing/2014/main" id="{32EED05D-CE87-401E-F259-1CCB77F05D0D}"/>
+              </a:ext>
+            </a:extLst>
+          </p:cNvPr>
+          <p:cNvSpPr>
+            <a:spLocks noGrp="1"/>
+          </p:cNvSpPr>
+          <p:nvPr>
+            <p:ph type="body" idx="1"/>
+          </p:nvPr>
+        </p:nvSpPr>
+        <p:spPr/>
+        <p:txBody>
+          <a:bodyPr/>
+          <a:lstStyle/>
+          <a:p>
+            <a:endParaRPr lang="en-US" dirty="0"/>
+          </a:p>
+        </p:txBody>
+      </p:sp>
+      <p:sp>
+        <p:nvSpPr>
+          <p:cNvPr id="4" name="Slide Number Placeholder 3">
+            <a:extLst>
+              <a:ext uri="{FF2B5EF4-FFF2-40B4-BE49-F238E27FC236}">
+                <a16:creationId xmlns:a16="http://schemas.microsoft.com/office/drawing/2014/main" id="{B5EBD881-A647-A476-B23A-2A86999F0342}"/>
+              </a:ext>
+            </a:extLst>
+          </p:cNvPr>
+          <p:cNvSpPr>
+            <a:spLocks noGrp="1"/>
+          </p:cNvSpPr>
+          <p:nvPr>
+            <p:ph type="sldNum" sz="quarter" idx="5"/>
+          </p:nvPr>
+        </p:nvSpPr>
+        <p:spPr/>
+        <p:txBody>
+          <a:bodyPr/>
+          <a:lstStyle/>
+          <a:p>
+            <a:fld id="{2481A707-0A4C-444E-BBAC-8F56E4534DF7}" type="slidenum">
+              <a:rPr lang="en-US" smtClean="0"/>
+              <a:t>10</a:t>
+            </a:fld>
+            <a:endParaRPr lang="en-US" dirty="0"/>
+          </a:p>
+        </p:txBody>
+      </p:sp>
+    </p:spTree>
+    <p:extLst>
+      <p:ext uri="{BB962C8B-B14F-4D97-AF65-F5344CB8AC3E}">
+        <p14:creationId xmlns:p14="http://schemas.microsoft.com/office/powerpoint/2010/main" val="2979930248"/>
+      </p:ext>
+    </p:extLst>
+  </p:cSld>
+  <p:clrMapOvr>
+    <a:masterClrMapping/>
+  </p:clrMapOvr>
+</p:notes>
+</file>
+
+<file path=ppt/notesSlides/notesSlide11.xml><?xml version="1.0" encoding="utf-8"?>
+<p:notes xmlns:a="http://schemas.openxmlformats.org/drawingml/2006/main" xmlns:r="http://schemas.openxmlformats.org/officeDocument/2006/relationships" xmlns:p="http://schemas.openxmlformats.org/presentationml/2006/main">
+  <p:cSld>
+    <p:spTree>
+      <p:nvGrpSpPr>
+        <p:cNvPr id="1" name="">
+          <a:extLst>
+            <a:ext uri="{FF2B5EF4-FFF2-40B4-BE49-F238E27FC236}">
+              <a16:creationId xmlns:a16="http://schemas.microsoft.com/office/drawing/2014/main" id="{3F3EE3A8-7CCE-708A-6E46-AA69321F39EA}"/>
+            </a:ext>
+          </a:extLst>
+        </p:cNvPr>
+        <p:cNvGrpSpPr/>
+        <p:nvPr/>
+      </p:nvGrpSpPr>
+      <p:grpSpPr>
+        <a:xfrm>
+          <a:off x="0" y="0"/>
+          <a:ext cx="0" cy="0"/>
+          <a:chOff x="0" y="0"/>
+          <a:chExt cx="0" cy="0"/>
+        </a:xfrm>
+      </p:grpSpPr>
+      <p:sp>
+        <p:nvSpPr>
+          <p:cNvPr id="2" name="Slide Image Placeholder 1">
+            <a:extLst>
+              <a:ext uri="{FF2B5EF4-FFF2-40B4-BE49-F238E27FC236}">
+                <a16:creationId xmlns:a16="http://schemas.microsoft.com/office/drawing/2014/main" id="{E29EC910-31F6-E9D6-49E8-68D0D726120E}"/>
+              </a:ext>
+            </a:extLst>
+          </p:cNvPr>
+          <p:cNvSpPr>
+            <a:spLocks noGrp="1" noRot="1" noChangeAspect="1"/>
+          </p:cNvSpPr>
+          <p:nvPr>
+            <p:ph type="sldImg"/>
+          </p:nvPr>
+        </p:nvSpPr>
+        <p:spPr/>
+      </p:sp>
+      <p:sp>
+        <p:nvSpPr>
+          <p:cNvPr id="3" name="Notes Placeholder 2">
+            <a:extLst>
+              <a:ext uri="{FF2B5EF4-FFF2-40B4-BE49-F238E27FC236}">
+                <a16:creationId xmlns:a16="http://schemas.microsoft.com/office/drawing/2014/main" id="{4FA7E07D-354E-55CB-BD2C-01FDAF532042}"/>
+              </a:ext>
+            </a:extLst>
+          </p:cNvPr>
+          <p:cNvSpPr>
+            <a:spLocks noGrp="1"/>
+          </p:cNvSpPr>
+          <p:nvPr>
+            <p:ph type="body" idx="1"/>
+          </p:nvPr>
+        </p:nvSpPr>
+        <p:spPr/>
+        <p:txBody>
+          <a:bodyPr/>
+          <a:lstStyle/>
+          <a:p>
+            <a:endParaRPr lang="en-US" dirty="0"/>
+          </a:p>
+        </p:txBody>
+      </p:sp>
+      <p:sp>
+        <p:nvSpPr>
+          <p:cNvPr id="4" name="Slide Number Placeholder 3">
+            <a:extLst>
+              <a:ext uri="{FF2B5EF4-FFF2-40B4-BE49-F238E27FC236}">
+                <a16:creationId xmlns:a16="http://schemas.microsoft.com/office/drawing/2014/main" id="{3862A2FC-7E98-6E31-2BF0-7CA7E8D9B8DA}"/>
+              </a:ext>
+            </a:extLst>
+          </p:cNvPr>
+          <p:cNvSpPr>
+            <a:spLocks noGrp="1"/>
+          </p:cNvSpPr>
+          <p:nvPr>
+            <p:ph type="sldNum" sz="quarter" idx="5"/>
+          </p:nvPr>
+        </p:nvSpPr>
+        <p:spPr/>
+        <p:txBody>
+          <a:bodyPr/>
+          <a:lstStyle/>
+          <a:p>
+            <a:fld id="{2481A707-0A4C-444E-BBAC-8F56E4534DF7}" type="slidenum">
+              <a:rPr lang="en-US" smtClean="0"/>
+              <a:t>11</a:t>
+            </a:fld>
+            <a:endParaRPr lang="en-US" dirty="0"/>
+          </a:p>
+        </p:txBody>
+      </p:sp>
+    </p:spTree>
+    <p:extLst>
+      <p:ext uri="{BB962C8B-B14F-4D97-AF65-F5344CB8AC3E}">
+        <p14:creationId xmlns:p14="http://schemas.microsoft.com/office/powerpoint/2010/main" val="1095442868"/>
+      </p:ext>
+    </p:extLst>
+  </p:cSld>
+  <p:clrMapOvr>
+    <a:masterClrMapping/>
+  </p:clrMapOvr>
+</p:notes>
+</file>
+
+<file path=ppt/notesSlides/notesSlide12.xml><?xml version="1.0" encoding="utf-8"?>
+<p:notes xmlns:a="http://schemas.openxmlformats.org/drawingml/2006/main" xmlns:r="http://schemas.openxmlformats.org/officeDocument/2006/relationships" xmlns:p="http://schemas.openxmlformats.org/presentationml/2006/main">
+  <p:cSld>
+    <p:spTree>
+      <p:nvGrpSpPr>
+        <p:cNvPr id="1" name="">
+          <a:extLst>
+            <a:ext uri="{FF2B5EF4-FFF2-40B4-BE49-F238E27FC236}">
+              <a16:creationId xmlns:a16="http://schemas.microsoft.com/office/drawing/2014/main" id="{E8333B26-3930-582F-FE2F-AE5E4B4F363C}"/>
+            </a:ext>
+          </a:extLst>
+        </p:cNvPr>
+        <p:cNvGrpSpPr/>
+        <p:nvPr/>
+      </p:nvGrpSpPr>
+      <p:grpSpPr>
+        <a:xfrm>
+          <a:off x="0" y="0"/>
+          <a:ext cx="0" cy="0"/>
+          <a:chOff x="0" y="0"/>
+          <a:chExt cx="0" cy="0"/>
+        </a:xfrm>
+      </p:grpSpPr>
+      <p:sp>
+        <p:nvSpPr>
+          <p:cNvPr id="2" name="Slide Image Placeholder 1">
+            <a:extLst>
+              <a:ext uri="{FF2B5EF4-FFF2-40B4-BE49-F238E27FC236}">
+                <a16:creationId xmlns:a16="http://schemas.microsoft.com/office/drawing/2014/main" id="{D0AD4EF8-6724-BCC0-1207-E9D569611398}"/>
+              </a:ext>
+            </a:extLst>
+          </p:cNvPr>
+          <p:cNvSpPr>
+            <a:spLocks noGrp="1" noRot="1" noChangeAspect="1"/>
+          </p:cNvSpPr>
+          <p:nvPr>
+            <p:ph type="sldImg"/>
+          </p:nvPr>
+        </p:nvSpPr>
+        <p:spPr/>
+      </p:sp>
+      <p:sp>
+        <p:nvSpPr>
+          <p:cNvPr id="3" name="Notes Placeholder 2">
+            <a:extLst>
+              <a:ext uri="{FF2B5EF4-FFF2-40B4-BE49-F238E27FC236}">
+                <a16:creationId xmlns:a16="http://schemas.microsoft.com/office/drawing/2014/main" id="{265FF0D8-8E1E-DE4F-38AD-910C4DEC2BA1}"/>
+              </a:ext>
+            </a:extLst>
+          </p:cNvPr>
+          <p:cNvSpPr>
+            <a:spLocks noGrp="1"/>
+          </p:cNvSpPr>
+          <p:nvPr>
+            <p:ph type="body" idx="1"/>
+          </p:nvPr>
+        </p:nvSpPr>
+        <p:spPr/>
+        <p:txBody>
+          <a:bodyPr/>
+          <a:lstStyle/>
+          <a:p>
+            <a:endParaRPr lang="en-US" dirty="0"/>
+          </a:p>
+        </p:txBody>
+      </p:sp>
+      <p:sp>
+        <p:nvSpPr>
+          <p:cNvPr id="4" name="Slide Number Placeholder 3">
+            <a:extLst>
+              <a:ext uri="{FF2B5EF4-FFF2-40B4-BE49-F238E27FC236}">
+                <a16:creationId xmlns:a16="http://schemas.microsoft.com/office/drawing/2014/main" id="{ACB8D817-0807-23D0-20BE-7704341F092D}"/>
+              </a:ext>
+            </a:extLst>
+          </p:cNvPr>
+          <p:cNvSpPr>
+            <a:spLocks noGrp="1"/>
+          </p:cNvSpPr>
+          <p:nvPr>
+            <p:ph type="sldNum" sz="quarter" idx="5"/>
+          </p:nvPr>
+        </p:nvSpPr>
+        <p:spPr/>
+        <p:txBody>
+          <a:bodyPr/>
+          <a:lstStyle/>
+          <a:p>
+            <a:fld id="{2481A707-0A4C-444E-BBAC-8F56E4534DF7}" type="slidenum">
+              <a:rPr lang="en-US" smtClean="0"/>
+              <a:t>12</a:t>
+            </a:fld>
+            <a:endParaRPr lang="en-US" dirty="0"/>
+          </a:p>
+        </p:txBody>
+      </p:sp>
+    </p:spTree>
+    <p:extLst>
+      <p:ext uri="{BB962C8B-B14F-4D97-AF65-F5344CB8AC3E}">
+        <p14:creationId xmlns:p14="http://schemas.microsoft.com/office/powerpoint/2010/main" val="1511294550"/>
+      </p:ext>
+    </p:extLst>
+  </p:cSld>
+  <p:clrMapOvr>
+    <a:masterClrMapping/>
+  </p:clrMapOvr>
+</p:notes>
+</file>
+
+<file path=ppt/notesSlides/notesSlide13.xml><?xml version="1.0" encoding="utf-8"?>
+<p:notes xmlns:a="http://schemas.openxmlformats.org/drawingml/2006/main" xmlns:r="http://schemas.openxmlformats.org/officeDocument/2006/relationships" xmlns:p="http://schemas.openxmlformats.org/presentationml/2006/main">
+  <p:cSld>
+    <p:spTree>
+      <p:nvGrpSpPr>
         <p:cNvPr id="1" name=""/>
         <p:cNvGrpSpPr/>
         <p:nvPr/>
@@ -862,7 +1197,7 @@
           <a:p>
             <a:fld id="{2481A707-0A4C-444E-BBAC-8F56E4534DF7}" type="slidenum">
               <a:rPr lang="en-US" smtClean="0"/>
-              <a:t>10</a:t>
+              <a:t>13</a:t>
             </a:fld>
             <a:endParaRPr lang="en-US" dirty="0"/>
           </a:p>
@@ -1243,6 +1578,256 @@
           <a:bodyPr/>
           <a:lstStyle/>
           <a:p>
+            <a:r>
+              <a:rPr lang="en-US" b="0" i="0" dirty="0">
+                <a:solidFill>
+                  <a:srgbClr val="374151"/>
+                </a:solidFill>
+                <a:effectLst/>
+                <a:latin typeface="Söhne"/>
+              </a:rPr>
+              <a:t>In terms of feature importance for the predictive model, '</a:t>
+            </a:r>
+            <a:r>
+              <a:rPr lang="en-US" b="0" i="0" dirty="0" err="1">
+                <a:solidFill>
+                  <a:srgbClr val="374151"/>
+                </a:solidFill>
+                <a:effectLst/>
+                <a:latin typeface="Söhne"/>
+              </a:rPr>
+              <a:t>avg_glucose_level</a:t>
+            </a:r>
+            <a:r>
+              <a:rPr lang="en-US" b="0" i="0" dirty="0">
+                <a:solidFill>
+                  <a:srgbClr val="374151"/>
+                </a:solidFill>
+                <a:effectLst/>
+                <a:latin typeface="Söhne"/>
+              </a:rPr>
+              <a:t>,' 'age,' and '</a:t>
+            </a:r>
+            <a:r>
+              <a:rPr lang="en-US" b="0" i="0" dirty="0" err="1">
+                <a:solidFill>
+                  <a:srgbClr val="374151"/>
+                </a:solidFill>
+                <a:effectLst/>
+                <a:latin typeface="Söhne"/>
+              </a:rPr>
+              <a:t>bmi</a:t>
+            </a:r>
+            <a:r>
+              <a:rPr lang="en-US" b="0" i="0" dirty="0">
+                <a:solidFill>
+                  <a:srgbClr val="374151"/>
+                </a:solidFill>
+                <a:effectLst/>
+                <a:latin typeface="Söhne"/>
+              </a:rPr>
+              <a:t>' are the most influential factors, contributing 27.40%, 25.91%, and 22.05%, respectively. </a:t>
+            </a:r>
+          </a:p>
+          <a:p>
+            <a:r>
+              <a:rPr lang="en-US" b="0" i="0" dirty="0">
+                <a:solidFill>
+                  <a:srgbClr val="374151"/>
+                </a:solidFill>
+                <a:effectLst/>
+                <a:latin typeface="Söhne"/>
+              </a:rPr>
+              <a:t>Health-related features such as 'hypertension' and '</a:t>
+            </a:r>
+            <a:r>
+              <a:rPr lang="en-US" b="0" i="0" dirty="0" err="1">
+                <a:solidFill>
+                  <a:srgbClr val="374151"/>
+                </a:solidFill>
+                <a:effectLst/>
+                <a:latin typeface="Söhne"/>
+              </a:rPr>
+              <a:t>heart_disease</a:t>
+            </a:r>
+            <a:r>
+              <a:rPr lang="en-US" b="0" i="0" dirty="0">
+                <a:solidFill>
+                  <a:srgbClr val="374151"/>
+                </a:solidFill>
+                <a:effectLst/>
+                <a:latin typeface="Söhne"/>
+              </a:rPr>
+              <a:t>' play a smaller role. </a:t>
+            </a:r>
+          </a:p>
+          <a:p>
+            <a:r>
+              <a:rPr lang="en-US" b="0" i="0" dirty="0">
+                <a:solidFill>
+                  <a:srgbClr val="374151"/>
+                </a:solidFill>
+                <a:effectLst/>
+                <a:latin typeface="Söhne"/>
+              </a:rPr>
+              <a:t>Employment factors ('</a:t>
+            </a:r>
+            <a:r>
+              <a:rPr lang="en-US" b="0" i="0" dirty="0" err="1">
+                <a:solidFill>
+                  <a:srgbClr val="374151"/>
+                </a:solidFill>
+                <a:effectLst/>
+                <a:latin typeface="Söhne"/>
+              </a:rPr>
+              <a:t>work_type_Private</a:t>
+            </a:r>
+            <a:r>
+              <a:rPr lang="en-US" b="0" i="0" dirty="0">
+                <a:solidFill>
+                  <a:srgbClr val="374151"/>
+                </a:solidFill>
+                <a:effectLst/>
+                <a:latin typeface="Söhne"/>
+              </a:rPr>
+              <a:t>,' '</a:t>
+            </a:r>
+            <a:r>
+              <a:rPr lang="en-US" b="0" i="0" dirty="0" err="1">
+                <a:solidFill>
+                  <a:srgbClr val="374151"/>
+                </a:solidFill>
+                <a:effectLst/>
+                <a:latin typeface="Söhne"/>
+              </a:rPr>
+              <a:t>work_type_Self</a:t>
+            </a:r>
+            <a:r>
+              <a:rPr lang="en-US" b="0" i="0" dirty="0">
+                <a:solidFill>
+                  <a:srgbClr val="374151"/>
+                </a:solidFill>
+                <a:effectLst/>
+                <a:latin typeface="Söhne"/>
+              </a:rPr>
+              <a:t>-employed,' '</a:t>
+            </a:r>
+            <a:r>
+              <a:rPr lang="en-US" b="0" i="0" dirty="0" err="1">
+                <a:solidFill>
+                  <a:srgbClr val="374151"/>
+                </a:solidFill>
+                <a:effectLst/>
+                <a:latin typeface="Söhne"/>
+              </a:rPr>
+              <a:t>work_type_Govt_job</a:t>
+            </a:r>
+            <a:r>
+              <a:rPr lang="en-US" b="0" i="0" dirty="0">
+                <a:solidFill>
+                  <a:srgbClr val="374151"/>
+                </a:solidFill>
+                <a:effectLst/>
+                <a:latin typeface="Söhne"/>
+              </a:rPr>
+              <a:t>') and residence types ('</a:t>
+            </a:r>
+            <a:r>
+              <a:rPr lang="en-US" b="0" i="0" dirty="0" err="1">
+                <a:solidFill>
+                  <a:srgbClr val="374151"/>
+                </a:solidFill>
+                <a:effectLst/>
+                <a:latin typeface="Söhne"/>
+              </a:rPr>
+              <a:t>residence_type_Urban</a:t>
+            </a:r>
+            <a:r>
+              <a:rPr lang="en-US" b="0" i="0" dirty="0">
+                <a:solidFill>
+                  <a:srgbClr val="374151"/>
+                </a:solidFill>
+                <a:effectLst/>
+                <a:latin typeface="Söhne"/>
+              </a:rPr>
+              <a:t>' and '</a:t>
+            </a:r>
+            <a:r>
+              <a:rPr lang="en-US" b="0" i="0" dirty="0" err="1">
+                <a:solidFill>
+                  <a:srgbClr val="374151"/>
+                </a:solidFill>
+                <a:effectLst/>
+                <a:latin typeface="Söhne"/>
+              </a:rPr>
+              <a:t>residence_type_Rural</a:t>
+            </a:r>
+            <a:r>
+              <a:rPr lang="en-US" b="0" i="0" dirty="0">
+                <a:solidFill>
+                  <a:srgbClr val="374151"/>
+                </a:solidFill>
+                <a:effectLst/>
+                <a:latin typeface="Söhne"/>
+              </a:rPr>
+              <a:t>') also contribute. </a:t>
+            </a:r>
+          </a:p>
+          <a:p>
+            <a:r>
+              <a:rPr lang="en-US" b="0" i="0" dirty="0">
+                <a:solidFill>
+                  <a:srgbClr val="374151"/>
+                </a:solidFill>
+                <a:effectLst/>
+                <a:latin typeface="Söhne"/>
+              </a:rPr>
+              <a:t>Gender and marital status have a lesser impact, and different BMI categories provide additional insights. </a:t>
+            </a:r>
+          </a:p>
+          <a:p>
+            <a:r>
+              <a:rPr lang="en-US" b="0" i="0" dirty="0">
+                <a:solidFill>
+                  <a:srgbClr val="374151"/>
+                </a:solidFill>
+                <a:effectLst/>
+                <a:latin typeface="Söhne"/>
+              </a:rPr>
+              <a:t>'</a:t>
+            </a:r>
+            <a:r>
+              <a:rPr lang="en-US" b="0" i="0" dirty="0" err="1">
+                <a:solidFill>
+                  <a:srgbClr val="374151"/>
+                </a:solidFill>
+                <a:effectLst/>
+                <a:latin typeface="Söhne"/>
+              </a:rPr>
+              <a:t>work_type_Never_worked</a:t>
+            </a:r>
+            <a:r>
+              <a:rPr lang="en-US" b="0" i="0" dirty="0">
+                <a:solidFill>
+                  <a:srgbClr val="374151"/>
+                </a:solidFill>
+                <a:effectLst/>
+                <a:latin typeface="Söhne"/>
+              </a:rPr>
+              <a:t>' has negligible importance. </a:t>
+            </a:r>
+          </a:p>
+          <a:p>
+            <a:r>
+              <a:rPr lang="en-US" b="0" i="0" dirty="0">
+                <a:solidFill>
+                  <a:srgbClr val="374151"/>
+                </a:solidFill>
+                <a:effectLst/>
+                <a:latin typeface="Söhne"/>
+              </a:rPr>
+              <a:t>Understanding these feature contributions helps interpret the model's decision-making process.</a:t>
+            </a:r>
             <a:endParaRPr lang="en-US" dirty="0"/>
           </a:p>
         </p:txBody>
@@ -1297,7 +1882,7 @@
         <p:cNvPr id="1" name="">
           <a:extLst>
             <a:ext uri="{FF2B5EF4-FFF2-40B4-BE49-F238E27FC236}">
-              <a16:creationId xmlns:a16="http://schemas.microsoft.com/office/drawing/2014/main" id="{0F6EC516-A45C-D908-A186-6F014EB44233}"/>
+              <a16:creationId xmlns:a16="http://schemas.microsoft.com/office/drawing/2014/main" id="{CA3EBFDD-0351-78E9-82BC-12C0725E4A5E}"/>
             </a:ext>
           </a:extLst>
         </p:cNvPr>
@@ -1317,7 +1902,7 @@
           <p:cNvPr id="2" name="Slide Image Placeholder 1">
             <a:extLst>
               <a:ext uri="{FF2B5EF4-FFF2-40B4-BE49-F238E27FC236}">
-                <a16:creationId xmlns:a16="http://schemas.microsoft.com/office/drawing/2014/main" id="{2A045985-0579-F184-B84D-3EEDB1E98D2A}"/>
+                <a16:creationId xmlns:a16="http://schemas.microsoft.com/office/drawing/2014/main" id="{7B5EBF6D-BC8C-0A94-BCA8-579D6A0BCDAF}"/>
               </a:ext>
             </a:extLst>
           </p:cNvPr>
@@ -1335,7 +1920,7 @@
           <p:cNvPr id="3" name="Notes Placeholder 2">
             <a:extLst>
               <a:ext uri="{FF2B5EF4-FFF2-40B4-BE49-F238E27FC236}">
-                <a16:creationId xmlns:a16="http://schemas.microsoft.com/office/drawing/2014/main" id="{BB49CFAC-6D1A-E576-0199-C87D294C9439}"/>
+                <a16:creationId xmlns:a16="http://schemas.microsoft.com/office/drawing/2014/main" id="{765B0262-FE92-D6FE-72EB-4714FAF4BEC5}"/>
               </a:ext>
             </a:extLst>
           </p:cNvPr>
@@ -1351,6 +1936,40 @@
           <a:bodyPr/>
           <a:lstStyle/>
           <a:p>
+            <a:br>
+              <a:rPr lang="en-US" dirty="0"/>
+            </a:br>
+            <a:r>
+              <a:rPr lang="en-US" b="0" i="0" dirty="0">
+                <a:solidFill>
+                  <a:srgbClr val="374151"/>
+                </a:solidFill>
+                <a:effectLst/>
+                <a:latin typeface="Söhne"/>
+              </a:rPr>
+              <a:t>In our analysis, we observed key correlations among age, average glucose level, BMI, and stroke risk. Age is positively correlated with both average glucose level (0.24) and BMI (0.32), indicating higher levels with increasing age. A positive correlation (0.25) between age and stroke risk suggests a link between age and a higher likelihood of stroke. Additionally, a modest positive correlation (0.13) between average glucose level and stroke risk hints at a potential association. These findings offer valuable insights into the interplay of these factors but remind us that correlation doesn't imply causation.</a:t>
+            </a:r>
+          </a:p>
+          <a:p>
+            <a:endParaRPr lang="en-US" b="0" i="0" dirty="0">
+              <a:solidFill>
+                <a:srgbClr val="374151"/>
+              </a:solidFill>
+              <a:effectLst/>
+              <a:latin typeface="Söhne"/>
+            </a:endParaRPr>
+          </a:p>
+          <a:p>
+            <a:r>
+              <a:rPr lang="en-US" b="0" i="0" dirty="0">
+                <a:solidFill>
+                  <a:srgbClr val="374151"/>
+                </a:solidFill>
+                <a:effectLst/>
+                <a:latin typeface="Söhne"/>
+              </a:rPr>
+              <a:t>Overall it appears that age is a strong influential factor in stroke. So let’s explore this further</a:t>
+            </a:r>
             <a:endParaRPr lang="en-US" dirty="0"/>
           </a:p>
         </p:txBody>
@@ -1360,7 +1979,7 @@
           <p:cNvPr id="4" name="Slide Number Placeholder 3">
             <a:extLst>
               <a:ext uri="{FF2B5EF4-FFF2-40B4-BE49-F238E27FC236}">
-                <a16:creationId xmlns:a16="http://schemas.microsoft.com/office/drawing/2014/main" id="{AA87C726-A8AA-CC15-6CF4-A04415A0AC24}"/>
+                <a16:creationId xmlns:a16="http://schemas.microsoft.com/office/drawing/2014/main" id="{AD6697E5-F211-F48E-A66C-8FBCE248F9F9}"/>
               </a:ext>
             </a:extLst>
           </p:cNvPr>
@@ -1387,7 +2006,7 @@
     </p:spTree>
     <p:extLst>
       <p:ext uri="{BB962C8B-B14F-4D97-AF65-F5344CB8AC3E}">
-        <p14:creationId xmlns:p14="http://schemas.microsoft.com/office/powerpoint/2010/main" val="3488042273"/>
+        <p14:creationId xmlns:p14="http://schemas.microsoft.com/office/powerpoint/2010/main" val="714395846"/>
       </p:ext>
     </p:extLst>
   </p:cSld>
@@ -1405,7 +2024,7 @@
         <p:cNvPr id="1" name="">
           <a:extLst>
             <a:ext uri="{FF2B5EF4-FFF2-40B4-BE49-F238E27FC236}">
-              <a16:creationId xmlns:a16="http://schemas.microsoft.com/office/drawing/2014/main" id="{22297792-71FF-431E-DC59-7D78E2105884}"/>
+              <a16:creationId xmlns:a16="http://schemas.microsoft.com/office/drawing/2014/main" id="{CA3EBFDD-0351-78E9-82BC-12C0725E4A5E}"/>
             </a:ext>
           </a:extLst>
         </p:cNvPr>
@@ -1425,7 +2044,7 @@
           <p:cNvPr id="2" name="Slide Image Placeholder 1">
             <a:extLst>
               <a:ext uri="{FF2B5EF4-FFF2-40B4-BE49-F238E27FC236}">
-                <a16:creationId xmlns:a16="http://schemas.microsoft.com/office/drawing/2014/main" id="{89D14B59-2DD8-D936-19E1-958A32E93C70}"/>
+                <a16:creationId xmlns:a16="http://schemas.microsoft.com/office/drawing/2014/main" id="{7B5EBF6D-BC8C-0A94-BCA8-579D6A0BCDAF}"/>
               </a:ext>
             </a:extLst>
           </p:cNvPr>
@@ -1443,7 +2062,7 @@
           <p:cNvPr id="3" name="Notes Placeholder 2">
             <a:extLst>
               <a:ext uri="{FF2B5EF4-FFF2-40B4-BE49-F238E27FC236}">
-                <a16:creationId xmlns:a16="http://schemas.microsoft.com/office/drawing/2014/main" id="{32EED05D-CE87-401E-F259-1CCB77F05D0D}"/>
+                <a16:creationId xmlns:a16="http://schemas.microsoft.com/office/drawing/2014/main" id="{765B0262-FE92-D6FE-72EB-4714FAF4BEC5}"/>
               </a:ext>
             </a:extLst>
           </p:cNvPr>
@@ -1459,7 +2078,80 @@
           <a:bodyPr/>
           <a:lstStyle/>
           <a:p>
+            <a:pPr algn="l"/>
+            <a:r>
+              <a:rPr lang="en-US" b="0" i="0" dirty="0">
+                <a:solidFill>
+                  <a:srgbClr val="374151"/>
+                </a:solidFill>
+                <a:effectLst/>
+                <a:latin typeface="Söhne"/>
+              </a:rPr>
+              <a:t>Individuals with a stroke tend to be older, with a mean age of 67.73 years, compared to those without a stroke, who have a mean age of 41.99 years. The age distribution for those with a stroke has a higher mean, median, and interquartile range, indicating that strokes are more prevalent among older individuals. The age range for both groups spans from 1 to 82 years. These statistics provide insights into the age distribution within each group and can be valuable for understanding the demographic characteristics associated with strokes.</a:t>
+            </a:r>
+          </a:p>
+          <a:p>
+            <a:endParaRPr lang="en-US" b="0" i="0" dirty="0">
+              <a:solidFill>
+                <a:srgbClr val="374151"/>
+              </a:solidFill>
+              <a:effectLst/>
+              <a:latin typeface="Söhne"/>
+            </a:endParaRPr>
+          </a:p>
+          <a:p>
+            <a:r>
+              <a:rPr lang="en-US" b="0" i="0" dirty="0">
+                <a:solidFill>
+                  <a:srgbClr val="374151"/>
+                </a:solidFill>
+                <a:effectLst/>
+                <a:latin typeface="Söhne"/>
+              </a:rPr>
+              <a:t>Age emerges as a crucial predictor, with an imbalanced dataset emphasizing its significance. Incorporating age into machine learning models can enhance predictive accuracy, offering insights for targeted interventions and personalized medicine.</a:t>
+            </a:r>
+          </a:p>
+          <a:p>
+            <a:endParaRPr lang="en-US" b="0" i="0" dirty="0">
+              <a:solidFill>
+                <a:srgbClr val="374151"/>
+              </a:solidFill>
+              <a:effectLst/>
+              <a:latin typeface="Söhne"/>
+            </a:endParaRPr>
+          </a:p>
+          <a:p>
+            <a:r>
+              <a:rPr lang="en-US" b="0" i="0" dirty="0">
+                <a:solidFill>
+                  <a:srgbClr val="374151"/>
+                </a:solidFill>
+                <a:effectLst/>
+                <a:latin typeface="Söhne"/>
+              </a:rPr>
+              <a:t>The older you get the more likely you are to have a stroke. But the data is highly skewed with only about 1 in 20 people actually experiencing a stroke (which you will see later on, influenced our model choice and optimization). </a:t>
+            </a:r>
+          </a:p>
+          <a:p>
+            <a:endParaRPr lang="en-US" b="0" i="0" dirty="0">
+              <a:solidFill>
+                <a:srgbClr val="374151"/>
+              </a:solidFill>
+              <a:effectLst/>
+              <a:latin typeface="Söhne"/>
+            </a:endParaRPr>
+          </a:p>
+          <a:p>
             <a:endParaRPr lang="en-US" dirty="0"/>
+          </a:p>
+          <a:p>
+            <a:endParaRPr lang="en-US" dirty="0"/>
+          </a:p>
+          <a:p>
+            <a:r>
+              <a:rPr lang="en-US" dirty="0"/>
+              <a:t>Distribution of strokes was slightly more weighted to females</a:t>
+            </a:r>
           </a:p>
         </p:txBody>
       </p:sp>
@@ -1468,7 +2160,7 @@
           <p:cNvPr id="4" name="Slide Number Placeholder 3">
             <a:extLst>
               <a:ext uri="{FF2B5EF4-FFF2-40B4-BE49-F238E27FC236}">
-                <a16:creationId xmlns:a16="http://schemas.microsoft.com/office/drawing/2014/main" id="{B5EBD881-A647-A476-B23A-2A86999F0342}"/>
+                <a16:creationId xmlns:a16="http://schemas.microsoft.com/office/drawing/2014/main" id="{AD6697E5-F211-F48E-A66C-8FBCE248F9F9}"/>
               </a:ext>
             </a:extLst>
           </p:cNvPr>
@@ -1495,7 +2187,7 @@
     </p:spTree>
     <p:extLst>
       <p:ext uri="{BB962C8B-B14F-4D97-AF65-F5344CB8AC3E}">
-        <p14:creationId xmlns:p14="http://schemas.microsoft.com/office/powerpoint/2010/main" val="2979930248"/>
+        <p14:creationId xmlns:p14="http://schemas.microsoft.com/office/powerpoint/2010/main" val="3734232007"/>
       </p:ext>
     </p:extLst>
   </p:cSld>
@@ -1513,7 +2205,7 @@
         <p:cNvPr id="1" name="">
           <a:extLst>
             <a:ext uri="{FF2B5EF4-FFF2-40B4-BE49-F238E27FC236}">
-              <a16:creationId xmlns:a16="http://schemas.microsoft.com/office/drawing/2014/main" id="{3F3EE3A8-7CCE-708A-6E46-AA69321F39EA}"/>
+              <a16:creationId xmlns:a16="http://schemas.microsoft.com/office/drawing/2014/main" id="{CA3EBFDD-0351-78E9-82BC-12C0725E4A5E}"/>
             </a:ext>
           </a:extLst>
         </p:cNvPr>
@@ -1533,7 +2225,7 @@
           <p:cNvPr id="2" name="Slide Image Placeholder 1">
             <a:extLst>
               <a:ext uri="{FF2B5EF4-FFF2-40B4-BE49-F238E27FC236}">
-                <a16:creationId xmlns:a16="http://schemas.microsoft.com/office/drawing/2014/main" id="{E29EC910-31F6-E9D6-49E8-68D0D726120E}"/>
+                <a16:creationId xmlns:a16="http://schemas.microsoft.com/office/drawing/2014/main" id="{7B5EBF6D-BC8C-0A94-BCA8-579D6A0BCDAF}"/>
               </a:ext>
             </a:extLst>
           </p:cNvPr>
@@ -1551,7 +2243,7 @@
           <p:cNvPr id="3" name="Notes Placeholder 2">
             <a:extLst>
               <a:ext uri="{FF2B5EF4-FFF2-40B4-BE49-F238E27FC236}">
-                <a16:creationId xmlns:a16="http://schemas.microsoft.com/office/drawing/2014/main" id="{4FA7E07D-354E-55CB-BD2C-01FDAF532042}"/>
+                <a16:creationId xmlns:a16="http://schemas.microsoft.com/office/drawing/2014/main" id="{765B0262-FE92-D6FE-72EB-4714FAF4BEC5}"/>
               </a:ext>
             </a:extLst>
           </p:cNvPr>
@@ -1567,7 +2259,176 @@
           <a:bodyPr/>
           <a:lstStyle/>
           <a:p>
-            <a:endParaRPr lang="en-US" dirty="0"/>
+            <a:pPr algn="l"/>
+            <a:r>
+              <a:rPr lang="en-US" b="0" i="0" dirty="0">
+                <a:solidFill>
+                  <a:srgbClr val="374151"/>
+                </a:solidFill>
+                <a:effectLst/>
+                <a:latin typeface="Söhne"/>
+              </a:rPr>
+              <a:t>Let’s take a further look at the relationship between age and the other two notable features, blood glucose and </a:t>
+            </a:r>
+            <a:r>
+              <a:rPr lang="en-US" b="0" i="0" dirty="0" err="1">
+                <a:solidFill>
+                  <a:srgbClr val="374151"/>
+                </a:solidFill>
+                <a:effectLst/>
+                <a:latin typeface="Söhne"/>
+              </a:rPr>
+              <a:t>bmi</a:t>
+            </a:r>
+            <a:r>
+              <a:rPr lang="en-US" b="0" i="0" dirty="0">
+                <a:solidFill>
+                  <a:srgbClr val="374151"/>
+                </a:solidFill>
+                <a:effectLst/>
+                <a:latin typeface="Söhne"/>
+              </a:rPr>
+              <a:t>, and how this data is spread.</a:t>
+            </a:r>
+          </a:p>
+          <a:p>
+            <a:pPr algn="l"/>
+            <a:endParaRPr lang="en-US" b="0" i="0" dirty="0">
+              <a:solidFill>
+                <a:srgbClr val="374151"/>
+              </a:solidFill>
+              <a:effectLst/>
+              <a:latin typeface="Söhne"/>
+            </a:endParaRPr>
+          </a:p>
+          <a:p>
+            <a:pPr algn="l"/>
+            <a:r>
+              <a:rPr lang="en-US" b="0" i="0" dirty="0">
+                <a:solidFill>
+                  <a:srgbClr val="000000"/>
+                </a:solidFill>
+                <a:effectLst/>
+                <a:latin typeface="Helvetica Neue"/>
+              </a:rPr>
+              <a:t>Individuals with a stroke, on average, have a slightly higher mean BMI compared to those without a stroke.</a:t>
+            </a:r>
+          </a:p>
+          <a:p>
+            <a:pPr algn="l"/>
+            <a:r>
+              <a:rPr lang="en-US" b="0" i="0" dirty="0">
+                <a:solidFill>
+                  <a:srgbClr val="000000"/>
+                </a:solidFill>
+                <a:effectLst/>
+                <a:latin typeface="Helvetica Neue"/>
+              </a:rPr>
+              <a:t>The distribution of BMI is narrower among individuals with a stroke, as indicated by the lower standard deviation, suggesting less variability in BMI within this group.</a:t>
+            </a:r>
+          </a:p>
+          <a:p>
+            <a:pPr algn="l"/>
+            <a:endParaRPr lang="en-US" b="0" i="0" dirty="0">
+              <a:solidFill>
+                <a:srgbClr val="374151"/>
+              </a:solidFill>
+              <a:effectLst/>
+              <a:latin typeface="Söhne"/>
+            </a:endParaRPr>
+          </a:p>
+          <a:p>
+            <a:pPr algn="l"/>
+            <a:r>
+              <a:rPr lang="en-US" b="0" i="0" dirty="0">
+                <a:solidFill>
+                  <a:srgbClr val="374151"/>
+                </a:solidFill>
+                <a:effectLst/>
+                <a:latin typeface="Söhne"/>
+              </a:rPr>
+              <a:t>For BMI we can see the data is far more clustered, with the exception of extreme </a:t>
+            </a:r>
+            <a:r>
+              <a:rPr lang="en-US" b="0" i="0" dirty="0" err="1">
+                <a:solidFill>
+                  <a:srgbClr val="374151"/>
+                </a:solidFill>
+                <a:effectLst/>
+                <a:latin typeface="Söhne"/>
+              </a:rPr>
+              <a:t>bmis</a:t>
+            </a:r>
+            <a:r>
+              <a:rPr lang="en-US" b="0" i="0" dirty="0">
+                <a:solidFill>
+                  <a:srgbClr val="374151"/>
+                </a:solidFill>
+                <a:effectLst/>
+                <a:latin typeface="Söhne"/>
+              </a:rPr>
+              <a:t>. There appears to be a negative correlation between age and </a:t>
+            </a:r>
+            <a:r>
+              <a:rPr lang="en-US" b="0" i="0" dirty="0" err="1">
+                <a:solidFill>
+                  <a:srgbClr val="374151"/>
+                </a:solidFill>
+                <a:effectLst/>
+                <a:latin typeface="Söhne"/>
+              </a:rPr>
+              <a:t>bmi</a:t>
+            </a:r>
+            <a:r>
+              <a:rPr lang="en-US" b="0" i="0" dirty="0">
+                <a:solidFill>
+                  <a:srgbClr val="374151"/>
+                </a:solidFill>
+                <a:effectLst/>
+                <a:latin typeface="Söhne"/>
+              </a:rPr>
+              <a:t> (the older you get the lower your </a:t>
+            </a:r>
+            <a:r>
+              <a:rPr lang="en-US" b="0" i="0" dirty="0" err="1">
+                <a:solidFill>
+                  <a:srgbClr val="374151"/>
+                </a:solidFill>
+                <a:effectLst/>
+                <a:latin typeface="Söhne"/>
+              </a:rPr>
+              <a:t>bmi</a:t>
+            </a:r>
+            <a:r>
+              <a:rPr lang="en-US" b="0" i="0" dirty="0">
+                <a:solidFill>
+                  <a:srgbClr val="374151"/>
+                </a:solidFill>
+                <a:effectLst/>
+                <a:latin typeface="Söhne"/>
+              </a:rPr>
+              <a:t>. The incidence of stroke in those of an overweight and obese </a:t>
+            </a:r>
+            <a:r>
+              <a:rPr lang="en-US" b="0" i="0" dirty="0" err="1">
+                <a:solidFill>
+                  <a:srgbClr val="374151"/>
+                </a:solidFill>
+                <a:effectLst/>
+                <a:latin typeface="Söhne"/>
+              </a:rPr>
+              <a:t>bmi</a:t>
+            </a:r>
+            <a:r>
+              <a:rPr lang="en-US" b="0" i="0" dirty="0">
+                <a:solidFill>
+                  <a:srgbClr val="374151"/>
+                </a:solidFill>
+                <a:effectLst/>
+                <a:latin typeface="Söhne"/>
+              </a:rPr>
+              <a:t> seems to increase the older you get. </a:t>
+            </a:r>
           </a:p>
         </p:txBody>
       </p:sp>
@@ -1576,7 +2437,7 @@
           <p:cNvPr id="4" name="Slide Number Placeholder 3">
             <a:extLst>
               <a:ext uri="{FF2B5EF4-FFF2-40B4-BE49-F238E27FC236}">
-                <a16:creationId xmlns:a16="http://schemas.microsoft.com/office/drawing/2014/main" id="{3862A2FC-7E98-6E31-2BF0-7CA7E8D9B8DA}"/>
+                <a16:creationId xmlns:a16="http://schemas.microsoft.com/office/drawing/2014/main" id="{AD6697E5-F211-F48E-A66C-8FBCE248F9F9}"/>
               </a:ext>
             </a:extLst>
           </p:cNvPr>
@@ -1603,7 +2464,7 @@
     </p:spTree>
     <p:extLst>
       <p:ext uri="{BB962C8B-B14F-4D97-AF65-F5344CB8AC3E}">
-        <p14:creationId xmlns:p14="http://schemas.microsoft.com/office/powerpoint/2010/main" val="1095442868"/>
+        <p14:creationId xmlns:p14="http://schemas.microsoft.com/office/powerpoint/2010/main" val="2386124854"/>
       </p:ext>
     </p:extLst>
   </p:cSld>
@@ -1621,7 +2482,7 @@
         <p:cNvPr id="1" name="">
           <a:extLst>
             <a:ext uri="{FF2B5EF4-FFF2-40B4-BE49-F238E27FC236}">
-              <a16:creationId xmlns:a16="http://schemas.microsoft.com/office/drawing/2014/main" id="{E8333B26-3930-582F-FE2F-AE5E4B4F363C}"/>
+              <a16:creationId xmlns:a16="http://schemas.microsoft.com/office/drawing/2014/main" id="{CA3EBFDD-0351-78E9-82BC-12C0725E4A5E}"/>
             </a:ext>
           </a:extLst>
         </p:cNvPr>
@@ -1641,7 +2502,7 @@
           <p:cNvPr id="2" name="Slide Image Placeholder 1">
             <a:extLst>
               <a:ext uri="{FF2B5EF4-FFF2-40B4-BE49-F238E27FC236}">
-                <a16:creationId xmlns:a16="http://schemas.microsoft.com/office/drawing/2014/main" id="{D0AD4EF8-6724-BCC0-1207-E9D569611398}"/>
+                <a16:creationId xmlns:a16="http://schemas.microsoft.com/office/drawing/2014/main" id="{7B5EBF6D-BC8C-0A94-BCA8-579D6A0BCDAF}"/>
               </a:ext>
             </a:extLst>
           </p:cNvPr>
@@ -1659,7 +2520,7 @@
           <p:cNvPr id="3" name="Notes Placeholder 2">
             <a:extLst>
               <a:ext uri="{FF2B5EF4-FFF2-40B4-BE49-F238E27FC236}">
-                <a16:creationId xmlns:a16="http://schemas.microsoft.com/office/drawing/2014/main" id="{265FF0D8-8E1E-DE4F-38AD-910C4DEC2BA1}"/>
+                <a16:creationId xmlns:a16="http://schemas.microsoft.com/office/drawing/2014/main" id="{765B0262-FE92-D6FE-72EB-4714FAF4BEC5}"/>
               </a:ext>
             </a:extLst>
           </p:cNvPr>
@@ -1675,6 +2536,118 @@
           <a:bodyPr/>
           <a:lstStyle/>
           <a:p>
+            <a:pPr algn="l"/>
+            <a:endParaRPr lang="en-US" b="0" i="0" dirty="0">
+              <a:solidFill>
+                <a:srgbClr val="000000"/>
+              </a:solidFill>
+              <a:effectLst/>
+              <a:latin typeface="Helvetica Neue"/>
+            </a:endParaRPr>
+          </a:p>
+          <a:p>
+            <a:pPr marL="0" marR="0" lvl="0" indent="0" algn="l" defTabSz="914400" rtl="0" eaLnBrk="1" fontAlgn="auto" latinLnBrk="0" hangingPunct="1">
+              <a:lnSpc>
+                <a:spcPct val="100000"/>
+              </a:lnSpc>
+              <a:spcBef>
+                <a:spcPts val="0"/>
+              </a:spcBef>
+              <a:spcAft>
+                <a:spcPts val="0"/>
+              </a:spcAft>
+              <a:buClrTx/>
+              <a:buSzTx/>
+              <a:buFontTx/>
+              <a:buNone/>
+              <a:tabLst/>
+              <a:defRPr/>
+            </a:pPr>
+            <a:r>
+              <a:rPr lang="en-US" b="0" i="0" dirty="0">
+                <a:solidFill>
+                  <a:srgbClr val="374151"/>
+                </a:solidFill>
+                <a:effectLst/>
+                <a:latin typeface="Söhne"/>
+              </a:rPr>
+              <a:t>For the Blood sugar you can see the data is far more variable, but there is a positive relationship between age and blood sugar. The pink dots show those patients who had a stroke and you can see the data is quite spread out towards the extremes of blood sugar. So this may suggest that blood sugar control becomes more important the older you get in terms of managing stroke risk.</a:t>
+            </a:r>
+          </a:p>
+          <a:p>
+            <a:pPr marL="0" marR="0" lvl="0" indent="0" algn="l" defTabSz="914400" rtl="0" eaLnBrk="1" fontAlgn="auto" latinLnBrk="0" hangingPunct="1">
+              <a:lnSpc>
+                <a:spcPct val="100000"/>
+              </a:lnSpc>
+              <a:spcBef>
+                <a:spcPts val="0"/>
+              </a:spcBef>
+              <a:spcAft>
+                <a:spcPts val="0"/>
+              </a:spcAft>
+              <a:buClrTx/>
+              <a:buSzTx/>
+              <a:buFontTx/>
+              <a:buNone/>
+              <a:tabLst/>
+              <a:defRPr/>
+            </a:pPr>
+            <a:endParaRPr lang="en-US" dirty="0"/>
+          </a:p>
+          <a:p>
+            <a:pPr marL="0" marR="0" lvl="0" indent="0" algn="l" defTabSz="914400" rtl="0" eaLnBrk="1" fontAlgn="auto" latinLnBrk="0" hangingPunct="1">
+              <a:lnSpc>
+                <a:spcPct val="100000"/>
+              </a:lnSpc>
+              <a:spcBef>
+                <a:spcPts val="0"/>
+              </a:spcBef>
+              <a:spcAft>
+                <a:spcPts val="0"/>
+              </a:spcAft>
+              <a:buClrTx/>
+              <a:buSzTx/>
+              <a:buFontTx/>
+              <a:buNone/>
+              <a:tabLst/>
+              <a:defRPr/>
+            </a:pPr>
+            <a:r>
+              <a:rPr lang="en-US" b="0" i="0" dirty="0">
+                <a:solidFill>
+                  <a:srgbClr val="374151"/>
+                </a:solidFill>
+                <a:effectLst/>
+                <a:latin typeface="Söhne"/>
+              </a:rPr>
+              <a:t>As briefly mentioned, there are anomalous results. These </a:t>
+            </a:r>
+            <a:r>
+              <a:rPr lang="en-US" b="0" i="0" dirty="0" err="1">
+                <a:solidFill>
+                  <a:srgbClr val="374151"/>
+                </a:solidFill>
+                <a:effectLst/>
+                <a:latin typeface="Söhne"/>
+              </a:rPr>
+              <a:t>visualisations</a:t>
+            </a:r>
+            <a:r>
+              <a:rPr lang="en-US" b="0" i="0" dirty="0">
+                <a:solidFill>
+                  <a:srgbClr val="374151"/>
+                </a:solidFill>
+                <a:effectLst/>
+                <a:latin typeface="Söhne"/>
+              </a:rPr>
+              <a:t> are key to highlight issues such as this as most models will require normally distributed data in order to ‘learn’ effectively and make accurate predictions.</a:t>
+            </a:r>
+            <a:endParaRPr lang="en-US" dirty="0"/>
+          </a:p>
+          <a:p>
+            <a:endParaRPr lang="en-US" dirty="0"/>
+          </a:p>
+          <a:p>
             <a:endParaRPr lang="en-US" dirty="0"/>
           </a:p>
         </p:txBody>
@@ -1684,7 +2657,7 @@
           <p:cNvPr id="4" name="Slide Number Placeholder 3">
             <a:extLst>
               <a:ext uri="{FF2B5EF4-FFF2-40B4-BE49-F238E27FC236}">
-                <a16:creationId xmlns:a16="http://schemas.microsoft.com/office/drawing/2014/main" id="{ACB8D817-0807-23D0-20BE-7704341F092D}"/>
+                <a16:creationId xmlns:a16="http://schemas.microsoft.com/office/drawing/2014/main" id="{AD6697E5-F211-F48E-A66C-8FBCE248F9F9}"/>
               </a:ext>
             </a:extLst>
           </p:cNvPr>
@@ -1711,7 +2684,7 @@
     </p:spTree>
     <p:extLst>
       <p:ext uri="{BB962C8B-B14F-4D97-AF65-F5344CB8AC3E}">
-        <p14:creationId xmlns:p14="http://schemas.microsoft.com/office/powerpoint/2010/main" val="1511294550"/>
+        <p14:creationId xmlns:p14="http://schemas.microsoft.com/office/powerpoint/2010/main" val="3010706932"/>
       </p:ext>
     </p:extLst>
   </p:cSld>
@@ -8593,6 +9566,2081 @@
     </p:bg>
     <p:spTree>
       <p:nvGrpSpPr>
+        <p:cNvPr id="1" name="">
+          <a:extLst>
+            <a:ext uri="{FF2B5EF4-FFF2-40B4-BE49-F238E27FC236}">
+              <a16:creationId xmlns:a16="http://schemas.microsoft.com/office/drawing/2014/main" id="{F1F63712-DCF7-7FB6-CD1E-404F819B009A}"/>
+            </a:ext>
+          </a:extLst>
+        </p:cNvPr>
+        <p:cNvGrpSpPr/>
+        <p:nvPr/>
+      </p:nvGrpSpPr>
+      <p:grpSpPr>
+        <a:xfrm>
+          <a:off x="0" y="0"/>
+          <a:ext cx="0" cy="0"/>
+          <a:chOff x="0" y="0"/>
+          <a:chExt cx="0" cy="0"/>
+        </a:xfrm>
+      </p:grpSpPr>
+      <p:sp>
+        <p:nvSpPr>
+          <p:cNvPr id="27" name="Rectangle 26">
+            <a:extLst>
+              <a:ext uri="{FF2B5EF4-FFF2-40B4-BE49-F238E27FC236}">
+                <a16:creationId xmlns:a16="http://schemas.microsoft.com/office/drawing/2014/main" id="{8156857F-BFAB-179B-3832-2A3B5E214362}"/>
+              </a:ext>
+              <a:ext uri="{C183D7F6-B498-43B3-948B-1728B52AA6E4}">
+                <adec:decorative xmlns:adec="http://schemas.microsoft.com/office/drawing/2017/decorative" val="1"/>
+              </a:ext>
+            </a:extLst>
+          </p:cNvPr>
+          <p:cNvSpPr>
+            <a:spLocks noGrp="1" noRot="1" noChangeAspect="1" noMove="1" noResize="1" noEditPoints="1" noAdjustHandles="1" noChangeArrowheads="1" noChangeShapeType="1" noTextEdit="1"/>
+          </p:cNvSpPr>
+          <p:nvPr>
+            <p:extLst>
+              <p:ext uri="{386F3935-93C4-4BCD-93E2-E3B085C9AB24}">
+                <p16:designElem xmlns:p16="http://schemas.microsoft.com/office/powerpoint/2015/main" val="1"/>
+              </p:ext>
+            </p:extLst>
+          </p:nvPr>
+        </p:nvSpPr>
+        <p:spPr>
+          <a:xfrm>
+            <a:off x="0" y="0"/>
+            <a:ext cx="10058400" cy="7772400"/>
+          </a:xfrm>
+          <a:prstGeom prst="rect">
+            <a:avLst/>
+          </a:prstGeom>
+          <a:solidFill>
+            <a:schemeClr val="bg1"/>
+          </a:solidFill>
+          <a:ln>
+            <a:noFill/>
+          </a:ln>
+        </p:spPr>
+        <p:style>
+          <a:lnRef idx="2">
+            <a:schemeClr val="accent1">
+              <a:shade val="50000"/>
+            </a:schemeClr>
+          </a:lnRef>
+          <a:fillRef idx="1">
+            <a:schemeClr val="accent1"/>
+          </a:fillRef>
+          <a:effectRef idx="0">
+            <a:schemeClr val="accent1"/>
+          </a:effectRef>
+          <a:fontRef idx="minor">
+            <a:schemeClr val="lt1"/>
+          </a:fontRef>
+        </p:style>
+        <p:txBody>
+          <a:bodyPr rtlCol="0" anchor="ctr"/>
+          <a:lstStyle/>
+          <a:p>
+            <a:pPr algn="ctr"/>
+            <a:endParaRPr lang="en-US" dirty="0"/>
+          </a:p>
+        </p:txBody>
+      </p:sp>
+      <p:sp>
+        <p:nvSpPr>
+          <p:cNvPr id="29" name="Freeform: Shape 28">
+            <a:extLst>
+              <a:ext uri="{FF2B5EF4-FFF2-40B4-BE49-F238E27FC236}">
+                <a16:creationId xmlns:a16="http://schemas.microsoft.com/office/drawing/2014/main" id="{25B32F72-8238-5E0C-5301-8221F8E52BA8}"/>
+              </a:ext>
+              <a:ext uri="{C183D7F6-B498-43B3-948B-1728B52AA6E4}">
+                <adec:decorative xmlns:adec="http://schemas.microsoft.com/office/drawing/2017/decorative" val="1"/>
+              </a:ext>
+            </a:extLst>
+          </p:cNvPr>
+          <p:cNvSpPr>
+            <a:spLocks noGrp="1" noRot="1" noChangeAspect="1" noMove="1" noResize="1" noEditPoints="1" noAdjustHandles="1" noChangeArrowheads="1" noChangeShapeType="1" noTextEdit="1"/>
+          </p:cNvSpPr>
+          <p:nvPr>
+            <p:extLst>
+              <p:ext uri="{386F3935-93C4-4BCD-93E2-E3B085C9AB24}">
+                <p16:designElem xmlns:p16="http://schemas.microsoft.com/office/powerpoint/2015/main" val="1"/>
+              </p:ext>
+            </p:extLst>
+          </p:nvPr>
+        </p:nvSpPr>
+        <p:spPr>
+          <a:xfrm rot="18900000" flipH="1">
+            <a:off x="-310328" y="-287492"/>
+            <a:ext cx="1507800" cy="1560586"/>
+          </a:xfrm>
+          <a:custGeom>
+            <a:avLst/>
+            <a:gdLst>
+              <a:gd name="connsiteX0" fmla="*/ 0 w 1827638"/>
+              <a:gd name="connsiteY0" fmla="*/ 987379 h 1376989"/>
+              <a:gd name="connsiteX1" fmla="*/ 987379 w 1827638"/>
+              <a:gd name="connsiteY1" fmla="*/ 0 h 1376989"/>
+              <a:gd name="connsiteX2" fmla="*/ 1827638 w 1827638"/>
+              <a:gd name="connsiteY2" fmla="*/ 840260 h 1376989"/>
+              <a:gd name="connsiteX3" fmla="*/ 1827638 w 1827638"/>
+              <a:gd name="connsiteY3" fmla="*/ 1376989 h 1376989"/>
+              <a:gd name="connsiteX4" fmla="*/ 0 w 1827638"/>
+              <a:gd name="connsiteY4" fmla="*/ 1376989 h 1376989"/>
+            </a:gdLst>
+            <a:ahLst/>
+            <a:cxnLst>
+              <a:cxn ang="0">
+                <a:pos x="connsiteX0" y="connsiteY0"/>
+              </a:cxn>
+              <a:cxn ang="0">
+                <a:pos x="connsiteX1" y="connsiteY1"/>
+              </a:cxn>
+              <a:cxn ang="0">
+                <a:pos x="connsiteX2" y="connsiteY2"/>
+              </a:cxn>
+              <a:cxn ang="0">
+                <a:pos x="connsiteX3" y="connsiteY3"/>
+              </a:cxn>
+              <a:cxn ang="0">
+                <a:pos x="connsiteX4" y="connsiteY4"/>
+              </a:cxn>
+            </a:cxnLst>
+            <a:rect l="l" t="t" r="r" b="b"/>
+            <a:pathLst>
+              <a:path w="1827638" h="1376989">
+                <a:moveTo>
+                  <a:pt x="0" y="987379"/>
+                </a:moveTo>
+                <a:lnTo>
+                  <a:pt x="987379" y="0"/>
+                </a:lnTo>
+                <a:lnTo>
+                  <a:pt x="1827638" y="840260"/>
+                </a:lnTo>
+                <a:lnTo>
+                  <a:pt x="1827638" y="1376989"/>
+                </a:lnTo>
+                <a:lnTo>
+                  <a:pt x="0" y="1376989"/>
+                </a:lnTo>
+                <a:close/>
+              </a:path>
+            </a:pathLst>
+          </a:custGeom>
+          <a:solidFill>
+            <a:schemeClr val="accent1">
+              <a:alpha val="30000"/>
+            </a:schemeClr>
+          </a:solidFill>
+          <a:ln>
+            <a:noFill/>
+          </a:ln>
+        </p:spPr>
+        <p:style>
+          <a:lnRef idx="2">
+            <a:schemeClr val="accent1">
+              <a:shade val="50000"/>
+            </a:schemeClr>
+          </a:lnRef>
+          <a:fillRef idx="1">
+            <a:schemeClr val="accent1"/>
+          </a:fillRef>
+          <a:effectRef idx="0">
+            <a:schemeClr val="accent1"/>
+          </a:effectRef>
+          <a:fontRef idx="minor">
+            <a:schemeClr val="lt1"/>
+          </a:fontRef>
+        </p:style>
+        <p:txBody>
+          <a:bodyPr rtlCol="0" anchor="ctr"/>
+          <a:lstStyle/>
+          <a:p>
+            <a:pPr algn="ctr"/>
+            <a:endParaRPr lang="en-US" dirty="0"/>
+          </a:p>
+        </p:txBody>
+      </p:sp>
+      <p:sp>
+        <p:nvSpPr>
+          <p:cNvPr id="31" name="Rectangle 30">
+            <a:extLst>
+              <a:ext uri="{FF2B5EF4-FFF2-40B4-BE49-F238E27FC236}">
+                <a16:creationId xmlns:a16="http://schemas.microsoft.com/office/drawing/2014/main" id="{44DBA55B-2EA7-7FFD-289B-95AC2464D02B}"/>
+              </a:ext>
+              <a:ext uri="{C183D7F6-B498-43B3-948B-1728B52AA6E4}">
+                <adec:decorative xmlns:adec="http://schemas.microsoft.com/office/drawing/2017/decorative" val="1"/>
+              </a:ext>
+            </a:extLst>
+          </p:cNvPr>
+          <p:cNvSpPr>
+            <a:spLocks noGrp="1" noRot="1" noChangeAspect="1" noMove="1" noResize="1" noEditPoints="1" noAdjustHandles="1" noChangeArrowheads="1" noChangeShapeType="1" noTextEdit="1"/>
+          </p:cNvSpPr>
+          <p:nvPr>
+            <p:extLst>
+              <p:ext uri="{386F3935-93C4-4BCD-93E2-E3B085C9AB24}">
+                <p16:designElem xmlns:p16="http://schemas.microsoft.com/office/powerpoint/2015/main" val="1"/>
+              </p:ext>
+            </p:extLst>
+          </p:nvPr>
+        </p:nvSpPr>
+        <p:spPr>
+          <a:xfrm rot="18900000" flipH="1">
+            <a:off x="735603" y="478432"/>
+            <a:ext cx="532429" cy="731417"/>
+          </a:xfrm>
+          <a:prstGeom prst="rect">
+            <a:avLst/>
+          </a:prstGeom>
+          <a:solidFill>
+            <a:schemeClr val="accent1">
+              <a:alpha val="30000"/>
+            </a:schemeClr>
+          </a:solidFill>
+          <a:ln>
+            <a:noFill/>
+          </a:ln>
+        </p:spPr>
+        <p:style>
+          <a:lnRef idx="2">
+            <a:schemeClr val="accent1">
+              <a:shade val="50000"/>
+            </a:schemeClr>
+          </a:lnRef>
+          <a:fillRef idx="1">
+            <a:schemeClr val="accent1"/>
+          </a:fillRef>
+          <a:effectRef idx="0">
+            <a:schemeClr val="accent1"/>
+          </a:effectRef>
+          <a:fontRef idx="minor">
+            <a:schemeClr val="lt1"/>
+          </a:fontRef>
+        </p:style>
+        <p:txBody>
+          <a:bodyPr rtlCol="0" anchor="ctr"/>
+          <a:lstStyle/>
+          <a:p>
+            <a:pPr algn="ctr"/>
+            <a:endParaRPr lang="en-US"/>
+          </a:p>
+        </p:txBody>
+      </p:sp>
+      <p:sp>
+        <p:nvSpPr>
+          <p:cNvPr id="33" name="Rectangle 32">
+            <a:extLst>
+              <a:ext uri="{FF2B5EF4-FFF2-40B4-BE49-F238E27FC236}">
+                <a16:creationId xmlns:a16="http://schemas.microsoft.com/office/drawing/2014/main" id="{803ED4A3-E6F6-A9E4-7297-5C1FBACCEFC5}"/>
+              </a:ext>
+              <a:ext uri="{C183D7F6-B498-43B3-948B-1728B52AA6E4}">
+                <adec:decorative xmlns:adec="http://schemas.microsoft.com/office/drawing/2017/decorative" val="1"/>
+              </a:ext>
+            </a:extLst>
+          </p:cNvPr>
+          <p:cNvSpPr>
+            <a:spLocks noGrp="1" noRot="1" noChangeAspect="1" noMove="1" noResize="1" noEditPoints="1" noAdjustHandles="1" noChangeArrowheads="1" noChangeShapeType="1" noTextEdit="1"/>
+          </p:cNvSpPr>
+          <p:nvPr>
+            <p:extLst>
+              <p:ext uri="{386F3935-93C4-4BCD-93E2-E3B085C9AB24}">
+                <p16:designElem xmlns:p16="http://schemas.microsoft.com/office/powerpoint/2015/main" val="1"/>
+              </p:ext>
+            </p:extLst>
+          </p:nvPr>
+        </p:nvSpPr>
+        <p:spPr>
+          <a:xfrm rot="18900000" flipH="1">
+            <a:off x="8285872" y="742492"/>
+            <a:ext cx="567165" cy="779134"/>
+          </a:xfrm>
+          <a:prstGeom prst="rect">
+            <a:avLst/>
+          </a:prstGeom>
+          <a:solidFill>
+            <a:schemeClr val="accent4">
+              <a:alpha val="30000"/>
+            </a:schemeClr>
+          </a:solidFill>
+          <a:ln>
+            <a:noFill/>
+          </a:ln>
+        </p:spPr>
+        <p:style>
+          <a:lnRef idx="2">
+            <a:schemeClr val="accent1">
+              <a:shade val="50000"/>
+            </a:schemeClr>
+          </a:lnRef>
+          <a:fillRef idx="1">
+            <a:schemeClr val="accent1"/>
+          </a:fillRef>
+          <a:effectRef idx="0">
+            <a:schemeClr val="accent1"/>
+          </a:effectRef>
+          <a:fontRef idx="minor">
+            <a:schemeClr val="lt1"/>
+          </a:fontRef>
+        </p:style>
+        <p:txBody>
+          <a:bodyPr rtlCol="0" anchor="ctr"/>
+          <a:lstStyle/>
+          <a:p>
+            <a:pPr algn="ctr"/>
+            <a:endParaRPr lang="en-US"/>
+          </a:p>
+        </p:txBody>
+      </p:sp>
+      <p:sp>
+        <p:nvSpPr>
+          <p:cNvPr id="35" name="Freeform: Shape 34">
+            <a:extLst>
+              <a:ext uri="{FF2B5EF4-FFF2-40B4-BE49-F238E27FC236}">
+                <a16:creationId xmlns:a16="http://schemas.microsoft.com/office/drawing/2014/main" id="{F759BBD1-D9C3-0F46-D07F-870E04C43D55}"/>
+              </a:ext>
+              <a:ext uri="{C183D7F6-B498-43B3-948B-1728B52AA6E4}">
+                <adec:decorative xmlns:adec="http://schemas.microsoft.com/office/drawing/2017/decorative" val="1"/>
+              </a:ext>
+            </a:extLst>
+          </p:cNvPr>
+          <p:cNvSpPr>
+            <a:spLocks noGrp="1" noRot="1" noChangeAspect="1" noMove="1" noResize="1" noEditPoints="1" noAdjustHandles="1" noChangeArrowheads="1" noChangeShapeType="1" noTextEdit="1"/>
+          </p:cNvSpPr>
+          <p:nvPr>
+            <p:extLst>
+              <p:ext uri="{386F3935-93C4-4BCD-93E2-E3B085C9AB24}">
+                <p16:designElem xmlns:p16="http://schemas.microsoft.com/office/powerpoint/2015/main" val="1"/>
+              </p:ext>
+            </p:extLst>
+          </p:nvPr>
+        </p:nvSpPr>
+        <p:spPr>
+          <a:xfrm rot="10800000" flipH="1">
+            <a:off x="7719230" y="0"/>
+            <a:ext cx="2339170" cy="1678281"/>
+          </a:xfrm>
+          <a:custGeom>
+            <a:avLst/>
+            <a:gdLst>
+              <a:gd name="connsiteX0" fmla="*/ 2835357 w 2835357"/>
+              <a:gd name="connsiteY0" fmla="*/ 1480837 h 1480837"/>
+              <a:gd name="connsiteX1" fmla="*/ 0 w 2835357"/>
+              <a:gd name="connsiteY1" fmla="*/ 1480837 h 1480837"/>
+              <a:gd name="connsiteX2" fmla="*/ 1552727 w 2835357"/>
+              <a:gd name="connsiteY2" fmla="*/ 0 h 1480837"/>
+              <a:gd name="connsiteX3" fmla="*/ 2835357 w 2835357"/>
+              <a:gd name="connsiteY3" fmla="*/ 1223245 h 1480837"/>
+            </a:gdLst>
+            <a:ahLst/>
+            <a:cxnLst>
+              <a:cxn ang="0">
+                <a:pos x="connsiteX0" y="connsiteY0"/>
+              </a:cxn>
+              <a:cxn ang="0">
+                <a:pos x="connsiteX1" y="connsiteY1"/>
+              </a:cxn>
+              <a:cxn ang="0">
+                <a:pos x="connsiteX2" y="connsiteY2"/>
+              </a:cxn>
+              <a:cxn ang="0">
+                <a:pos x="connsiteX3" y="connsiteY3"/>
+              </a:cxn>
+            </a:cxnLst>
+            <a:rect l="l" t="t" r="r" b="b"/>
+            <a:pathLst>
+              <a:path w="2835357" h="1480837">
+                <a:moveTo>
+                  <a:pt x="2835357" y="1480837"/>
+                </a:moveTo>
+                <a:lnTo>
+                  <a:pt x="0" y="1480837"/>
+                </a:lnTo>
+                <a:lnTo>
+                  <a:pt x="1552727" y="0"/>
+                </a:lnTo>
+                <a:lnTo>
+                  <a:pt x="2835357" y="1223245"/>
+                </a:lnTo>
+                <a:close/>
+              </a:path>
+            </a:pathLst>
+          </a:custGeom>
+          <a:solidFill>
+            <a:schemeClr val="accent4">
+              <a:alpha val="30000"/>
+            </a:schemeClr>
+          </a:solidFill>
+          <a:ln>
+            <a:noFill/>
+          </a:ln>
+        </p:spPr>
+        <p:style>
+          <a:lnRef idx="2">
+            <a:schemeClr val="accent1">
+              <a:shade val="50000"/>
+            </a:schemeClr>
+          </a:lnRef>
+          <a:fillRef idx="1">
+            <a:schemeClr val="accent1"/>
+          </a:fillRef>
+          <a:effectRef idx="0">
+            <a:schemeClr val="accent1"/>
+          </a:effectRef>
+          <a:fontRef idx="minor">
+            <a:schemeClr val="lt1"/>
+          </a:fontRef>
+        </p:style>
+        <p:txBody>
+          <a:bodyPr wrap="square" rtlCol="0" anchor="ctr">
+            <a:noAutofit/>
+          </a:bodyPr>
+          <a:lstStyle/>
+          <a:p>
+            <a:pPr algn="ctr"/>
+            <a:endParaRPr lang="en-US" dirty="0"/>
+          </a:p>
+        </p:txBody>
+      </p:sp>
+      <p:sp>
+        <p:nvSpPr>
+          <p:cNvPr id="37" name="Isosceles Triangle 36">
+            <a:extLst>
+              <a:ext uri="{FF2B5EF4-FFF2-40B4-BE49-F238E27FC236}">
+                <a16:creationId xmlns:a16="http://schemas.microsoft.com/office/drawing/2014/main" id="{DCFBF983-ECAB-18D5-301E-4CEB1E72C8F1}"/>
+              </a:ext>
+              <a:ext uri="{C183D7F6-B498-43B3-948B-1728B52AA6E4}">
+                <adec:decorative xmlns:adec="http://schemas.microsoft.com/office/drawing/2017/decorative" val="1"/>
+              </a:ext>
+            </a:extLst>
+          </p:cNvPr>
+          <p:cNvSpPr>
+            <a:spLocks noGrp="1" noRot="1" noChangeAspect="1" noMove="1" noResize="1" noEditPoints="1" noAdjustHandles="1" noChangeArrowheads="1" noChangeShapeType="1" noTextEdit="1"/>
+          </p:cNvSpPr>
+          <p:nvPr>
+            <p:extLst>
+              <p:ext uri="{386F3935-93C4-4BCD-93E2-E3B085C9AB24}">
+                <p16:designElem xmlns:p16="http://schemas.microsoft.com/office/powerpoint/2015/main" val="1"/>
+              </p:ext>
+            </p:extLst>
+          </p:nvPr>
+        </p:nvSpPr>
+        <p:spPr>
+          <a:xfrm flipH="1">
+            <a:off x="6580483" y="6930901"/>
+            <a:ext cx="1232974" cy="841499"/>
+          </a:xfrm>
+          <a:prstGeom prst="triangle">
+            <a:avLst/>
+          </a:prstGeom>
+          <a:solidFill>
+            <a:schemeClr val="accent1">
+              <a:alpha val="30000"/>
+            </a:schemeClr>
+          </a:solidFill>
+          <a:ln>
+            <a:noFill/>
+          </a:ln>
+        </p:spPr>
+        <p:style>
+          <a:lnRef idx="2">
+            <a:schemeClr val="accent1">
+              <a:shade val="50000"/>
+            </a:schemeClr>
+          </a:lnRef>
+          <a:fillRef idx="1">
+            <a:schemeClr val="accent1"/>
+          </a:fillRef>
+          <a:effectRef idx="0">
+            <a:schemeClr val="accent1"/>
+          </a:effectRef>
+          <a:fontRef idx="minor">
+            <a:schemeClr val="lt1"/>
+          </a:fontRef>
+        </p:style>
+        <p:txBody>
+          <a:bodyPr rtlCol="0" anchor="ctr"/>
+          <a:lstStyle/>
+          <a:p>
+            <a:pPr algn="ctr"/>
+            <a:endParaRPr lang="en-US"/>
+          </a:p>
+        </p:txBody>
+      </p:sp>
+      <p:pic>
+        <p:nvPicPr>
+          <p:cNvPr id="22" name="Picture Placeholder 21">
+            <a:extLst>
+              <a:ext uri="{FF2B5EF4-FFF2-40B4-BE49-F238E27FC236}">
+                <a16:creationId xmlns:a16="http://schemas.microsoft.com/office/drawing/2014/main" id="{E82C69EC-4DEE-F626-E3F9-870FAE40A2E7}"/>
+              </a:ext>
+            </a:extLst>
+          </p:cNvPr>
+          <p:cNvPicPr>
+            <a:picLocks noGrp="1" noChangeAspect="1"/>
+          </p:cNvPicPr>
+          <p:nvPr>
+            <p:ph type="pic" sz="quarter" idx="11"/>
+          </p:nvPr>
+        </p:nvPicPr>
+        <p:blipFill>
+          <a:blip r:embed="rId3"/>
+          <a:srcRect t="4962" b="4962"/>
+          <a:stretch/>
+        </p:blipFill>
+        <p:spPr>
+          <a:xfrm>
+            <a:off x="0" y="4700588"/>
+            <a:ext cx="10058400" cy="3071812"/>
+          </a:xfrm>
+          <a:prstGeom prst="rect">
+            <a:avLst/>
+          </a:prstGeom>
+          <a:ln>
+            <a:noFill/>
+          </a:ln>
+        </p:spPr>
+      </p:pic>
+      <p:sp>
+        <p:nvSpPr>
+          <p:cNvPr id="39" name="Isosceles Triangle 38">
+            <a:extLst>
+              <a:ext uri="{FF2B5EF4-FFF2-40B4-BE49-F238E27FC236}">
+                <a16:creationId xmlns:a16="http://schemas.microsoft.com/office/drawing/2014/main" id="{3C16498B-A146-11F6-EB6C-1AC65F0C9457}"/>
+              </a:ext>
+              <a:ext uri="{C183D7F6-B498-43B3-948B-1728B52AA6E4}">
+                <adec:decorative xmlns:adec="http://schemas.microsoft.com/office/drawing/2017/decorative" val="1"/>
+              </a:ext>
+            </a:extLst>
+          </p:cNvPr>
+          <p:cNvSpPr>
+            <a:spLocks noGrp="1" noRot="1" noChangeAspect="1" noMove="1" noResize="1" noEditPoints="1" noAdjustHandles="1" noChangeArrowheads="1" noChangeShapeType="1" noTextEdit="1"/>
+          </p:cNvSpPr>
+          <p:nvPr>
+            <p:extLst>
+              <p:ext uri="{386F3935-93C4-4BCD-93E2-E3B085C9AB24}">
+                <p16:designElem xmlns:p16="http://schemas.microsoft.com/office/powerpoint/2015/main" val="1"/>
+              </p:ext>
+            </p:extLst>
+          </p:nvPr>
+        </p:nvSpPr>
+        <p:spPr>
+          <a:xfrm flipH="1">
+            <a:off x="6273366" y="7313562"/>
+            <a:ext cx="672294" cy="458838"/>
+          </a:xfrm>
+          <a:prstGeom prst="triangle">
+            <a:avLst/>
+          </a:prstGeom>
+          <a:solidFill>
+            <a:schemeClr val="accent1">
+              <a:alpha val="30000"/>
+            </a:schemeClr>
+          </a:solidFill>
+          <a:ln>
+            <a:noFill/>
+          </a:ln>
+        </p:spPr>
+        <p:style>
+          <a:lnRef idx="2">
+            <a:schemeClr val="accent1">
+              <a:shade val="50000"/>
+            </a:schemeClr>
+          </a:lnRef>
+          <a:fillRef idx="1">
+            <a:schemeClr val="accent1"/>
+          </a:fillRef>
+          <a:effectRef idx="0">
+            <a:schemeClr val="accent1"/>
+          </a:effectRef>
+          <a:fontRef idx="minor">
+            <a:schemeClr val="lt1"/>
+          </a:fontRef>
+        </p:style>
+        <p:txBody>
+          <a:bodyPr rtlCol="0" anchor="ctr"/>
+          <a:lstStyle/>
+          <a:p>
+            <a:pPr algn="ctr"/>
+            <a:endParaRPr lang="en-US"/>
+          </a:p>
+        </p:txBody>
+      </p:sp>
+      <p:sp>
+        <p:nvSpPr>
+          <p:cNvPr id="26" name="TextBox 25">
+            <a:extLst>
+              <a:ext uri="{FF2B5EF4-FFF2-40B4-BE49-F238E27FC236}">
+                <a16:creationId xmlns:a16="http://schemas.microsoft.com/office/drawing/2014/main" id="{69D98DB2-A86A-133F-F60A-9FEFEE6B32B6}"/>
+              </a:ext>
+            </a:extLst>
+          </p:cNvPr>
+          <p:cNvSpPr txBox="1"/>
+          <p:nvPr/>
+        </p:nvSpPr>
+        <p:spPr>
+          <a:xfrm>
+            <a:off x="1448655" y="936933"/>
+            <a:ext cx="7086600" cy="584775"/>
+          </a:xfrm>
+          <a:prstGeom prst="rect">
+            <a:avLst/>
+          </a:prstGeom>
+          <a:noFill/>
+        </p:spPr>
+        <p:txBody>
+          <a:bodyPr wrap="square" rtlCol="0">
+            <a:spAutoFit/>
+          </a:bodyPr>
+          <a:lstStyle/>
+          <a:p>
+            <a:pPr algn="ctr"/>
+            <a:r>
+              <a:rPr lang="en-US" sz="3200" b="1" dirty="0">
+                <a:solidFill>
+                  <a:schemeClr val="tx2"/>
+                </a:solidFill>
+                <a:latin typeface="+mj-lt"/>
+              </a:rPr>
+              <a:t>Supervised Machine Learning</a:t>
+            </a:r>
+          </a:p>
+        </p:txBody>
+      </p:sp>
+      <p:sp>
+        <p:nvSpPr>
+          <p:cNvPr id="28" name="TextBox 27">
+            <a:extLst>
+              <a:ext uri="{FF2B5EF4-FFF2-40B4-BE49-F238E27FC236}">
+                <a16:creationId xmlns:a16="http://schemas.microsoft.com/office/drawing/2014/main" id="{01A3F7CE-72E4-C4EC-6307-7789992692F6}"/>
+              </a:ext>
+            </a:extLst>
+          </p:cNvPr>
+          <p:cNvSpPr txBox="1"/>
+          <p:nvPr/>
+        </p:nvSpPr>
+        <p:spPr>
+          <a:xfrm>
+            <a:off x="1528411" y="1737123"/>
+            <a:ext cx="6886575" cy="2246769"/>
+          </a:xfrm>
+          <a:prstGeom prst="rect">
+            <a:avLst/>
+          </a:prstGeom>
+          <a:noFill/>
+        </p:spPr>
+        <p:txBody>
+          <a:bodyPr wrap="square" rtlCol="0">
+            <a:spAutoFit/>
+          </a:bodyPr>
+          <a:lstStyle/>
+          <a:p>
+            <a:pPr marL="342900" indent="-342900">
+              <a:buAutoNum type="arabicPeriod"/>
+            </a:pPr>
+            <a:r>
+              <a:rPr lang="en-US" sz="2800" dirty="0"/>
+              <a:t>Introduction</a:t>
+            </a:r>
+          </a:p>
+          <a:p>
+            <a:pPr marL="342900" indent="-342900">
+              <a:buAutoNum type="arabicPeriod"/>
+            </a:pPr>
+            <a:r>
+              <a:rPr lang="en-US" sz="2800" dirty="0"/>
+              <a:t>Data Cleaning – SQL</a:t>
+            </a:r>
+          </a:p>
+          <a:p>
+            <a:pPr marL="342900" indent="-342900">
+              <a:buAutoNum type="arabicPeriod"/>
+            </a:pPr>
+            <a:r>
+              <a:rPr lang="en-US" sz="2800" dirty="0"/>
+              <a:t>Visualization – Python Matplotlib &amp; Pandas </a:t>
+            </a:r>
+          </a:p>
+          <a:p>
+            <a:pPr marL="342900" indent="-342900">
+              <a:buAutoNum type="arabicPeriod"/>
+            </a:pPr>
+            <a:r>
+              <a:rPr lang="en-US" sz="2800" dirty="0"/>
+              <a:t>Supervised Machine Learning Models </a:t>
+            </a:r>
+          </a:p>
+          <a:p>
+            <a:pPr marL="342900" indent="-342900">
+              <a:buAutoNum type="arabicPeriod"/>
+            </a:pPr>
+            <a:r>
+              <a:rPr lang="en-US" sz="2800" dirty="0"/>
+              <a:t>Result &amp; Conclusion</a:t>
+            </a:r>
+          </a:p>
+        </p:txBody>
+      </p:sp>
+    </p:spTree>
+    <p:extLst>
+      <p:ext uri="{BB962C8B-B14F-4D97-AF65-F5344CB8AC3E}">
+        <p14:creationId xmlns:p14="http://schemas.microsoft.com/office/powerpoint/2010/main" val="3602966235"/>
+      </p:ext>
+    </p:extLst>
+  </p:cSld>
+  <p:clrMapOvr>
+    <a:masterClrMapping/>
+  </p:clrMapOvr>
+</p:sld>
+</file>
+
+<file path=ppt/slides/slide11.xml><?xml version="1.0" encoding="utf-8"?>
+<p:sld xmlns:a="http://schemas.openxmlformats.org/drawingml/2006/main" xmlns:r="http://schemas.openxmlformats.org/officeDocument/2006/relationships" xmlns:p="http://schemas.openxmlformats.org/presentationml/2006/main">
+  <p:cSld>
+    <p:bg>
+      <p:bgPr>
+        <a:solidFill>
+          <a:schemeClr val="bg1"/>
+        </a:solidFill>
+        <a:effectLst/>
+      </p:bgPr>
+    </p:bg>
+    <p:spTree>
+      <p:nvGrpSpPr>
+        <p:cNvPr id="1" name="">
+          <a:extLst>
+            <a:ext uri="{FF2B5EF4-FFF2-40B4-BE49-F238E27FC236}">
+              <a16:creationId xmlns:a16="http://schemas.microsoft.com/office/drawing/2014/main" id="{07076CFD-B08F-D550-E0F7-AD5D4BF78572}"/>
+            </a:ext>
+          </a:extLst>
+        </p:cNvPr>
+        <p:cNvGrpSpPr/>
+        <p:nvPr/>
+      </p:nvGrpSpPr>
+      <p:grpSpPr>
+        <a:xfrm>
+          <a:off x="0" y="0"/>
+          <a:ext cx="0" cy="0"/>
+          <a:chOff x="0" y="0"/>
+          <a:chExt cx="0" cy="0"/>
+        </a:xfrm>
+      </p:grpSpPr>
+      <p:sp>
+        <p:nvSpPr>
+          <p:cNvPr id="27" name="Rectangle 26">
+            <a:extLst>
+              <a:ext uri="{FF2B5EF4-FFF2-40B4-BE49-F238E27FC236}">
+                <a16:creationId xmlns:a16="http://schemas.microsoft.com/office/drawing/2014/main" id="{86FF76B9-219D-4469-AF87-0236D29032F1}"/>
+              </a:ext>
+              <a:ext uri="{C183D7F6-B498-43B3-948B-1728B52AA6E4}">
+                <adec:decorative xmlns:adec="http://schemas.microsoft.com/office/drawing/2017/decorative" val="1"/>
+              </a:ext>
+            </a:extLst>
+          </p:cNvPr>
+          <p:cNvSpPr>
+            <a:spLocks noGrp="1" noRot="1" noChangeAspect="1" noMove="1" noResize="1" noEditPoints="1" noAdjustHandles="1" noChangeArrowheads="1" noChangeShapeType="1" noTextEdit="1"/>
+          </p:cNvSpPr>
+          <p:nvPr>
+            <p:extLst>
+              <p:ext uri="{386F3935-93C4-4BCD-93E2-E3B085C9AB24}">
+                <p16:designElem xmlns:p16="http://schemas.microsoft.com/office/powerpoint/2015/main" val="1"/>
+              </p:ext>
+            </p:extLst>
+          </p:nvPr>
+        </p:nvSpPr>
+        <p:spPr>
+          <a:xfrm>
+            <a:off x="0" y="0"/>
+            <a:ext cx="10058400" cy="7772400"/>
+          </a:xfrm>
+          <a:prstGeom prst="rect">
+            <a:avLst/>
+          </a:prstGeom>
+          <a:solidFill>
+            <a:schemeClr val="bg1"/>
+          </a:solidFill>
+          <a:ln>
+            <a:noFill/>
+          </a:ln>
+        </p:spPr>
+        <p:style>
+          <a:lnRef idx="2">
+            <a:schemeClr val="accent1">
+              <a:shade val="50000"/>
+            </a:schemeClr>
+          </a:lnRef>
+          <a:fillRef idx="1">
+            <a:schemeClr val="accent1"/>
+          </a:fillRef>
+          <a:effectRef idx="0">
+            <a:schemeClr val="accent1"/>
+          </a:effectRef>
+          <a:fontRef idx="minor">
+            <a:schemeClr val="lt1"/>
+          </a:fontRef>
+        </p:style>
+        <p:txBody>
+          <a:bodyPr rtlCol="0" anchor="ctr"/>
+          <a:lstStyle/>
+          <a:p>
+            <a:pPr algn="ctr"/>
+            <a:endParaRPr lang="en-US" dirty="0"/>
+          </a:p>
+        </p:txBody>
+      </p:sp>
+      <p:grpSp>
+        <p:nvGrpSpPr>
+          <p:cNvPr id="29" name="Group 28">
+            <a:extLst>
+              <a:ext uri="{FF2B5EF4-FFF2-40B4-BE49-F238E27FC236}">
+                <a16:creationId xmlns:a16="http://schemas.microsoft.com/office/drawing/2014/main" id="{DB88BD78-87E1-424D-B479-C37D8E41B12E}"/>
+              </a:ext>
+              <a:ext uri="{C183D7F6-B498-43B3-948B-1728B52AA6E4}">
+                <adec:decorative xmlns:adec="http://schemas.microsoft.com/office/drawing/2017/decorative" val="1"/>
+              </a:ext>
+            </a:extLst>
+          </p:cNvPr>
+          <p:cNvGrpSpPr>
+            <a:grpSpLocks noGrp="1" noUngrp="1" noRot="1" noChangeAspect="1" noMove="1" noResize="1"/>
+          </p:cNvGrpSpPr>
+          <p:nvPr>
+            <p:extLst>
+              <p:ext uri="{386F3935-93C4-4BCD-93E2-E3B085C9AB24}">
+                <p16:designElem xmlns:p16="http://schemas.microsoft.com/office/powerpoint/2015/main" val="1"/>
+              </p:ext>
+            </p:extLst>
+          </p:nvPr>
+        </p:nvGrpSpPr>
+        <p:grpSpPr>
+          <a:xfrm flipH="1">
+            <a:off x="9045825" y="2672"/>
+            <a:ext cx="1548239" cy="2001476"/>
+            <a:chOff x="-648769" y="2358"/>
+            <a:chExt cx="1876653" cy="1766008"/>
+          </a:xfrm>
+        </p:grpSpPr>
+        <p:sp>
+          <p:nvSpPr>
+            <p:cNvPr id="30" name="Freeform: Shape 29">
+              <a:extLst>
+                <a:ext uri="{FF2B5EF4-FFF2-40B4-BE49-F238E27FC236}">
+                  <a16:creationId xmlns:a16="http://schemas.microsoft.com/office/drawing/2014/main" id="{C05EB894-9410-4B20-95E4-7A25101AB895}"/>
+                </a:ext>
+                <a:ext uri="{C183D7F6-B498-43B3-948B-1728B52AA6E4}">
+                  <adec:decorative xmlns:adec="http://schemas.microsoft.com/office/drawing/2017/decorative" val="1"/>
+                </a:ext>
+              </a:extLst>
+            </p:cNvPr>
+            <p:cNvSpPr/>
+            <p:nvPr>
+              <p:extLst>
+                <p:ext uri="{386F3935-93C4-4BCD-93E2-E3B085C9AB24}">
+                  <p16:designElem xmlns:p16="http://schemas.microsoft.com/office/powerpoint/2015/main" val="1"/>
+                </p:ext>
+              </p:extLst>
+            </p:nvPr>
+          </p:nvSpPr>
+          <p:spPr>
+            <a:xfrm rot="2700000">
+              <a:off x="-415188" y="-231223"/>
+              <a:ext cx="1409491" cy="1876653"/>
+            </a:xfrm>
+            <a:custGeom>
+              <a:avLst/>
+              <a:gdLst>
+                <a:gd name="connsiteX0" fmla="*/ 0 w 1409491"/>
+                <a:gd name="connsiteY0" fmla="*/ 643075 h 1876653"/>
+                <a:gd name="connsiteX1" fmla="*/ 643075 w 1409491"/>
+                <a:gd name="connsiteY1" fmla="*/ 0 h 1876653"/>
+                <a:gd name="connsiteX2" fmla="*/ 1409491 w 1409491"/>
+                <a:gd name="connsiteY2" fmla="*/ 0 h 1876653"/>
+                <a:gd name="connsiteX3" fmla="*/ 1409491 w 1409491"/>
+                <a:gd name="connsiteY3" fmla="*/ 1876653 h 1876653"/>
+                <a:gd name="connsiteX4" fmla="*/ 1233578 w 1409491"/>
+                <a:gd name="connsiteY4" fmla="*/ 1876653 h 1876653"/>
+              </a:gdLst>
+              <a:ahLst/>
+              <a:cxnLst>
+                <a:cxn ang="0">
+                  <a:pos x="connsiteX0" y="connsiteY0"/>
+                </a:cxn>
+                <a:cxn ang="0">
+                  <a:pos x="connsiteX1" y="connsiteY1"/>
+                </a:cxn>
+                <a:cxn ang="0">
+                  <a:pos x="connsiteX2" y="connsiteY2"/>
+                </a:cxn>
+                <a:cxn ang="0">
+                  <a:pos x="connsiteX3" y="connsiteY3"/>
+                </a:cxn>
+                <a:cxn ang="0">
+                  <a:pos x="connsiteX4" y="connsiteY4"/>
+                </a:cxn>
+              </a:cxnLst>
+              <a:rect l="l" t="t" r="r" b="b"/>
+              <a:pathLst>
+                <a:path w="1409491" h="1876653">
+                  <a:moveTo>
+                    <a:pt x="0" y="643075"/>
+                  </a:moveTo>
+                  <a:lnTo>
+                    <a:pt x="643075" y="0"/>
+                  </a:lnTo>
+                  <a:lnTo>
+                    <a:pt x="1409491" y="0"/>
+                  </a:lnTo>
+                  <a:lnTo>
+                    <a:pt x="1409491" y="1876653"/>
+                  </a:lnTo>
+                  <a:lnTo>
+                    <a:pt x="1233578" y="1876653"/>
+                  </a:lnTo>
+                  <a:close/>
+                </a:path>
+              </a:pathLst>
+            </a:custGeom>
+            <a:solidFill>
+              <a:schemeClr val="accent1">
+                <a:alpha val="30000"/>
+              </a:schemeClr>
+            </a:solidFill>
+            <a:ln>
+              <a:noFill/>
+            </a:ln>
+          </p:spPr>
+          <p:style>
+            <a:lnRef idx="2">
+              <a:schemeClr val="accent1">
+                <a:shade val="50000"/>
+              </a:schemeClr>
+            </a:lnRef>
+            <a:fillRef idx="1">
+              <a:schemeClr val="accent1"/>
+            </a:fillRef>
+            <a:effectRef idx="0">
+              <a:schemeClr val="accent1"/>
+            </a:effectRef>
+            <a:fontRef idx="minor">
+              <a:schemeClr val="lt1"/>
+            </a:fontRef>
+          </p:style>
+          <p:txBody>
+            <a:bodyPr rtlCol="0" anchor="ctr"/>
+            <a:lstStyle/>
+            <a:p>
+              <a:pPr algn="ctr"/>
+              <a:endParaRPr lang="en-US"/>
+            </a:p>
+          </p:txBody>
+        </p:sp>
+        <p:sp>
+          <p:nvSpPr>
+            <p:cNvPr id="31" name="Rectangle 30">
+              <a:extLst>
+                <a:ext uri="{FF2B5EF4-FFF2-40B4-BE49-F238E27FC236}">
+                  <a16:creationId xmlns:a16="http://schemas.microsoft.com/office/drawing/2014/main" id="{166E38B6-B050-4340-8E8F-3A971DADC031}"/>
+                </a:ext>
+                <a:ext uri="{C183D7F6-B498-43B3-948B-1728B52AA6E4}">
+                  <adec:decorative xmlns:adec="http://schemas.microsoft.com/office/drawing/2017/decorative" val="1"/>
+                </a:ext>
+              </a:extLst>
+            </p:cNvPr>
+            <p:cNvSpPr/>
+            <p:nvPr>
+              <p:extLst>
+                <p:ext uri="{386F3935-93C4-4BCD-93E2-E3B085C9AB24}">
+                  <p16:designElem xmlns:p16="http://schemas.microsoft.com/office/powerpoint/2015/main" val="1"/>
+                </p:ext>
+              </p:extLst>
+            </p:nvPr>
+          </p:nvSpPr>
+          <p:spPr>
+            <a:xfrm rot="2700000">
+              <a:off x="301285" y="1282788"/>
+              <a:ext cx="485578" cy="485578"/>
+            </a:xfrm>
+            <a:prstGeom prst="rect">
+              <a:avLst/>
+            </a:prstGeom>
+            <a:solidFill>
+              <a:schemeClr val="accent1">
+                <a:alpha val="30000"/>
+              </a:schemeClr>
+            </a:solidFill>
+            <a:ln>
+              <a:noFill/>
+            </a:ln>
+          </p:spPr>
+          <p:style>
+            <a:lnRef idx="2">
+              <a:schemeClr val="accent1">
+                <a:shade val="50000"/>
+              </a:schemeClr>
+            </a:lnRef>
+            <a:fillRef idx="1">
+              <a:schemeClr val="accent1"/>
+            </a:fillRef>
+            <a:effectRef idx="0">
+              <a:schemeClr val="accent1"/>
+            </a:effectRef>
+            <a:fontRef idx="minor">
+              <a:schemeClr val="lt1"/>
+            </a:fontRef>
+          </p:style>
+          <p:txBody>
+            <a:bodyPr rtlCol="0" anchor="ctr"/>
+            <a:lstStyle/>
+            <a:p>
+              <a:pPr algn="ctr"/>
+              <a:endParaRPr lang="en-US"/>
+            </a:p>
+          </p:txBody>
+        </p:sp>
+      </p:grpSp>
+      <p:sp>
+        <p:nvSpPr>
+          <p:cNvPr id="33" name="Rectangle 32">
+            <a:extLst>
+              <a:ext uri="{FF2B5EF4-FFF2-40B4-BE49-F238E27FC236}">
+                <a16:creationId xmlns:a16="http://schemas.microsoft.com/office/drawing/2014/main" id="{2E80C965-DB6D-4F81-9E9E-B027384D0BD6}"/>
+              </a:ext>
+              <a:ext uri="{C183D7F6-B498-43B3-948B-1728B52AA6E4}">
+                <adec:decorative xmlns:adec="http://schemas.microsoft.com/office/drawing/2017/decorative" val="1"/>
+              </a:ext>
+            </a:extLst>
+          </p:cNvPr>
+          <p:cNvSpPr>
+            <a:spLocks noGrp="1" noRot="1" noChangeAspect="1" noMove="1" noResize="1" noEditPoints="1" noAdjustHandles="1" noChangeArrowheads="1" noChangeShapeType="1" noTextEdit="1"/>
+          </p:cNvSpPr>
+          <p:nvPr>
+            <p:extLst>
+              <p:ext uri="{386F3935-93C4-4BCD-93E2-E3B085C9AB24}">
+                <p16:designElem xmlns:p16="http://schemas.microsoft.com/office/powerpoint/2015/main" val="1"/>
+              </p:ext>
+            </p:extLst>
+          </p:nvPr>
+        </p:nvSpPr>
+        <p:spPr>
+          <a:xfrm rot="2700000">
+            <a:off x="2158692" y="6937649"/>
+            <a:ext cx="731417" cy="532429"/>
+          </a:xfrm>
+          <a:prstGeom prst="rect">
+            <a:avLst/>
+          </a:prstGeom>
+          <a:solidFill>
+            <a:schemeClr val="accent4">
+              <a:alpha val="30000"/>
+            </a:schemeClr>
+          </a:solidFill>
+          <a:ln>
+            <a:noFill/>
+          </a:ln>
+        </p:spPr>
+        <p:style>
+          <a:lnRef idx="2">
+            <a:schemeClr val="accent1">
+              <a:shade val="50000"/>
+            </a:schemeClr>
+          </a:lnRef>
+          <a:fillRef idx="1">
+            <a:schemeClr val="accent1"/>
+          </a:fillRef>
+          <a:effectRef idx="0">
+            <a:schemeClr val="accent1"/>
+          </a:effectRef>
+          <a:fontRef idx="minor">
+            <a:schemeClr val="lt1"/>
+          </a:fontRef>
+        </p:style>
+        <p:txBody>
+          <a:bodyPr rtlCol="0" anchor="ctr"/>
+          <a:lstStyle/>
+          <a:p>
+            <a:pPr algn="ctr"/>
+            <a:endParaRPr lang="en-US"/>
+          </a:p>
+        </p:txBody>
+      </p:sp>
+      <p:sp>
+        <p:nvSpPr>
+          <p:cNvPr id="35" name="Isosceles Triangle 34">
+            <a:extLst>
+              <a:ext uri="{FF2B5EF4-FFF2-40B4-BE49-F238E27FC236}">
+                <a16:creationId xmlns:a16="http://schemas.microsoft.com/office/drawing/2014/main" id="{633C5E46-DAC5-4661-9C87-22B08E2A512F}"/>
+              </a:ext>
+              <a:ext uri="{C183D7F6-B498-43B3-948B-1728B52AA6E4}">
+                <adec:decorative xmlns:adec="http://schemas.microsoft.com/office/drawing/2017/decorative" val="1"/>
+              </a:ext>
+            </a:extLst>
+          </p:cNvPr>
+          <p:cNvSpPr>
+            <a:spLocks noGrp="1" noRot="1" noChangeAspect="1" noMove="1" noResize="1" noEditPoints="1" noAdjustHandles="1" noChangeArrowheads="1" noChangeShapeType="1" noTextEdit="1"/>
+          </p:cNvSpPr>
+          <p:nvPr>
+            <p:extLst>
+              <p:ext uri="{386F3935-93C4-4BCD-93E2-E3B085C9AB24}">
+                <p16:designElem xmlns:p16="http://schemas.microsoft.com/office/powerpoint/2015/main" val="1"/>
+              </p:ext>
+            </p:extLst>
+          </p:nvPr>
+        </p:nvSpPr>
+        <p:spPr>
+          <a:xfrm>
+            <a:off x="1108334" y="6483922"/>
+            <a:ext cx="1866121" cy="1288476"/>
+          </a:xfrm>
+          <a:prstGeom prst="triangle">
+            <a:avLst>
+              <a:gd name="adj" fmla="val 50000"/>
+            </a:avLst>
+          </a:prstGeom>
+          <a:solidFill>
+            <a:schemeClr val="accent4">
+              <a:alpha val="30000"/>
+            </a:schemeClr>
+          </a:solidFill>
+          <a:ln>
+            <a:noFill/>
+          </a:ln>
+        </p:spPr>
+        <p:style>
+          <a:lnRef idx="2">
+            <a:schemeClr val="accent1">
+              <a:shade val="50000"/>
+            </a:schemeClr>
+          </a:lnRef>
+          <a:fillRef idx="1">
+            <a:schemeClr val="accent1"/>
+          </a:fillRef>
+          <a:effectRef idx="0">
+            <a:schemeClr val="accent1"/>
+          </a:effectRef>
+          <a:fontRef idx="minor">
+            <a:schemeClr val="lt1"/>
+          </a:fontRef>
+        </p:style>
+        <p:txBody>
+          <a:bodyPr rtlCol="0" anchor="ctr"/>
+          <a:lstStyle/>
+          <a:p>
+            <a:pPr algn="ctr"/>
+            <a:endParaRPr lang="en-US"/>
+          </a:p>
+        </p:txBody>
+      </p:sp>
+      <p:pic>
+        <p:nvPicPr>
+          <p:cNvPr id="5" name="Picture Placeholder 4">
+            <a:extLst>
+              <a:ext uri="{FF2B5EF4-FFF2-40B4-BE49-F238E27FC236}">
+                <a16:creationId xmlns:a16="http://schemas.microsoft.com/office/drawing/2014/main" id="{4E7E008B-52C3-08D7-3FC4-A2992AA7D10E}"/>
+              </a:ext>
+            </a:extLst>
+          </p:cNvPr>
+          <p:cNvPicPr>
+            <a:picLocks noGrp="1" noChangeAspect="1"/>
+          </p:cNvPicPr>
+          <p:nvPr>
+            <p:ph type="pic" sz="quarter" idx="11"/>
+          </p:nvPr>
+        </p:nvPicPr>
+        <p:blipFill>
+          <a:blip r:embed="rId3"/>
+          <a:srcRect t="3172" b="3172"/>
+          <a:stretch/>
+        </p:blipFill>
+        <p:spPr>
+          <a:xfrm>
+            <a:off x="0" y="4700588"/>
+            <a:ext cx="10058400" cy="3071812"/>
+          </a:xfrm>
+        </p:spPr>
+      </p:pic>
+      <p:sp>
+        <p:nvSpPr>
+          <p:cNvPr id="6" name="TextBox 5">
+            <a:extLst>
+              <a:ext uri="{FF2B5EF4-FFF2-40B4-BE49-F238E27FC236}">
+                <a16:creationId xmlns:a16="http://schemas.microsoft.com/office/drawing/2014/main" id="{57471979-3A2A-3115-7259-DFBBC5EDD887}"/>
+              </a:ext>
+            </a:extLst>
+          </p:cNvPr>
+          <p:cNvSpPr txBox="1"/>
+          <p:nvPr/>
+        </p:nvSpPr>
+        <p:spPr>
+          <a:xfrm>
+            <a:off x="1448655" y="936933"/>
+            <a:ext cx="7086600" cy="584775"/>
+          </a:xfrm>
+          <a:prstGeom prst="rect">
+            <a:avLst/>
+          </a:prstGeom>
+          <a:noFill/>
+        </p:spPr>
+        <p:txBody>
+          <a:bodyPr wrap="square" rtlCol="0">
+            <a:spAutoFit/>
+          </a:bodyPr>
+          <a:lstStyle/>
+          <a:p>
+            <a:pPr algn="ctr"/>
+            <a:r>
+              <a:rPr lang="en-US" sz="3200" b="1" dirty="0">
+                <a:solidFill>
+                  <a:schemeClr val="tx2"/>
+                </a:solidFill>
+                <a:latin typeface="+mj-lt"/>
+              </a:rPr>
+              <a:t>Model Optimization</a:t>
+            </a:r>
+          </a:p>
+        </p:txBody>
+      </p:sp>
+      <p:sp>
+        <p:nvSpPr>
+          <p:cNvPr id="7" name="TextBox 6">
+            <a:extLst>
+              <a:ext uri="{FF2B5EF4-FFF2-40B4-BE49-F238E27FC236}">
+                <a16:creationId xmlns:a16="http://schemas.microsoft.com/office/drawing/2014/main" id="{152DB5FC-6B69-C0C6-2E02-479545CD5E06}"/>
+              </a:ext>
+            </a:extLst>
+          </p:cNvPr>
+          <p:cNvSpPr txBox="1"/>
+          <p:nvPr/>
+        </p:nvSpPr>
+        <p:spPr>
+          <a:xfrm>
+            <a:off x="1528411" y="1737123"/>
+            <a:ext cx="6886575" cy="2246769"/>
+          </a:xfrm>
+          <a:prstGeom prst="rect">
+            <a:avLst/>
+          </a:prstGeom>
+          <a:noFill/>
+        </p:spPr>
+        <p:txBody>
+          <a:bodyPr wrap="square" rtlCol="0">
+            <a:spAutoFit/>
+          </a:bodyPr>
+          <a:lstStyle/>
+          <a:p>
+            <a:pPr marL="342900" indent="-342900">
+              <a:buAutoNum type="arabicPeriod"/>
+            </a:pPr>
+            <a:r>
+              <a:rPr lang="en-US" sz="2800" dirty="0"/>
+              <a:t>Introduction</a:t>
+            </a:r>
+          </a:p>
+          <a:p>
+            <a:pPr marL="342900" indent="-342900">
+              <a:buAutoNum type="arabicPeriod"/>
+            </a:pPr>
+            <a:r>
+              <a:rPr lang="en-US" sz="2800" dirty="0"/>
+              <a:t>Data Cleaning – SQL</a:t>
+            </a:r>
+          </a:p>
+          <a:p>
+            <a:pPr marL="342900" indent="-342900">
+              <a:buAutoNum type="arabicPeriod"/>
+            </a:pPr>
+            <a:r>
+              <a:rPr lang="en-US" sz="2800" dirty="0"/>
+              <a:t>Visualization – Python Matplotlib &amp; Pandas </a:t>
+            </a:r>
+          </a:p>
+          <a:p>
+            <a:pPr marL="342900" indent="-342900">
+              <a:buAutoNum type="arabicPeriod"/>
+            </a:pPr>
+            <a:r>
+              <a:rPr lang="en-US" sz="2800" dirty="0"/>
+              <a:t>Supervised Machine Learning Models </a:t>
+            </a:r>
+          </a:p>
+          <a:p>
+            <a:pPr marL="342900" indent="-342900">
+              <a:buAutoNum type="arabicPeriod"/>
+            </a:pPr>
+            <a:r>
+              <a:rPr lang="en-US" sz="2800" dirty="0"/>
+              <a:t>Result &amp; Conclusion</a:t>
+            </a:r>
+          </a:p>
+        </p:txBody>
+      </p:sp>
+    </p:spTree>
+    <p:extLst>
+      <p:ext uri="{BB962C8B-B14F-4D97-AF65-F5344CB8AC3E}">
+        <p14:creationId xmlns:p14="http://schemas.microsoft.com/office/powerpoint/2010/main" val="3416960612"/>
+      </p:ext>
+    </p:extLst>
+  </p:cSld>
+  <p:clrMapOvr>
+    <a:masterClrMapping/>
+  </p:clrMapOvr>
+</p:sld>
+</file>
+
+<file path=ppt/slides/slide12.xml><?xml version="1.0" encoding="utf-8"?>
+<p:sld xmlns:a="http://schemas.openxmlformats.org/drawingml/2006/main" xmlns:r="http://schemas.openxmlformats.org/officeDocument/2006/relationships" xmlns:p="http://schemas.openxmlformats.org/presentationml/2006/main">
+  <p:cSld>
+    <p:bg>
+      <p:bgPr>
+        <a:solidFill>
+          <a:schemeClr val="bg1"/>
+        </a:solidFill>
+        <a:effectLst/>
+      </p:bgPr>
+    </p:bg>
+    <p:spTree>
+      <p:nvGrpSpPr>
+        <p:cNvPr id="1" name="">
+          <a:extLst>
+            <a:ext uri="{FF2B5EF4-FFF2-40B4-BE49-F238E27FC236}">
+              <a16:creationId xmlns:a16="http://schemas.microsoft.com/office/drawing/2014/main" id="{19976652-C50D-0AED-59F5-520024B90CBE}"/>
+            </a:ext>
+          </a:extLst>
+        </p:cNvPr>
+        <p:cNvGrpSpPr/>
+        <p:nvPr/>
+      </p:nvGrpSpPr>
+      <p:grpSpPr>
+        <a:xfrm>
+          <a:off x="0" y="0"/>
+          <a:ext cx="0" cy="0"/>
+          <a:chOff x="0" y="0"/>
+          <a:chExt cx="0" cy="0"/>
+        </a:xfrm>
+      </p:grpSpPr>
+      <p:sp>
+        <p:nvSpPr>
+          <p:cNvPr id="27" name="Rectangle 26">
+            <a:extLst>
+              <a:ext uri="{FF2B5EF4-FFF2-40B4-BE49-F238E27FC236}">
+                <a16:creationId xmlns:a16="http://schemas.microsoft.com/office/drawing/2014/main" id="{7BB21BAA-CED1-B16A-1DEE-E71B871D83E9}"/>
+              </a:ext>
+              <a:ext uri="{C183D7F6-B498-43B3-948B-1728B52AA6E4}">
+                <adec:decorative xmlns:adec="http://schemas.microsoft.com/office/drawing/2017/decorative" val="1"/>
+              </a:ext>
+            </a:extLst>
+          </p:cNvPr>
+          <p:cNvSpPr>
+            <a:spLocks noGrp="1" noRot="1" noChangeAspect="1" noMove="1" noResize="1" noEditPoints="1" noAdjustHandles="1" noChangeArrowheads="1" noChangeShapeType="1" noTextEdit="1"/>
+          </p:cNvSpPr>
+          <p:nvPr>
+            <p:extLst>
+              <p:ext uri="{386F3935-93C4-4BCD-93E2-E3B085C9AB24}">
+                <p16:designElem xmlns:p16="http://schemas.microsoft.com/office/powerpoint/2015/main" val="1"/>
+              </p:ext>
+            </p:extLst>
+          </p:nvPr>
+        </p:nvSpPr>
+        <p:spPr>
+          <a:xfrm>
+            <a:off x="0" y="0"/>
+            <a:ext cx="10058400" cy="7772400"/>
+          </a:xfrm>
+          <a:prstGeom prst="rect">
+            <a:avLst/>
+          </a:prstGeom>
+          <a:solidFill>
+            <a:schemeClr val="bg1"/>
+          </a:solidFill>
+          <a:ln>
+            <a:noFill/>
+          </a:ln>
+        </p:spPr>
+        <p:style>
+          <a:lnRef idx="2">
+            <a:schemeClr val="accent1">
+              <a:shade val="50000"/>
+            </a:schemeClr>
+          </a:lnRef>
+          <a:fillRef idx="1">
+            <a:schemeClr val="accent1"/>
+          </a:fillRef>
+          <a:effectRef idx="0">
+            <a:schemeClr val="accent1"/>
+          </a:effectRef>
+          <a:fontRef idx="minor">
+            <a:schemeClr val="lt1"/>
+          </a:fontRef>
+        </p:style>
+        <p:txBody>
+          <a:bodyPr rtlCol="0" anchor="ctr"/>
+          <a:lstStyle/>
+          <a:p>
+            <a:pPr algn="ctr"/>
+            <a:endParaRPr lang="en-US" dirty="0"/>
+          </a:p>
+        </p:txBody>
+      </p:sp>
+      <p:sp>
+        <p:nvSpPr>
+          <p:cNvPr id="29" name="Freeform: Shape 28">
+            <a:extLst>
+              <a:ext uri="{FF2B5EF4-FFF2-40B4-BE49-F238E27FC236}">
+                <a16:creationId xmlns:a16="http://schemas.microsoft.com/office/drawing/2014/main" id="{59F97F45-7FAF-0965-515C-DF36AA4F4400}"/>
+              </a:ext>
+              <a:ext uri="{C183D7F6-B498-43B3-948B-1728B52AA6E4}">
+                <adec:decorative xmlns:adec="http://schemas.microsoft.com/office/drawing/2017/decorative" val="1"/>
+              </a:ext>
+            </a:extLst>
+          </p:cNvPr>
+          <p:cNvSpPr>
+            <a:spLocks noGrp="1" noRot="1" noChangeAspect="1" noMove="1" noResize="1" noEditPoints="1" noAdjustHandles="1" noChangeArrowheads="1" noChangeShapeType="1" noTextEdit="1"/>
+          </p:cNvSpPr>
+          <p:nvPr>
+            <p:extLst>
+              <p:ext uri="{386F3935-93C4-4BCD-93E2-E3B085C9AB24}">
+                <p16:designElem xmlns:p16="http://schemas.microsoft.com/office/powerpoint/2015/main" val="1"/>
+              </p:ext>
+            </p:extLst>
+          </p:nvPr>
+        </p:nvSpPr>
+        <p:spPr>
+          <a:xfrm rot="18900000" flipH="1">
+            <a:off x="-310328" y="-287492"/>
+            <a:ext cx="1507800" cy="1560586"/>
+          </a:xfrm>
+          <a:custGeom>
+            <a:avLst/>
+            <a:gdLst>
+              <a:gd name="connsiteX0" fmla="*/ 0 w 1827638"/>
+              <a:gd name="connsiteY0" fmla="*/ 987379 h 1376989"/>
+              <a:gd name="connsiteX1" fmla="*/ 987379 w 1827638"/>
+              <a:gd name="connsiteY1" fmla="*/ 0 h 1376989"/>
+              <a:gd name="connsiteX2" fmla="*/ 1827638 w 1827638"/>
+              <a:gd name="connsiteY2" fmla="*/ 840260 h 1376989"/>
+              <a:gd name="connsiteX3" fmla="*/ 1827638 w 1827638"/>
+              <a:gd name="connsiteY3" fmla="*/ 1376989 h 1376989"/>
+              <a:gd name="connsiteX4" fmla="*/ 0 w 1827638"/>
+              <a:gd name="connsiteY4" fmla="*/ 1376989 h 1376989"/>
+            </a:gdLst>
+            <a:ahLst/>
+            <a:cxnLst>
+              <a:cxn ang="0">
+                <a:pos x="connsiteX0" y="connsiteY0"/>
+              </a:cxn>
+              <a:cxn ang="0">
+                <a:pos x="connsiteX1" y="connsiteY1"/>
+              </a:cxn>
+              <a:cxn ang="0">
+                <a:pos x="connsiteX2" y="connsiteY2"/>
+              </a:cxn>
+              <a:cxn ang="0">
+                <a:pos x="connsiteX3" y="connsiteY3"/>
+              </a:cxn>
+              <a:cxn ang="0">
+                <a:pos x="connsiteX4" y="connsiteY4"/>
+              </a:cxn>
+            </a:cxnLst>
+            <a:rect l="l" t="t" r="r" b="b"/>
+            <a:pathLst>
+              <a:path w="1827638" h="1376989">
+                <a:moveTo>
+                  <a:pt x="0" y="987379"/>
+                </a:moveTo>
+                <a:lnTo>
+                  <a:pt x="987379" y="0"/>
+                </a:lnTo>
+                <a:lnTo>
+                  <a:pt x="1827638" y="840260"/>
+                </a:lnTo>
+                <a:lnTo>
+                  <a:pt x="1827638" y="1376989"/>
+                </a:lnTo>
+                <a:lnTo>
+                  <a:pt x="0" y="1376989"/>
+                </a:lnTo>
+                <a:close/>
+              </a:path>
+            </a:pathLst>
+          </a:custGeom>
+          <a:solidFill>
+            <a:schemeClr val="accent1">
+              <a:alpha val="30000"/>
+            </a:schemeClr>
+          </a:solidFill>
+          <a:ln>
+            <a:noFill/>
+          </a:ln>
+        </p:spPr>
+        <p:style>
+          <a:lnRef idx="2">
+            <a:schemeClr val="accent1">
+              <a:shade val="50000"/>
+            </a:schemeClr>
+          </a:lnRef>
+          <a:fillRef idx="1">
+            <a:schemeClr val="accent1"/>
+          </a:fillRef>
+          <a:effectRef idx="0">
+            <a:schemeClr val="accent1"/>
+          </a:effectRef>
+          <a:fontRef idx="minor">
+            <a:schemeClr val="lt1"/>
+          </a:fontRef>
+        </p:style>
+        <p:txBody>
+          <a:bodyPr rtlCol="0" anchor="ctr"/>
+          <a:lstStyle/>
+          <a:p>
+            <a:pPr algn="ctr"/>
+            <a:endParaRPr lang="en-US" dirty="0"/>
+          </a:p>
+        </p:txBody>
+      </p:sp>
+      <p:sp>
+        <p:nvSpPr>
+          <p:cNvPr id="31" name="Rectangle 30">
+            <a:extLst>
+              <a:ext uri="{FF2B5EF4-FFF2-40B4-BE49-F238E27FC236}">
+                <a16:creationId xmlns:a16="http://schemas.microsoft.com/office/drawing/2014/main" id="{C8E56BDA-4F67-DA7E-D11A-F7C40647ADE6}"/>
+              </a:ext>
+              <a:ext uri="{C183D7F6-B498-43B3-948B-1728B52AA6E4}">
+                <adec:decorative xmlns:adec="http://schemas.microsoft.com/office/drawing/2017/decorative" val="1"/>
+              </a:ext>
+            </a:extLst>
+          </p:cNvPr>
+          <p:cNvSpPr>
+            <a:spLocks noGrp="1" noRot="1" noChangeAspect="1" noMove="1" noResize="1" noEditPoints="1" noAdjustHandles="1" noChangeArrowheads="1" noChangeShapeType="1" noTextEdit="1"/>
+          </p:cNvSpPr>
+          <p:nvPr>
+            <p:extLst>
+              <p:ext uri="{386F3935-93C4-4BCD-93E2-E3B085C9AB24}">
+                <p16:designElem xmlns:p16="http://schemas.microsoft.com/office/powerpoint/2015/main" val="1"/>
+              </p:ext>
+            </p:extLst>
+          </p:nvPr>
+        </p:nvSpPr>
+        <p:spPr>
+          <a:xfrm rot="18900000" flipH="1">
+            <a:off x="735603" y="478432"/>
+            <a:ext cx="532429" cy="731417"/>
+          </a:xfrm>
+          <a:prstGeom prst="rect">
+            <a:avLst/>
+          </a:prstGeom>
+          <a:solidFill>
+            <a:schemeClr val="accent1">
+              <a:alpha val="30000"/>
+            </a:schemeClr>
+          </a:solidFill>
+          <a:ln>
+            <a:noFill/>
+          </a:ln>
+        </p:spPr>
+        <p:style>
+          <a:lnRef idx="2">
+            <a:schemeClr val="accent1">
+              <a:shade val="50000"/>
+            </a:schemeClr>
+          </a:lnRef>
+          <a:fillRef idx="1">
+            <a:schemeClr val="accent1"/>
+          </a:fillRef>
+          <a:effectRef idx="0">
+            <a:schemeClr val="accent1"/>
+          </a:effectRef>
+          <a:fontRef idx="minor">
+            <a:schemeClr val="lt1"/>
+          </a:fontRef>
+        </p:style>
+        <p:txBody>
+          <a:bodyPr rtlCol="0" anchor="ctr"/>
+          <a:lstStyle/>
+          <a:p>
+            <a:pPr algn="ctr"/>
+            <a:endParaRPr lang="en-US"/>
+          </a:p>
+        </p:txBody>
+      </p:sp>
+      <p:sp>
+        <p:nvSpPr>
+          <p:cNvPr id="33" name="Rectangle 32">
+            <a:extLst>
+              <a:ext uri="{FF2B5EF4-FFF2-40B4-BE49-F238E27FC236}">
+                <a16:creationId xmlns:a16="http://schemas.microsoft.com/office/drawing/2014/main" id="{1AEBF9B3-2C45-A7B0-CBD6-7ACEF01BA03C}"/>
+              </a:ext>
+              <a:ext uri="{C183D7F6-B498-43B3-948B-1728B52AA6E4}">
+                <adec:decorative xmlns:adec="http://schemas.microsoft.com/office/drawing/2017/decorative" val="1"/>
+              </a:ext>
+            </a:extLst>
+          </p:cNvPr>
+          <p:cNvSpPr>
+            <a:spLocks noGrp="1" noRot="1" noChangeAspect="1" noMove="1" noResize="1" noEditPoints="1" noAdjustHandles="1" noChangeArrowheads="1" noChangeShapeType="1" noTextEdit="1"/>
+          </p:cNvSpPr>
+          <p:nvPr>
+            <p:extLst>
+              <p:ext uri="{386F3935-93C4-4BCD-93E2-E3B085C9AB24}">
+                <p16:designElem xmlns:p16="http://schemas.microsoft.com/office/powerpoint/2015/main" val="1"/>
+              </p:ext>
+            </p:extLst>
+          </p:nvPr>
+        </p:nvSpPr>
+        <p:spPr>
+          <a:xfrm rot="18900000" flipH="1">
+            <a:off x="8285872" y="742492"/>
+            <a:ext cx="567165" cy="779134"/>
+          </a:xfrm>
+          <a:prstGeom prst="rect">
+            <a:avLst/>
+          </a:prstGeom>
+          <a:solidFill>
+            <a:schemeClr val="accent4">
+              <a:alpha val="30000"/>
+            </a:schemeClr>
+          </a:solidFill>
+          <a:ln>
+            <a:noFill/>
+          </a:ln>
+        </p:spPr>
+        <p:style>
+          <a:lnRef idx="2">
+            <a:schemeClr val="accent1">
+              <a:shade val="50000"/>
+            </a:schemeClr>
+          </a:lnRef>
+          <a:fillRef idx="1">
+            <a:schemeClr val="accent1"/>
+          </a:fillRef>
+          <a:effectRef idx="0">
+            <a:schemeClr val="accent1"/>
+          </a:effectRef>
+          <a:fontRef idx="minor">
+            <a:schemeClr val="lt1"/>
+          </a:fontRef>
+        </p:style>
+        <p:txBody>
+          <a:bodyPr rtlCol="0" anchor="ctr"/>
+          <a:lstStyle/>
+          <a:p>
+            <a:pPr algn="ctr"/>
+            <a:endParaRPr lang="en-US"/>
+          </a:p>
+        </p:txBody>
+      </p:sp>
+      <p:sp>
+        <p:nvSpPr>
+          <p:cNvPr id="35" name="Freeform: Shape 34">
+            <a:extLst>
+              <a:ext uri="{FF2B5EF4-FFF2-40B4-BE49-F238E27FC236}">
+                <a16:creationId xmlns:a16="http://schemas.microsoft.com/office/drawing/2014/main" id="{9683BA8B-41AC-57DC-440A-8E392CF1D52A}"/>
+              </a:ext>
+              <a:ext uri="{C183D7F6-B498-43B3-948B-1728B52AA6E4}">
+                <adec:decorative xmlns:adec="http://schemas.microsoft.com/office/drawing/2017/decorative" val="1"/>
+              </a:ext>
+            </a:extLst>
+          </p:cNvPr>
+          <p:cNvSpPr>
+            <a:spLocks noGrp="1" noRot="1" noChangeAspect="1" noMove="1" noResize="1" noEditPoints="1" noAdjustHandles="1" noChangeArrowheads="1" noChangeShapeType="1" noTextEdit="1"/>
+          </p:cNvSpPr>
+          <p:nvPr>
+            <p:extLst>
+              <p:ext uri="{386F3935-93C4-4BCD-93E2-E3B085C9AB24}">
+                <p16:designElem xmlns:p16="http://schemas.microsoft.com/office/powerpoint/2015/main" val="1"/>
+              </p:ext>
+            </p:extLst>
+          </p:nvPr>
+        </p:nvSpPr>
+        <p:spPr>
+          <a:xfrm rot="10800000" flipH="1">
+            <a:off x="7719230" y="0"/>
+            <a:ext cx="2339170" cy="1678281"/>
+          </a:xfrm>
+          <a:custGeom>
+            <a:avLst/>
+            <a:gdLst>
+              <a:gd name="connsiteX0" fmla="*/ 2835357 w 2835357"/>
+              <a:gd name="connsiteY0" fmla="*/ 1480837 h 1480837"/>
+              <a:gd name="connsiteX1" fmla="*/ 0 w 2835357"/>
+              <a:gd name="connsiteY1" fmla="*/ 1480837 h 1480837"/>
+              <a:gd name="connsiteX2" fmla="*/ 1552727 w 2835357"/>
+              <a:gd name="connsiteY2" fmla="*/ 0 h 1480837"/>
+              <a:gd name="connsiteX3" fmla="*/ 2835357 w 2835357"/>
+              <a:gd name="connsiteY3" fmla="*/ 1223245 h 1480837"/>
+            </a:gdLst>
+            <a:ahLst/>
+            <a:cxnLst>
+              <a:cxn ang="0">
+                <a:pos x="connsiteX0" y="connsiteY0"/>
+              </a:cxn>
+              <a:cxn ang="0">
+                <a:pos x="connsiteX1" y="connsiteY1"/>
+              </a:cxn>
+              <a:cxn ang="0">
+                <a:pos x="connsiteX2" y="connsiteY2"/>
+              </a:cxn>
+              <a:cxn ang="0">
+                <a:pos x="connsiteX3" y="connsiteY3"/>
+              </a:cxn>
+            </a:cxnLst>
+            <a:rect l="l" t="t" r="r" b="b"/>
+            <a:pathLst>
+              <a:path w="2835357" h="1480837">
+                <a:moveTo>
+                  <a:pt x="2835357" y="1480837"/>
+                </a:moveTo>
+                <a:lnTo>
+                  <a:pt x="0" y="1480837"/>
+                </a:lnTo>
+                <a:lnTo>
+                  <a:pt x="1552727" y="0"/>
+                </a:lnTo>
+                <a:lnTo>
+                  <a:pt x="2835357" y="1223245"/>
+                </a:lnTo>
+                <a:close/>
+              </a:path>
+            </a:pathLst>
+          </a:custGeom>
+          <a:solidFill>
+            <a:schemeClr val="accent4">
+              <a:alpha val="30000"/>
+            </a:schemeClr>
+          </a:solidFill>
+          <a:ln>
+            <a:noFill/>
+          </a:ln>
+        </p:spPr>
+        <p:style>
+          <a:lnRef idx="2">
+            <a:schemeClr val="accent1">
+              <a:shade val="50000"/>
+            </a:schemeClr>
+          </a:lnRef>
+          <a:fillRef idx="1">
+            <a:schemeClr val="accent1"/>
+          </a:fillRef>
+          <a:effectRef idx="0">
+            <a:schemeClr val="accent1"/>
+          </a:effectRef>
+          <a:fontRef idx="minor">
+            <a:schemeClr val="lt1"/>
+          </a:fontRef>
+        </p:style>
+        <p:txBody>
+          <a:bodyPr wrap="square" rtlCol="0" anchor="ctr">
+            <a:noAutofit/>
+          </a:bodyPr>
+          <a:lstStyle/>
+          <a:p>
+            <a:pPr algn="ctr"/>
+            <a:endParaRPr lang="en-US" dirty="0"/>
+          </a:p>
+        </p:txBody>
+      </p:sp>
+      <p:sp>
+        <p:nvSpPr>
+          <p:cNvPr id="37" name="Isosceles Triangle 36">
+            <a:extLst>
+              <a:ext uri="{FF2B5EF4-FFF2-40B4-BE49-F238E27FC236}">
+                <a16:creationId xmlns:a16="http://schemas.microsoft.com/office/drawing/2014/main" id="{D21B866A-A77B-1BB1-62F9-4A0813EBCE97}"/>
+              </a:ext>
+              <a:ext uri="{C183D7F6-B498-43B3-948B-1728B52AA6E4}">
+                <adec:decorative xmlns:adec="http://schemas.microsoft.com/office/drawing/2017/decorative" val="1"/>
+              </a:ext>
+            </a:extLst>
+          </p:cNvPr>
+          <p:cNvSpPr>
+            <a:spLocks noGrp="1" noRot="1" noChangeAspect="1" noMove="1" noResize="1" noEditPoints="1" noAdjustHandles="1" noChangeArrowheads="1" noChangeShapeType="1" noTextEdit="1"/>
+          </p:cNvSpPr>
+          <p:nvPr>
+            <p:extLst>
+              <p:ext uri="{386F3935-93C4-4BCD-93E2-E3B085C9AB24}">
+                <p16:designElem xmlns:p16="http://schemas.microsoft.com/office/powerpoint/2015/main" val="1"/>
+              </p:ext>
+            </p:extLst>
+          </p:nvPr>
+        </p:nvSpPr>
+        <p:spPr>
+          <a:xfrm flipH="1">
+            <a:off x="6580483" y="6930901"/>
+            <a:ext cx="1232974" cy="841499"/>
+          </a:xfrm>
+          <a:prstGeom prst="triangle">
+            <a:avLst/>
+          </a:prstGeom>
+          <a:solidFill>
+            <a:schemeClr val="accent1">
+              <a:alpha val="30000"/>
+            </a:schemeClr>
+          </a:solidFill>
+          <a:ln>
+            <a:noFill/>
+          </a:ln>
+        </p:spPr>
+        <p:style>
+          <a:lnRef idx="2">
+            <a:schemeClr val="accent1">
+              <a:shade val="50000"/>
+            </a:schemeClr>
+          </a:lnRef>
+          <a:fillRef idx="1">
+            <a:schemeClr val="accent1"/>
+          </a:fillRef>
+          <a:effectRef idx="0">
+            <a:schemeClr val="accent1"/>
+          </a:effectRef>
+          <a:fontRef idx="minor">
+            <a:schemeClr val="lt1"/>
+          </a:fontRef>
+        </p:style>
+        <p:txBody>
+          <a:bodyPr rtlCol="0" anchor="ctr"/>
+          <a:lstStyle/>
+          <a:p>
+            <a:pPr algn="ctr"/>
+            <a:endParaRPr lang="en-US"/>
+          </a:p>
+        </p:txBody>
+      </p:sp>
+      <p:pic>
+        <p:nvPicPr>
+          <p:cNvPr id="22" name="Picture Placeholder 21">
+            <a:extLst>
+              <a:ext uri="{FF2B5EF4-FFF2-40B4-BE49-F238E27FC236}">
+                <a16:creationId xmlns:a16="http://schemas.microsoft.com/office/drawing/2014/main" id="{A15C48D8-1E7C-8255-8356-E6FB553D0FC0}"/>
+              </a:ext>
+            </a:extLst>
+          </p:cNvPr>
+          <p:cNvPicPr>
+            <a:picLocks noGrp="1" noChangeAspect="1"/>
+          </p:cNvPicPr>
+          <p:nvPr>
+            <p:ph type="pic" sz="quarter" idx="11"/>
+          </p:nvPr>
+        </p:nvPicPr>
+        <p:blipFill>
+          <a:blip r:embed="rId3"/>
+          <a:srcRect t="4962" b="4962"/>
+          <a:stretch/>
+        </p:blipFill>
+        <p:spPr>
+          <a:xfrm>
+            <a:off x="0" y="4700588"/>
+            <a:ext cx="10058400" cy="3071812"/>
+          </a:xfrm>
+          <a:prstGeom prst="rect">
+            <a:avLst/>
+          </a:prstGeom>
+          <a:ln>
+            <a:noFill/>
+          </a:ln>
+        </p:spPr>
+      </p:pic>
+      <p:sp>
+        <p:nvSpPr>
+          <p:cNvPr id="39" name="Isosceles Triangle 38">
+            <a:extLst>
+              <a:ext uri="{FF2B5EF4-FFF2-40B4-BE49-F238E27FC236}">
+                <a16:creationId xmlns:a16="http://schemas.microsoft.com/office/drawing/2014/main" id="{2F03BE48-83EC-1FB1-519E-B8C8262286CB}"/>
+              </a:ext>
+              <a:ext uri="{C183D7F6-B498-43B3-948B-1728B52AA6E4}">
+                <adec:decorative xmlns:adec="http://schemas.microsoft.com/office/drawing/2017/decorative" val="1"/>
+              </a:ext>
+            </a:extLst>
+          </p:cNvPr>
+          <p:cNvSpPr>
+            <a:spLocks noGrp="1" noRot="1" noChangeAspect="1" noMove="1" noResize="1" noEditPoints="1" noAdjustHandles="1" noChangeArrowheads="1" noChangeShapeType="1" noTextEdit="1"/>
+          </p:cNvSpPr>
+          <p:nvPr>
+            <p:extLst>
+              <p:ext uri="{386F3935-93C4-4BCD-93E2-E3B085C9AB24}">
+                <p16:designElem xmlns:p16="http://schemas.microsoft.com/office/powerpoint/2015/main" val="1"/>
+              </p:ext>
+            </p:extLst>
+          </p:nvPr>
+        </p:nvSpPr>
+        <p:spPr>
+          <a:xfrm flipH="1">
+            <a:off x="6273366" y="7313562"/>
+            <a:ext cx="672294" cy="458838"/>
+          </a:xfrm>
+          <a:prstGeom prst="triangle">
+            <a:avLst/>
+          </a:prstGeom>
+          <a:solidFill>
+            <a:schemeClr val="accent1">
+              <a:alpha val="30000"/>
+            </a:schemeClr>
+          </a:solidFill>
+          <a:ln>
+            <a:noFill/>
+          </a:ln>
+        </p:spPr>
+        <p:style>
+          <a:lnRef idx="2">
+            <a:schemeClr val="accent1">
+              <a:shade val="50000"/>
+            </a:schemeClr>
+          </a:lnRef>
+          <a:fillRef idx="1">
+            <a:schemeClr val="accent1"/>
+          </a:fillRef>
+          <a:effectRef idx="0">
+            <a:schemeClr val="accent1"/>
+          </a:effectRef>
+          <a:fontRef idx="minor">
+            <a:schemeClr val="lt1"/>
+          </a:fontRef>
+        </p:style>
+        <p:txBody>
+          <a:bodyPr rtlCol="0" anchor="ctr"/>
+          <a:lstStyle/>
+          <a:p>
+            <a:pPr algn="ctr"/>
+            <a:endParaRPr lang="en-US"/>
+          </a:p>
+        </p:txBody>
+      </p:sp>
+      <p:sp>
+        <p:nvSpPr>
+          <p:cNvPr id="26" name="TextBox 25">
+            <a:extLst>
+              <a:ext uri="{FF2B5EF4-FFF2-40B4-BE49-F238E27FC236}">
+                <a16:creationId xmlns:a16="http://schemas.microsoft.com/office/drawing/2014/main" id="{2EA0F888-E47D-84AF-8912-FA2245A9C028}"/>
+              </a:ext>
+            </a:extLst>
+          </p:cNvPr>
+          <p:cNvSpPr txBox="1"/>
+          <p:nvPr/>
+        </p:nvSpPr>
+        <p:spPr>
+          <a:xfrm>
+            <a:off x="1448655" y="936933"/>
+            <a:ext cx="7086600" cy="584775"/>
+          </a:xfrm>
+          <a:prstGeom prst="rect">
+            <a:avLst/>
+          </a:prstGeom>
+          <a:noFill/>
+        </p:spPr>
+        <p:txBody>
+          <a:bodyPr wrap="square" rtlCol="0">
+            <a:spAutoFit/>
+          </a:bodyPr>
+          <a:lstStyle/>
+          <a:p>
+            <a:pPr algn="ctr"/>
+            <a:r>
+              <a:rPr lang="en-US" sz="3200" b="1" dirty="0">
+                <a:solidFill>
+                  <a:schemeClr val="tx2"/>
+                </a:solidFill>
+                <a:latin typeface="+mj-lt"/>
+              </a:rPr>
+              <a:t>Results &amp; Conclusion</a:t>
+            </a:r>
+          </a:p>
+        </p:txBody>
+      </p:sp>
+      <p:sp>
+        <p:nvSpPr>
+          <p:cNvPr id="28" name="TextBox 27">
+            <a:extLst>
+              <a:ext uri="{FF2B5EF4-FFF2-40B4-BE49-F238E27FC236}">
+                <a16:creationId xmlns:a16="http://schemas.microsoft.com/office/drawing/2014/main" id="{DCB1C84C-702C-0EAB-153F-3F34A9FA2AC5}"/>
+              </a:ext>
+            </a:extLst>
+          </p:cNvPr>
+          <p:cNvSpPr txBox="1"/>
+          <p:nvPr/>
+        </p:nvSpPr>
+        <p:spPr>
+          <a:xfrm>
+            <a:off x="1528411" y="1737123"/>
+            <a:ext cx="6886575" cy="2246769"/>
+          </a:xfrm>
+          <a:prstGeom prst="rect">
+            <a:avLst/>
+          </a:prstGeom>
+          <a:noFill/>
+        </p:spPr>
+        <p:txBody>
+          <a:bodyPr wrap="square" rtlCol="0">
+            <a:spAutoFit/>
+          </a:bodyPr>
+          <a:lstStyle/>
+          <a:p>
+            <a:pPr marL="342900" indent="-342900">
+              <a:buAutoNum type="arabicPeriod"/>
+            </a:pPr>
+            <a:r>
+              <a:rPr lang="en-US" sz="2800" dirty="0"/>
+              <a:t>Introduction</a:t>
+            </a:r>
+          </a:p>
+          <a:p>
+            <a:pPr marL="342900" indent="-342900">
+              <a:buAutoNum type="arabicPeriod"/>
+            </a:pPr>
+            <a:r>
+              <a:rPr lang="en-US" sz="2800" dirty="0"/>
+              <a:t>Data Cleaning – SQL</a:t>
+            </a:r>
+          </a:p>
+          <a:p>
+            <a:pPr marL="342900" indent="-342900">
+              <a:buAutoNum type="arabicPeriod"/>
+            </a:pPr>
+            <a:r>
+              <a:rPr lang="en-US" sz="2800" dirty="0"/>
+              <a:t>Visualization – Python Matplotlib &amp; Pandas </a:t>
+            </a:r>
+          </a:p>
+          <a:p>
+            <a:pPr marL="342900" indent="-342900">
+              <a:buAutoNum type="arabicPeriod"/>
+            </a:pPr>
+            <a:r>
+              <a:rPr lang="en-US" sz="2800" dirty="0"/>
+              <a:t>Supervised Machine Learning Models </a:t>
+            </a:r>
+          </a:p>
+          <a:p>
+            <a:pPr marL="342900" indent="-342900">
+              <a:buAutoNum type="arabicPeriod"/>
+            </a:pPr>
+            <a:r>
+              <a:rPr lang="en-US" sz="2800" dirty="0"/>
+              <a:t>Result &amp; Conclusion</a:t>
+            </a:r>
+          </a:p>
+        </p:txBody>
+      </p:sp>
+    </p:spTree>
+    <p:extLst>
+      <p:ext uri="{BB962C8B-B14F-4D97-AF65-F5344CB8AC3E}">
+        <p14:creationId xmlns:p14="http://schemas.microsoft.com/office/powerpoint/2010/main" val="3736711359"/>
+      </p:ext>
+    </p:extLst>
+  </p:cSld>
+  <p:clrMapOvr>
+    <a:masterClrMapping/>
+  </p:clrMapOvr>
+</p:sld>
+</file>
+
+<file path=ppt/slides/slide13.xml><?xml version="1.0" encoding="utf-8"?>
+<p:sld xmlns:a="http://schemas.openxmlformats.org/drawingml/2006/main" xmlns:r="http://schemas.openxmlformats.org/officeDocument/2006/relationships" xmlns:p="http://schemas.openxmlformats.org/presentationml/2006/main">
+  <p:cSld>
+    <p:bg>
+      <p:bgPr>
+        <a:solidFill>
+          <a:schemeClr val="bg1"/>
+        </a:solidFill>
+        <a:effectLst/>
+      </p:bgPr>
+    </p:bg>
+    <p:spTree>
+      <p:nvGrpSpPr>
         <p:cNvPr id="1" name=""/>
         <p:cNvGrpSpPr/>
         <p:nvPr/>
@@ -14622,11 +17670,41 @@
                 </a:solidFill>
                 <a:latin typeface="+mj-lt"/>
               </a:rPr>
-              <a:t>Visualization</a:t>
+              <a:t>Feature Importance</a:t>
             </a:r>
           </a:p>
         </p:txBody>
       </p:sp>
+      <p:pic>
+        <p:nvPicPr>
+          <p:cNvPr id="6" name="Picture 5">
+            <a:extLst>
+              <a:ext uri="{FF2B5EF4-FFF2-40B4-BE49-F238E27FC236}">
+                <a16:creationId xmlns:a16="http://schemas.microsoft.com/office/drawing/2014/main" id="{F127BFC5-8A1A-BE1F-89FE-44FA39B50501}"/>
+              </a:ext>
+            </a:extLst>
+          </p:cNvPr>
+          <p:cNvPicPr>
+            <a:picLocks noChangeAspect="1"/>
+          </p:cNvPicPr>
+          <p:nvPr/>
+        </p:nvPicPr>
+        <p:blipFill>
+          <a:blip r:embed="rId3"/>
+          <a:stretch>
+            <a:fillRect/>
+          </a:stretch>
+        </p:blipFill>
+        <p:spPr>
+          <a:xfrm>
+            <a:off x="696855" y="1631389"/>
+            <a:ext cx="8664691" cy="5410669"/>
+          </a:xfrm>
+          <a:prstGeom prst="rect">
+            <a:avLst/>
+          </a:prstGeom>
+        </p:spPr>
+      </p:pic>
     </p:spTree>
     <p:extLst>
       <p:ext uri="{BB962C8B-B14F-4D97-AF65-F5344CB8AC3E}">
@@ -14656,1238 +17734,7 @@
         <p:cNvPr id="1" name="">
           <a:extLst>
             <a:ext uri="{FF2B5EF4-FFF2-40B4-BE49-F238E27FC236}">
-              <a16:creationId xmlns:a16="http://schemas.microsoft.com/office/drawing/2014/main" id="{78314B62-C2B8-CBD0-A871-054C4313D605}"/>
-            </a:ext>
-          </a:extLst>
-        </p:cNvPr>
-        <p:cNvGrpSpPr/>
-        <p:nvPr/>
-      </p:nvGrpSpPr>
-      <p:grpSpPr>
-        <a:xfrm>
-          <a:off x="0" y="0"/>
-          <a:ext cx="0" cy="0"/>
-          <a:chOff x="0" y="0"/>
-          <a:chExt cx="0" cy="0"/>
-        </a:xfrm>
-      </p:grpSpPr>
-      <p:sp>
-        <p:nvSpPr>
-          <p:cNvPr id="27" name="Rectangle 26">
-            <a:extLst>
-              <a:ext uri="{FF2B5EF4-FFF2-40B4-BE49-F238E27FC236}">
-                <a16:creationId xmlns:a16="http://schemas.microsoft.com/office/drawing/2014/main" id="{91B7EEFF-1208-9885-D63E-A9C83629C888}"/>
-              </a:ext>
-              <a:ext uri="{C183D7F6-B498-43B3-948B-1728B52AA6E4}">
-                <adec:decorative xmlns:adec="http://schemas.microsoft.com/office/drawing/2017/decorative" val="1"/>
-              </a:ext>
-            </a:extLst>
-          </p:cNvPr>
-          <p:cNvSpPr>
-            <a:spLocks noGrp="1" noRot="1" noChangeAspect="1" noMove="1" noResize="1" noEditPoints="1" noAdjustHandles="1" noChangeArrowheads="1" noChangeShapeType="1" noTextEdit="1"/>
-          </p:cNvSpPr>
-          <p:nvPr>
-            <p:extLst>
-              <p:ext uri="{386F3935-93C4-4BCD-93E2-E3B085C9AB24}">
-                <p16:designElem xmlns:p16="http://schemas.microsoft.com/office/powerpoint/2015/main" val="1"/>
-              </p:ext>
-            </p:extLst>
-          </p:nvPr>
-        </p:nvSpPr>
-        <p:spPr>
-          <a:xfrm>
-            <a:off x="0" y="0"/>
-            <a:ext cx="10058400" cy="7772400"/>
-          </a:xfrm>
-          <a:prstGeom prst="rect">
-            <a:avLst/>
-          </a:prstGeom>
-          <a:solidFill>
-            <a:schemeClr val="bg1"/>
-          </a:solidFill>
-          <a:ln>
-            <a:noFill/>
-          </a:ln>
-        </p:spPr>
-        <p:style>
-          <a:lnRef idx="2">
-            <a:schemeClr val="accent1">
-              <a:shade val="50000"/>
-            </a:schemeClr>
-          </a:lnRef>
-          <a:fillRef idx="1">
-            <a:schemeClr val="accent1"/>
-          </a:fillRef>
-          <a:effectRef idx="0">
-            <a:schemeClr val="accent1"/>
-          </a:effectRef>
-          <a:fontRef idx="minor">
-            <a:schemeClr val="lt1"/>
-          </a:fontRef>
-        </p:style>
-        <p:txBody>
-          <a:bodyPr rtlCol="0" anchor="ctr"/>
-          <a:lstStyle/>
-          <a:p>
-            <a:pPr algn="ctr"/>
-            <a:endParaRPr lang="en-US" dirty="0"/>
-          </a:p>
-        </p:txBody>
-      </p:sp>
-      <p:grpSp>
-        <p:nvGrpSpPr>
-          <p:cNvPr id="29" name="Group 28">
-            <a:extLst>
-              <a:ext uri="{FF2B5EF4-FFF2-40B4-BE49-F238E27FC236}">
-                <a16:creationId xmlns:a16="http://schemas.microsoft.com/office/drawing/2014/main" id="{F9E3C91F-3A72-6D58-6B12-2F2BEF68ADCD}"/>
-              </a:ext>
-              <a:ext uri="{C183D7F6-B498-43B3-948B-1728B52AA6E4}">
-                <adec:decorative xmlns:adec="http://schemas.microsoft.com/office/drawing/2017/decorative" val="1"/>
-              </a:ext>
-            </a:extLst>
-          </p:cNvPr>
-          <p:cNvGrpSpPr>
-            <a:grpSpLocks noGrp="1" noUngrp="1" noRot="1" noChangeAspect="1" noMove="1" noResize="1"/>
-          </p:cNvGrpSpPr>
-          <p:nvPr>
-            <p:extLst>
-              <p:ext uri="{386F3935-93C4-4BCD-93E2-E3B085C9AB24}">
-                <p16:designElem xmlns:p16="http://schemas.microsoft.com/office/powerpoint/2015/main" val="1"/>
-              </p:ext>
-            </p:extLst>
-          </p:nvPr>
-        </p:nvGrpSpPr>
-        <p:grpSpPr>
-          <a:xfrm flipH="1">
-            <a:off x="9045825" y="2672"/>
-            <a:ext cx="1548239" cy="2001476"/>
-            <a:chOff x="-648769" y="2358"/>
-            <a:chExt cx="1876653" cy="1766008"/>
-          </a:xfrm>
-        </p:grpSpPr>
-        <p:sp>
-          <p:nvSpPr>
-            <p:cNvPr id="30" name="Freeform: Shape 29">
-              <a:extLst>
-                <a:ext uri="{FF2B5EF4-FFF2-40B4-BE49-F238E27FC236}">
-                  <a16:creationId xmlns:a16="http://schemas.microsoft.com/office/drawing/2014/main" id="{3AC04259-54A8-0F66-4028-34CC010BAF92}"/>
-                </a:ext>
-                <a:ext uri="{C183D7F6-B498-43B3-948B-1728B52AA6E4}">
-                  <adec:decorative xmlns:adec="http://schemas.microsoft.com/office/drawing/2017/decorative" val="1"/>
-                </a:ext>
-              </a:extLst>
-            </p:cNvPr>
-            <p:cNvSpPr/>
-            <p:nvPr>
-              <p:extLst>
-                <p:ext uri="{386F3935-93C4-4BCD-93E2-E3B085C9AB24}">
-                  <p16:designElem xmlns:p16="http://schemas.microsoft.com/office/powerpoint/2015/main" val="1"/>
-                </p:ext>
-              </p:extLst>
-            </p:nvPr>
-          </p:nvSpPr>
-          <p:spPr>
-            <a:xfrm rot="2700000">
-              <a:off x="-415188" y="-231223"/>
-              <a:ext cx="1409491" cy="1876653"/>
-            </a:xfrm>
-            <a:custGeom>
-              <a:avLst/>
-              <a:gdLst>
-                <a:gd name="connsiteX0" fmla="*/ 0 w 1409491"/>
-                <a:gd name="connsiteY0" fmla="*/ 643075 h 1876653"/>
-                <a:gd name="connsiteX1" fmla="*/ 643075 w 1409491"/>
-                <a:gd name="connsiteY1" fmla="*/ 0 h 1876653"/>
-                <a:gd name="connsiteX2" fmla="*/ 1409491 w 1409491"/>
-                <a:gd name="connsiteY2" fmla="*/ 0 h 1876653"/>
-                <a:gd name="connsiteX3" fmla="*/ 1409491 w 1409491"/>
-                <a:gd name="connsiteY3" fmla="*/ 1876653 h 1876653"/>
-                <a:gd name="connsiteX4" fmla="*/ 1233578 w 1409491"/>
-                <a:gd name="connsiteY4" fmla="*/ 1876653 h 1876653"/>
-              </a:gdLst>
-              <a:ahLst/>
-              <a:cxnLst>
-                <a:cxn ang="0">
-                  <a:pos x="connsiteX0" y="connsiteY0"/>
-                </a:cxn>
-                <a:cxn ang="0">
-                  <a:pos x="connsiteX1" y="connsiteY1"/>
-                </a:cxn>
-                <a:cxn ang="0">
-                  <a:pos x="connsiteX2" y="connsiteY2"/>
-                </a:cxn>
-                <a:cxn ang="0">
-                  <a:pos x="connsiteX3" y="connsiteY3"/>
-                </a:cxn>
-                <a:cxn ang="0">
-                  <a:pos x="connsiteX4" y="connsiteY4"/>
-                </a:cxn>
-              </a:cxnLst>
-              <a:rect l="l" t="t" r="r" b="b"/>
-              <a:pathLst>
-                <a:path w="1409491" h="1876653">
-                  <a:moveTo>
-                    <a:pt x="0" y="643075"/>
-                  </a:moveTo>
-                  <a:lnTo>
-                    <a:pt x="643075" y="0"/>
-                  </a:lnTo>
-                  <a:lnTo>
-                    <a:pt x="1409491" y="0"/>
-                  </a:lnTo>
-                  <a:lnTo>
-                    <a:pt x="1409491" y="1876653"/>
-                  </a:lnTo>
-                  <a:lnTo>
-                    <a:pt x="1233578" y="1876653"/>
-                  </a:lnTo>
-                  <a:close/>
-                </a:path>
-              </a:pathLst>
-            </a:custGeom>
-            <a:solidFill>
-              <a:schemeClr val="accent1">
-                <a:alpha val="30000"/>
-              </a:schemeClr>
-            </a:solidFill>
-            <a:ln>
-              <a:noFill/>
-            </a:ln>
-          </p:spPr>
-          <p:style>
-            <a:lnRef idx="2">
-              <a:schemeClr val="accent1">
-                <a:shade val="50000"/>
-              </a:schemeClr>
-            </a:lnRef>
-            <a:fillRef idx="1">
-              <a:schemeClr val="accent1"/>
-            </a:fillRef>
-            <a:effectRef idx="0">
-              <a:schemeClr val="accent1"/>
-            </a:effectRef>
-            <a:fontRef idx="minor">
-              <a:schemeClr val="lt1"/>
-            </a:fontRef>
-          </p:style>
-          <p:txBody>
-            <a:bodyPr rtlCol="0" anchor="ctr"/>
-            <a:lstStyle/>
-            <a:p>
-              <a:pPr algn="ctr"/>
-              <a:endParaRPr lang="en-US"/>
-            </a:p>
-          </p:txBody>
-        </p:sp>
-        <p:sp>
-          <p:nvSpPr>
-            <p:cNvPr id="31" name="Rectangle 30">
-              <a:extLst>
-                <a:ext uri="{FF2B5EF4-FFF2-40B4-BE49-F238E27FC236}">
-                  <a16:creationId xmlns:a16="http://schemas.microsoft.com/office/drawing/2014/main" id="{326A9F08-A76E-8347-15E1-53DC828EF187}"/>
-                </a:ext>
-                <a:ext uri="{C183D7F6-B498-43B3-948B-1728B52AA6E4}">
-                  <adec:decorative xmlns:adec="http://schemas.microsoft.com/office/drawing/2017/decorative" val="1"/>
-                </a:ext>
-              </a:extLst>
-            </p:cNvPr>
-            <p:cNvSpPr/>
-            <p:nvPr>
-              <p:extLst>
-                <p:ext uri="{386F3935-93C4-4BCD-93E2-E3B085C9AB24}">
-                  <p16:designElem xmlns:p16="http://schemas.microsoft.com/office/powerpoint/2015/main" val="1"/>
-                </p:ext>
-              </p:extLst>
-            </p:nvPr>
-          </p:nvSpPr>
-          <p:spPr>
-            <a:xfrm rot="2700000">
-              <a:off x="301285" y="1282788"/>
-              <a:ext cx="485578" cy="485578"/>
-            </a:xfrm>
-            <a:prstGeom prst="rect">
-              <a:avLst/>
-            </a:prstGeom>
-            <a:solidFill>
-              <a:schemeClr val="accent1">
-                <a:alpha val="30000"/>
-              </a:schemeClr>
-            </a:solidFill>
-            <a:ln>
-              <a:noFill/>
-            </a:ln>
-          </p:spPr>
-          <p:style>
-            <a:lnRef idx="2">
-              <a:schemeClr val="accent1">
-                <a:shade val="50000"/>
-              </a:schemeClr>
-            </a:lnRef>
-            <a:fillRef idx="1">
-              <a:schemeClr val="accent1"/>
-            </a:fillRef>
-            <a:effectRef idx="0">
-              <a:schemeClr val="accent1"/>
-            </a:effectRef>
-            <a:fontRef idx="minor">
-              <a:schemeClr val="lt1"/>
-            </a:fontRef>
-          </p:style>
-          <p:txBody>
-            <a:bodyPr rtlCol="0" anchor="ctr"/>
-            <a:lstStyle/>
-            <a:p>
-              <a:pPr algn="ctr"/>
-              <a:endParaRPr lang="en-US"/>
-            </a:p>
-          </p:txBody>
-        </p:sp>
-      </p:grpSp>
-      <p:sp>
-        <p:nvSpPr>
-          <p:cNvPr id="33" name="Rectangle 32">
-            <a:extLst>
-              <a:ext uri="{FF2B5EF4-FFF2-40B4-BE49-F238E27FC236}">
-                <a16:creationId xmlns:a16="http://schemas.microsoft.com/office/drawing/2014/main" id="{8404B045-DECA-40F5-BAAF-66197AA37C37}"/>
-              </a:ext>
-              <a:ext uri="{C183D7F6-B498-43B3-948B-1728B52AA6E4}">
-                <adec:decorative xmlns:adec="http://schemas.microsoft.com/office/drawing/2017/decorative" val="1"/>
-              </a:ext>
-            </a:extLst>
-          </p:cNvPr>
-          <p:cNvSpPr>
-            <a:spLocks noGrp="1" noRot="1" noChangeAspect="1" noMove="1" noResize="1" noEditPoints="1" noAdjustHandles="1" noChangeArrowheads="1" noChangeShapeType="1" noTextEdit="1"/>
-          </p:cNvSpPr>
-          <p:nvPr>
-            <p:extLst>
-              <p:ext uri="{386F3935-93C4-4BCD-93E2-E3B085C9AB24}">
-                <p16:designElem xmlns:p16="http://schemas.microsoft.com/office/powerpoint/2015/main" val="1"/>
-              </p:ext>
-            </p:extLst>
-          </p:nvPr>
-        </p:nvSpPr>
-        <p:spPr>
-          <a:xfrm rot="2700000">
-            <a:off x="2158692" y="6937649"/>
-            <a:ext cx="731417" cy="532429"/>
-          </a:xfrm>
-          <a:prstGeom prst="rect">
-            <a:avLst/>
-          </a:prstGeom>
-          <a:solidFill>
-            <a:schemeClr val="accent4">
-              <a:alpha val="30000"/>
-            </a:schemeClr>
-          </a:solidFill>
-          <a:ln>
-            <a:noFill/>
-          </a:ln>
-        </p:spPr>
-        <p:style>
-          <a:lnRef idx="2">
-            <a:schemeClr val="accent1">
-              <a:shade val="50000"/>
-            </a:schemeClr>
-          </a:lnRef>
-          <a:fillRef idx="1">
-            <a:schemeClr val="accent1"/>
-          </a:fillRef>
-          <a:effectRef idx="0">
-            <a:schemeClr val="accent1"/>
-          </a:effectRef>
-          <a:fontRef idx="minor">
-            <a:schemeClr val="lt1"/>
-          </a:fontRef>
-        </p:style>
-        <p:txBody>
-          <a:bodyPr rtlCol="0" anchor="ctr"/>
-          <a:lstStyle/>
-          <a:p>
-            <a:pPr algn="ctr"/>
-            <a:endParaRPr lang="en-US"/>
-          </a:p>
-        </p:txBody>
-      </p:sp>
-      <p:sp>
-        <p:nvSpPr>
-          <p:cNvPr id="35" name="Isosceles Triangle 34">
-            <a:extLst>
-              <a:ext uri="{FF2B5EF4-FFF2-40B4-BE49-F238E27FC236}">
-                <a16:creationId xmlns:a16="http://schemas.microsoft.com/office/drawing/2014/main" id="{A0CAAD3D-CA04-DAE7-9DEC-C27C657E1D13}"/>
-              </a:ext>
-              <a:ext uri="{C183D7F6-B498-43B3-948B-1728B52AA6E4}">
-                <adec:decorative xmlns:adec="http://schemas.microsoft.com/office/drawing/2017/decorative" val="1"/>
-              </a:ext>
-            </a:extLst>
-          </p:cNvPr>
-          <p:cNvSpPr>
-            <a:spLocks noGrp="1" noRot="1" noChangeAspect="1" noMove="1" noResize="1" noEditPoints="1" noAdjustHandles="1" noChangeArrowheads="1" noChangeShapeType="1" noTextEdit="1"/>
-          </p:cNvSpPr>
-          <p:nvPr>
-            <p:extLst>
-              <p:ext uri="{386F3935-93C4-4BCD-93E2-E3B085C9AB24}">
-                <p16:designElem xmlns:p16="http://schemas.microsoft.com/office/powerpoint/2015/main" val="1"/>
-              </p:ext>
-            </p:extLst>
-          </p:nvPr>
-        </p:nvSpPr>
-        <p:spPr>
-          <a:xfrm>
-            <a:off x="1108334" y="6483922"/>
-            <a:ext cx="1866121" cy="1288476"/>
-          </a:xfrm>
-          <a:prstGeom prst="triangle">
-            <a:avLst>
-              <a:gd name="adj" fmla="val 50000"/>
-            </a:avLst>
-          </a:prstGeom>
-          <a:solidFill>
-            <a:schemeClr val="accent4">
-              <a:alpha val="30000"/>
-            </a:schemeClr>
-          </a:solidFill>
-          <a:ln>
-            <a:noFill/>
-          </a:ln>
-        </p:spPr>
-        <p:style>
-          <a:lnRef idx="2">
-            <a:schemeClr val="accent1">
-              <a:shade val="50000"/>
-            </a:schemeClr>
-          </a:lnRef>
-          <a:fillRef idx="1">
-            <a:schemeClr val="accent1"/>
-          </a:fillRef>
-          <a:effectRef idx="0">
-            <a:schemeClr val="accent1"/>
-          </a:effectRef>
-          <a:fontRef idx="minor">
-            <a:schemeClr val="lt1"/>
-          </a:fontRef>
-        </p:style>
-        <p:txBody>
-          <a:bodyPr rtlCol="0" anchor="ctr"/>
-          <a:lstStyle/>
-          <a:p>
-            <a:pPr algn="ctr"/>
-            <a:endParaRPr lang="en-US"/>
-          </a:p>
-        </p:txBody>
-      </p:sp>
-      <p:sp>
-        <p:nvSpPr>
-          <p:cNvPr id="4" name="TextBox 3">
-            <a:extLst>
-              <a:ext uri="{FF2B5EF4-FFF2-40B4-BE49-F238E27FC236}">
-                <a16:creationId xmlns:a16="http://schemas.microsoft.com/office/drawing/2014/main" id="{2C25F317-49E0-EE56-9819-CB05B7443424}"/>
-              </a:ext>
-            </a:extLst>
-          </p:cNvPr>
-          <p:cNvSpPr txBox="1"/>
-          <p:nvPr/>
-        </p:nvSpPr>
-        <p:spPr>
-          <a:xfrm>
-            <a:off x="1448655" y="936933"/>
-            <a:ext cx="7086600" cy="584775"/>
-          </a:xfrm>
-          <a:prstGeom prst="rect">
-            <a:avLst/>
-          </a:prstGeom>
-          <a:noFill/>
-        </p:spPr>
-        <p:txBody>
-          <a:bodyPr wrap="square" rtlCol="0">
-            <a:spAutoFit/>
-          </a:bodyPr>
-          <a:lstStyle/>
-          <a:p>
-            <a:pPr algn="ctr"/>
-            <a:r>
-              <a:rPr lang="en-US" sz="3200" b="1" dirty="0">
-                <a:solidFill>
-                  <a:schemeClr val="tx2"/>
-                </a:solidFill>
-                <a:latin typeface="+mj-lt"/>
-              </a:rPr>
-              <a:t>Visualization</a:t>
-            </a:r>
-          </a:p>
-        </p:txBody>
-      </p:sp>
-    </p:spTree>
-    <p:extLst>
-      <p:ext uri="{BB962C8B-B14F-4D97-AF65-F5344CB8AC3E}">
-        <p14:creationId xmlns:p14="http://schemas.microsoft.com/office/powerpoint/2010/main" val="2209062623"/>
-      </p:ext>
-    </p:extLst>
-  </p:cSld>
-  <p:clrMapOvr>
-    <a:masterClrMapping/>
-  </p:clrMapOvr>
-</p:sld>
-</file>
-
-<file path=ppt/slides/slide7.xml><?xml version="1.0" encoding="utf-8"?>
-<p:sld xmlns:a="http://schemas.openxmlformats.org/drawingml/2006/main" xmlns:r="http://schemas.openxmlformats.org/officeDocument/2006/relationships" xmlns:p="http://schemas.openxmlformats.org/presentationml/2006/main">
-  <p:cSld>
-    <p:bg>
-      <p:bgPr>
-        <a:solidFill>
-          <a:schemeClr val="bg1"/>
-        </a:solidFill>
-        <a:effectLst/>
-      </p:bgPr>
-    </p:bg>
-    <p:spTree>
-      <p:nvGrpSpPr>
-        <p:cNvPr id="1" name="">
-          <a:extLst>
-            <a:ext uri="{FF2B5EF4-FFF2-40B4-BE49-F238E27FC236}">
-              <a16:creationId xmlns:a16="http://schemas.microsoft.com/office/drawing/2014/main" id="{F1F63712-DCF7-7FB6-CD1E-404F819B009A}"/>
-            </a:ext>
-          </a:extLst>
-        </p:cNvPr>
-        <p:cNvGrpSpPr/>
-        <p:nvPr/>
-      </p:nvGrpSpPr>
-      <p:grpSpPr>
-        <a:xfrm>
-          <a:off x="0" y="0"/>
-          <a:ext cx="0" cy="0"/>
-          <a:chOff x="0" y="0"/>
-          <a:chExt cx="0" cy="0"/>
-        </a:xfrm>
-      </p:grpSpPr>
-      <p:sp>
-        <p:nvSpPr>
-          <p:cNvPr id="27" name="Rectangle 26">
-            <a:extLst>
-              <a:ext uri="{FF2B5EF4-FFF2-40B4-BE49-F238E27FC236}">
-                <a16:creationId xmlns:a16="http://schemas.microsoft.com/office/drawing/2014/main" id="{8156857F-BFAB-179B-3832-2A3B5E214362}"/>
-              </a:ext>
-              <a:ext uri="{C183D7F6-B498-43B3-948B-1728B52AA6E4}">
-                <adec:decorative xmlns:adec="http://schemas.microsoft.com/office/drawing/2017/decorative" val="1"/>
-              </a:ext>
-            </a:extLst>
-          </p:cNvPr>
-          <p:cNvSpPr>
-            <a:spLocks noGrp="1" noRot="1" noChangeAspect="1" noMove="1" noResize="1" noEditPoints="1" noAdjustHandles="1" noChangeArrowheads="1" noChangeShapeType="1" noTextEdit="1"/>
-          </p:cNvSpPr>
-          <p:nvPr>
-            <p:extLst>
-              <p:ext uri="{386F3935-93C4-4BCD-93E2-E3B085C9AB24}">
-                <p16:designElem xmlns:p16="http://schemas.microsoft.com/office/powerpoint/2015/main" val="1"/>
-              </p:ext>
-            </p:extLst>
-          </p:nvPr>
-        </p:nvSpPr>
-        <p:spPr>
-          <a:xfrm>
-            <a:off x="0" y="0"/>
-            <a:ext cx="10058400" cy="7772400"/>
-          </a:xfrm>
-          <a:prstGeom prst="rect">
-            <a:avLst/>
-          </a:prstGeom>
-          <a:solidFill>
-            <a:schemeClr val="bg1"/>
-          </a:solidFill>
-          <a:ln>
-            <a:noFill/>
-          </a:ln>
-        </p:spPr>
-        <p:style>
-          <a:lnRef idx="2">
-            <a:schemeClr val="accent1">
-              <a:shade val="50000"/>
-            </a:schemeClr>
-          </a:lnRef>
-          <a:fillRef idx="1">
-            <a:schemeClr val="accent1"/>
-          </a:fillRef>
-          <a:effectRef idx="0">
-            <a:schemeClr val="accent1"/>
-          </a:effectRef>
-          <a:fontRef idx="minor">
-            <a:schemeClr val="lt1"/>
-          </a:fontRef>
-        </p:style>
-        <p:txBody>
-          <a:bodyPr rtlCol="0" anchor="ctr"/>
-          <a:lstStyle/>
-          <a:p>
-            <a:pPr algn="ctr"/>
-            <a:endParaRPr lang="en-US" dirty="0"/>
-          </a:p>
-        </p:txBody>
-      </p:sp>
-      <p:sp>
-        <p:nvSpPr>
-          <p:cNvPr id="29" name="Freeform: Shape 28">
-            <a:extLst>
-              <a:ext uri="{FF2B5EF4-FFF2-40B4-BE49-F238E27FC236}">
-                <a16:creationId xmlns:a16="http://schemas.microsoft.com/office/drawing/2014/main" id="{25B32F72-8238-5E0C-5301-8221F8E52BA8}"/>
-              </a:ext>
-              <a:ext uri="{C183D7F6-B498-43B3-948B-1728B52AA6E4}">
-                <adec:decorative xmlns:adec="http://schemas.microsoft.com/office/drawing/2017/decorative" val="1"/>
-              </a:ext>
-            </a:extLst>
-          </p:cNvPr>
-          <p:cNvSpPr>
-            <a:spLocks noGrp="1" noRot="1" noChangeAspect="1" noMove="1" noResize="1" noEditPoints="1" noAdjustHandles="1" noChangeArrowheads="1" noChangeShapeType="1" noTextEdit="1"/>
-          </p:cNvSpPr>
-          <p:nvPr>
-            <p:extLst>
-              <p:ext uri="{386F3935-93C4-4BCD-93E2-E3B085C9AB24}">
-                <p16:designElem xmlns:p16="http://schemas.microsoft.com/office/powerpoint/2015/main" val="1"/>
-              </p:ext>
-            </p:extLst>
-          </p:nvPr>
-        </p:nvSpPr>
-        <p:spPr>
-          <a:xfrm rot="18900000" flipH="1">
-            <a:off x="-310328" y="-287492"/>
-            <a:ext cx="1507800" cy="1560586"/>
-          </a:xfrm>
-          <a:custGeom>
-            <a:avLst/>
-            <a:gdLst>
-              <a:gd name="connsiteX0" fmla="*/ 0 w 1827638"/>
-              <a:gd name="connsiteY0" fmla="*/ 987379 h 1376989"/>
-              <a:gd name="connsiteX1" fmla="*/ 987379 w 1827638"/>
-              <a:gd name="connsiteY1" fmla="*/ 0 h 1376989"/>
-              <a:gd name="connsiteX2" fmla="*/ 1827638 w 1827638"/>
-              <a:gd name="connsiteY2" fmla="*/ 840260 h 1376989"/>
-              <a:gd name="connsiteX3" fmla="*/ 1827638 w 1827638"/>
-              <a:gd name="connsiteY3" fmla="*/ 1376989 h 1376989"/>
-              <a:gd name="connsiteX4" fmla="*/ 0 w 1827638"/>
-              <a:gd name="connsiteY4" fmla="*/ 1376989 h 1376989"/>
-            </a:gdLst>
-            <a:ahLst/>
-            <a:cxnLst>
-              <a:cxn ang="0">
-                <a:pos x="connsiteX0" y="connsiteY0"/>
-              </a:cxn>
-              <a:cxn ang="0">
-                <a:pos x="connsiteX1" y="connsiteY1"/>
-              </a:cxn>
-              <a:cxn ang="0">
-                <a:pos x="connsiteX2" y="connsiteY2"/>
-              </a:cxn>
-              <a:cxn ang="0">
-                <a:pos x="connsiteX3" y="connsiteY3"/>
-              </a:cxn>
-              <a:cxn ang="0">
-                <a:pos x="connsiteX4" y="connsiteY4"/>
-              </a:cxn>
-            </a:cxnLst>
-            <a:rect l="l" t="t" r="r" b="b"/>
-            <a:pathLst>
-              <a:path w="1827638" h="1376989">
-                <a:moveTo>
-                  <a:pt x="0" y="987379"/>
-                </a:moveTo>
-                <a:lnTo>
-                  <a:pt x="987379" y="0"/>
-                </a:lnTo>
-                <a:lnTo>
-                  <a:pt x="1827638" y="840260"/>
-                </a:lnTo>
-                <a:lnTo>
-                  <a:pt x="1827638" y="1376989"/>
-                </a:lnTo>
-                <a:lnTo>
-                  <a:pt x="0" y="1376989"/>
-                </a:lnTo>
-                <a:close/>
-              </a:path>
-            </a:pathLst>
-          </a:custGeom>
-          <a:solidFill>
-            <a:schemeClr val="accent1">
-              <a:alpha val="30000"/>
-            </a:schemeClr>
-          </a:solidFill>
-          <a:ln>
-            <a:noFill/>
-          </a:ln>
-        </p:spPr>
-        <p:style>
-          <a:lnRef idx="2">
-            <a:schemeClr val="accent1">
-              <a:shade val="50000"/>
-            </a:schemeClr>
-          </a:lnRef>
-          <a:fillRef idx="1">
-            <a:schemeClr val="accent1"/>
-          </a:fillRef>
-          <a:effectRef idx="0">
-            <a:schemeClr val="accent1"/>
-          </a:effectRef>
-          <a:fontRef idx="minor">
-            <a:schemeClr val="lt1"/>
-          </a:fontRef>
-        </p:style>
-        <p:txBody>
-          <a:bodyPr rtlCol="0" anchor="ctr"/>
-          <a:lstStyle/>
-          <a:p>
-            <a:pPr algn="ctr"/>
-            <a:endParaRPr lang="en-US" dirty="0"/>
-          </a:p>
-        </p:txBody>
-      </p:sp>
-      <p:sp>
-        <p:nvSpPr>
-          <p:cNvPr id="31" name="Rectangle 30">
-            <a:extLst>
-              <a:ext uri="{FF2B5EF4-FFF2-40B4-BE49-F238E27FC236}">
-                <a16:creationId xmlns:a16="http://schemas.microsoft.com/office/drawing/2014/main" id="{44DBA55B-2EA7-7FFD-289B-95AC2464D02B}"/>
-              </a:ext>
-              <a:ext uri="{C183D7F6-B498-43B3-948B-1728B52AA6E4}">
-                <adec:decorative xmlns:adec="http://schemas.microsoft.com/office/drawing/2017/decorative" val="1"/>
-              </a:ext>
-            </a:extLst>
-          </p:cNvPr>
-          <p:cNvSpPr>
-            <a:spLocks noGrp="1" noRot="1" noChangeAspect="1" noMove="1" noResize="1" noEditPoints="1" noAdjustHandles="1" noChangeArrowheads="1" noChangeShapeType="1" noTextEdit="1"/>
-          </p:cNvSpPr>
-          <p:nvPr>
-            <p:extLst>
-              <p:ext uri="{386F3935-93C4-4BCD-93E2-E3B085C9AB24}">
-                <p16:designElem xmlns:p16="http://schemas.microsoft.com/office/powerpoint/2015/main" val="1"/>
-              </p:ext>
-            </p:extLst>
-          </p:nvPr>
-        </p:nvSpPr>
-        <p:spPr>
-          <a:xfrm rot="18900000" flipH="1">
-            <a:off x="735603" y="478432"/>
-            <a:ext cx="532429" cy="731417"/>
-          </a:xfrm>
-          <a:prstGeom prst="rect">
-            <a:avLst/>
-          </a:prstGeom>
-          <a:solidFill>
-            <a:schemeClr val="accent1">
-              <a:alpha val="30000"/>
-            </a:schemeClr>
-          </a:solidFill>
-          <a:ln>
-            <a:noFill/>
-          </a:ln>
-        </p:spPr>
-        <p:style>
-          <a:lnRef idx="2">
-            <a:schemeClr val="accent1">
-              <a:shade val="50000"/>
-            </a:schemeClr>
-          </a:lnRef>
-          <a:fillRef idx="1">
-            <a:schemeClr val="accent1"/>
-          </a:fillRef>
-          <a:effectRef idx="0">
-            <a:schemeClr val="accent1"/>
-          </a:effectRef>
-          <a:fontRef idx="minor">
-            <a:schemeClr val="lt1"/>
-          </a:fontRef>
-        </p:style>
-        <p:txBody>
-          <a:bodyPr rtlCol="0" anchor="ctr"/>
-          <a:lstStyle/>
-          <a:p>
-            <a:pPr algn="ctr"/>
-            <a:endParaRPr lang="en-US"/>
-          </a:p>
-        </p:txBody>
-      </p:sp>
-      <p:sp>
-        <p:nvSpPr>
-          <p:cNvPr id="33" name="Rectangle 32">
-            <a:extLst>
-              <a:ext uri="{FF2B5EF4-FFF2-40B4-BE49-F238E27FC236}">
-                <a16:creationId xmlns:a16="http://schemas.microsoft.com/office/drawing/2014/main" id="{803ED4A3-E6F6-A9E4-7297-5C1FBACCEFC5}"/>
-              </a:ext>
-              <a:ext uri="{C183D7F6-B498-43B3-948B-1728B52AA6E4}">
-                <adec:decorative xmlns:adec="http://schemas.microsoft.com/office/drawing/2017/decorative" val="1"/>
-              </a:ext>
-            </a:extLst>
-          </p:cNvPr>
-          <p:cNvSpPr>
-            <a:spLocks noGrp="1" noRot="1" noChangeAspect="1" noMove="1" noResize="1" noEditPoints="1" noAdjustHandles="1" noChangeArrowheads="1" noChangeShapeType="1" noTextEdit="1"/>
-          </p:cNvSpPr>
-          <p:nvPr>
-            <p:extLst>
-              <p:ext uri="{386F3935-93C4-4BCD-93E2-E3B085C9AB24}">
-                <p16:designElem xmlns:p16="http://schemas.microsoft.com/office/powerpoint/2015/main" val="1"/>
-              </p:ext>
-            </p:extLst>
-          </p:nvPr>
-        </p:nvSpPr>
-        <p:spPr>
-          <a:xfrm rot="18900000" flipH="1">
-            <a:off x="8285872" y="742492"/>
-            <a:ext cx="567165" cy="779134"/>
-          </a:xfrm>
-          <a:prstGeom prst="rect">
-            <a:avLst/>
-          </a:prstGeom>
-          <a:solidFill>
-            <a:schemeClr val="accent4">
-              <a:alpha val="30000"/>
-            </a:schemeClr>
-          </a:solidFill>
-          <a:ln>
-            <a:noFill/>
-          </a:ln>
-        </p:spPr>
-        <p:style>
-          <a:lnRef idx="2">
-            <a:schemeClr val="accent1">
-              <a:shade val="50000"/>
-            </a:schemeClr>
-          </a:lnRef>
-          <a:fillRef idx="1">
-            <a:schemeClr val="accent1"/>
-          </a:fillRef>
-          <a:effectRef idx="0">
-            <a:schemeClr val="accent1"/>
-          </a:effectRef>
-          <a:fontRef idx="minor">
-            <a:schemeClr val="lt1"/>
-          </a:fontRef>
-        </p:style>
-        <p:txBody>
-          <a:bodyPr rtlCol="0" anchor="ctr"/>
-          <a:lstStyle/>
-          <a:p>
-            <a:pPr algn="ctr"/>
-            <a:endParaRPr lang="en-US"/>
-          </a:p>
-        </p:txBody>
-      </p:sp>
-      <p:sp>
-        <p:nvSpPr>
-          <p:cNvPr id="35" name="Freeform: Shape 34">
-            <a:extLst>
-              <a:ext uri="{FF2B5EF4-FFF2-40B4-BE49-F238E27FC236}">
-                <a16:creationId xmlns:a16="http://schemas.microsoft.com/office/drawing/2014/main" id="{F759BBD1-D9C3-0F46-D07F-870E04C43D55}"/>
-              </a:ext>
-              <a:ext uri="{C183D7F6-B498-43B3-948B-1728B52AA6E4}">
-                <adec:decorative xmlns:adec="http://schemas.microsoft.com/office/drawing/2017/decorative" val="1"/>
-              </a:ext>
-            </a:extLst>
-          </p:cNvPr>
-          <p:cNvSpPr>
-            <a:spLocks noGrp="1" noRot="1" noChangeAspect="1" noMove="1" noResize="1" noEditPoints="1" noAdjustHandles="1" noChangeArrowheads="1" noChangeShapeType="1" noTextEdit="1"/>
-          </p:cNvSpPr>
-          <p:nvPr>
-            <p:extLst>
-              <p:ext uri="{386F3935-93C4-4BCD-93E2-E3B085C9AB24}">
-                <p16:designElem xmlns:p16="http://schemas.microsoft.com/office/powerpoint/2015/main" val="1"/>
-              </p:ext>
-            </p:extLst>
-          </p:nvPr>
-        </p:nvSpPr>
-        <p:spPr>
-          <a:xfrm rot="10800000" flipH="1">
-            <a:off x="7719230" y="0"/>
-            <a:ext cx="2339170" cy="1678281"/>
-          </a:xfrm>
-          <a:custGeom>
-            <a:avLst/>
-            <a:gdLst>
-              <a:gd name="connsiteX0" fmla="*/ 2835357 w 2835357"/>
-              <a:gd name="connsiteY0" fmla="*/ 1480837 h 1480837"/>
-              <a:gd name="connsiteX1" fmla="*/ 0 w 2835357"/>
-              <a:gd name="connsiteY1" fmla="*/ 1480837 h 1480837"/>
-              <a:gd name="connsiteX2" fmla="*/ 1552727 w 2835357"/>
-              <a:gd name="connsiteY2" fmla="*/ 0 h 1480837"/>
-              <a:gd name="connsiteX3" fmla="*/ 2835357 w 2835357"/>
-              <a:gd name="connsiteY3" fmla="*/ 1223245 h 1480837"/>
-            </a:gdLst>
-            <a:ahLst/>
-            <a:cxnLst>
-              <a:cxn ang="0">
-                <a:pos x="connsiteX0" y="connsiteY0"/>
-              </a:cxn>
-              <a:cxn ang="0">
-                <a:pos x="connsiteX1" y="connsiteY1"/>
-              </a:cxn>
-              <a:cxn ang="0">
-                <a:pos x="connsiteX2" y="connsiteY2"/>
-              </a:cxn>
-              <a:cxn ang="0">
-                <a:pos x="connsiteX3" y="connsiteY3"/>
-              </a:cxn>
-            </a:cxnLst>
-            <a:rect l="l" t="t" r="r" b="b"/>
-            <a:pathLst>
-              <a:path w="2835357" h="1480837">
-                <a:moveTo>
-                  <a:pt x="2835357" y="1480837"/>
-                </a:moveTo>
-                <a:lnTo>
-                  <a:pt x="0" y="1480837"/>
-                </a:lnTo>
-                <a:lnTo>
-                  <a:pt x="1552727" y="0"/>
-                </a:lnTo>
-                <a:lnTo>
-                  <a:pt x="2835357" y="1223245"/>
-                </a:lnTo>
-                <a:close/>
-              </a:path>
-            </a:pathLst>
-          </a:custGeom>
-          <a:solidFill>
-            <a:schemeClr val="accent4">
-              <a:alpha val="30000"/>
-            </a:schemeClr>
-          </a:solidFill>
-          <a:ln>
-            <a:noFill/>
-          </a:ln>
-        </p:spPr>
-        <p:style>
-          <a:lnRef idx="2">
-            <a:schemeClr val="accent1">
-              <a:shade val="50000"/>
-            </a:schemeClr>
-          </a:lnRef>
-          <a:fillRef idx="1">
-            <a:schemeClr val="accent1"/>
-          </a:fillRef>
-          <a:effectRef idx="0">
-            <a:schemeClr val="accent1"/>
-          </a:effectRef>
-          <a:fontRef idx="minor">
-            <a:schemeClr val="lt1"/>
-          </a:fontRef>
-        </p:style>
-        <p:txBody>
-          <a:bodyPr wrap="square" rtlCol="0" anchor="ctr">
-            <a:noAutofit/>
-          </a:bodyPr>
-          <a:lstStyle/>
-          <a:p>
-            <a:pPr algn="ctr"/>
-            <a:endParaRPr lang="en-US" dirty="0"/>
-          </a:p>
-        </p:txBody>
-      </p:sp>
-      <p:sp>
-        <p:nvSpPr>
-          <p:cNvPr id="37" name="Isosceles Triangle 36">
-            <a:extLst>
-              <a:ext uri="{FF2B5EF4-FFF2-40B4-BE49-F238E27FC236}">
-                <a16:creationId xmlns:a16="http://schemas.microsoft.com/office/drawing/2014/main" id="{DCFBF983-ECAB-18D5-301E-4CEB1E72C8F1}"/>
-              </a:ext>
-              <a:ext uri="{C183D7F6-B498-43B3-948B-1728B52AA6E4}">
-                <adec:decorative xmlns:adec="http://schemas.microsoft.com/office/drawing/2017/decorative" val="1"/>
-              </a:ext>
-            </a:extLst>
-          </p:cNvPr>
-          <p:cNvSpPr>
-            <a:spLocks noGrp="1" noRot="1" noChangeAspect="1" noMove="1" noResize="1" noEditPoints="1" noAdjustHandles="1" noChangeArrowheads="1" noChangeShapeType="1" noTextEdit="1"/>
-          </p:cNvSpPr>
-          <p:nvPr>
-            <p:extLst>
-              <p:ext uri="{386F3935-93C4-4BCD-93E2-E3B085C9AB24}">
-                <p16:designElem xmlns:p16="http://schemas.microsoft.com/office/powerpoint/2015/main" val="1"/>
-              </p:ext>
-            </p:extLst>
-          </p:nvPr>
-        </p:nvSpPr>
-        <p:spPr>
-          <a:xfrm flipH="1">
-            <a:off x="6580483" y="6930901"/>
-            <a:ext cx="1232974" cy="841499"/>
-          </a:xfrm>
-          <a:prstGeom prst="triangle">
-            <a:avLst/>
-          </a:prstGeom>
-          <a:solidFill>
-            <a:schemeClr val="accent1">
-              <a:alpha val="30000"/>
-            </a:schemeClr>
-          </a:solidFill>
-          <a:ln>
-            <a:noFill/>
-          </a:ln>
-        </p:spPr>
-        <p:style>
-          <a:lnRef idx="2">
-            <a:schemeClr val="accent1">
-              <a:shade val="50000"/>
-            </a:schemeClr>
-          </a:lnRef>
-          <a:fillRef idx="1">
-            <a:schemeClr val="accent1"/>
-          </a:fillRef>
-          <a:effectRef idx="0">
-            <a:schemeClr val="accent1"/>
-          </a:effectRef>
-          <a:fontRef idx="minor">
-            <a:schemeClr val="lt1"/>
-          </a:fontRef>
-        </p:style>
-        <p:txBody>
-          <a:bodyPr rtlCol="0" anchor="ctr"/>
-          <a:lstStyle/>
-          <a:p>
-            <a:pPr algn="ctr"/>
-            <a:endParaRPr lang="en-US"/>
-          </a:p>
-        </p:txBody>
-      </p:sp>
-      <p:pic>
-        <p:nvPicPr>
-          <p:cNvPr id="22" name="Picture Placeholder 21">
-            <a:extLst>
-              <a:ext uri="{FF2B5EF4-FFF2-40B4-BE49-F238E27FC236}">
-                <a16:creationId xmlns:a16="http://schemas.microsoft.com/office/drawing/2014/main" id="{E82C69EC-4DEE-F626-E3F9-870FAE40A2E7}"/>
-              </a:ext>
-            </a:extLst>
-          </p:cNvPr>
-          <p:cNvPicPr>
-            <a:picLocks noGrp="1" noChangeAspect="1"/>
-          </p:cNvPicPr>
-          <p:nvPr>
-            <p:ph type="pic" sz="quarter" idx="11"/>
-          </p:nvPr>
-        </p:nvPicPr>
-        <p:blipFill>
-          <a:blip r:embed="rId3"/>
-          <a:srcRect t="4962" b="4962"/>
-          <a:stretch/>
-        </p:blipFill>
-        <p:spPr>
-          <a:xfrm>
-            <a:off x="0" y="4700588"/>
-            <a:ext cx="10058400" cy="3071812"/>
-          </a:xfrm>
-          <a:prstGeom prst="rect">
-            <a:avLst/>
-          </a:prstGeom>
-          <a:ln>
-            <a:noFill/>
-          </a:ln>
-        </p:spPr>
-      </p:pic>
-      <p:sp>
-        <p:nvSpPr>
-          <p:cNvPr id="39" name="Isosceles Triangle 38">
-            <a:extLst>
-              <a:ext uri="{FF2B5EF4-FFF2-40B4-BE49-F238E27FC236}">
-                <a16:creationId xmlns:a16="http://schemas.microsoft.com/office/drawing/2014/main" id="{3C16498B-A146-11F6-EB6C-1AC65F0C9457}"/>
-              </a:ext>
-              <a:ext uri="{C183D7F6-B498-43B3-948B-1728B52AA6E4}">
-                <adec:decorative xmlns:adec="http://schemas.microsoft.com/office/drawing/2017/decorative" val="1"/>
-              </a:ext>
-            </a:extLst>
-          </p:cNvPr>
-          <p:cNvSpPr>
-            <a:spLocks noGrp="1" noRot="1" noChangeAspect="1" noMove="1" noResize="1" noEditPoints="1" noAdjustHandles="1" noChangeArrowheads="1" noChangeShapeType="1" noTextEdit="1"/>
-          </p:cNvSpPr>
-          <p:nvPr>
-            <p:extLst>
-              <p:ext uri="{386F3935-93C4-4BCD-93E2-E3B085C9AB24}">
-                <p16:designElem xmlns:p16="http://schemas.microsoft.com/office/powerpoint/2015/main" val="1"/>
-              </p:ext>
-            </p:extLst>
-          </p:nvPr>
-        </p:nvSpPr>
-        <p:spPr>
-          <a:xfrm flipH="1">
-            <a:off x="6273366" y="7313562"/>
-            <a:ext cx="672294" cy="458838"/>
-          </a:xfrm>
-          <a:prstGeom prst="triangle">
-            <a:avLst/>
-          </a:prstGeom>
-          <a:solidFill>
-            <a:schemeClr val="accent1">
-              <a:alpha val="30000"/>
-            </a:schemeClr>
-          </a:solidFill>
-          <a:ln>
-            <a:noFill/>
-          </a:ln>
-        </p:spPr>
-        <p:style>
-          <a:lnRef idx="2">
-            <a:schemeClr val="accent1">
-              <a:shade val="50000"/>
-            </a:schemeClr>
-          </a:lnRef>
-          <a:fillRef idx="1">
-            <a:schemeClr val="accent1"/>
-          </a:fillRef>
-          <a:effectRef idx="0">
-            <a:schemeClr val="accent1"/>
-          </a:effectRef>
-          <a:fontRef idx="minor">
-            <a:schemeClr val="lt1"/>
-          </a:fontRef>
-        </p:style>
-        <p:txBody>
-          <a:bodyPr rtlCol="0" anchor="ctr"/>
-          <a:lstStyle/>
-          <a:p>
-            <a:pPr algn="ctr"/>
-            <a:endParaRPr lang="en-US"/>
-          </a:p>
-        </p:txBody>
-      </p:sp>
-      <p:sp>
-        <p:nvSpPr>
-          <p:cNvPr id="26" name="TextBox 25">
-            <a:extLst>
-              <a:ext uri="{FF2B5EF4-FFF2-40B4-BE49-F238E27FC236}">
-                <a16:creationId xmlns:a16="http://schemas.microsoft.com/office/drawing/2014/main" id="{69D98DB2-A86A-133F-F60A-9FEFEE6B32B6}"/>
-              </a:ext>
-            </a:extLst>
-          </p:cNvPr>
-          <p:cNvSpPr txBox="1"/>
-          <p:nvPr/>
-        </p:nvSpPr>
-        <p:spPr>
-          <a:xfrm>
-            <a:off x="1448655" y="936933"/>
-            <a:ext cx="7086600" cy="584775"/>
-          </a:xfrm>
-          <a:prstGeom prst="rect">
-            <a:avLst/>
-          </a:prstGeom>
-          <a:noFill/>
-        </p:spPr>
-        <p:txBody>
-          <a:bodyPr wrap="square" rtlCol="0">
-            <a:spAutoFit/>
-          </a:bodyPr>
-          <a:lstStyle/>
-          <a:p>
-            <a:pPr algn="ctr"/>
-            <a:r>
-              <a:rPr lang="en-US" sz="3200" b="1" dirty="0">
-                <a:solidFill>
-                  <a:schemeClr val="tx2"/>
-                </a:solidFill>
-                <a:latin typeface="+mj-lt"/>
-              </a:rPr>
-              <a:t>Supervised Machine Learning</a:t>
-            </a:r>
-          </a:p>
-        </p:txBody>
-      </p:sp>
-      <p:sp>
-        <p:nvSpPr>
-          <p:cNvPr id="28" name="TextBox 27">
-            <a:extLst>
-              <a:ext uri="{FF2B5EF4-FFF2-40B4-BE49-F238E27FC236}">
-                <a16:creationId xmlns:a16="http://schemas.microsoft.com/office/drawing/2014/main" id="{01A3F7CE-72E4-C4EC-6307-7789992692F6}"/>
-              </a:ext>
-            </a:extLst>
-          </p:cNvPr>
-          <p:cNvSpPr txBox="1"/>
-          <p:nvPr/>
-        </p:nvSpPr>
-        <p:spPr>
-          <a:xfrm>
-            <a:off x="1528411" y="1737123"/>
-            <a:ext cx="6886575" cy="2246769"/>
-          </a:xfrm>
-          <a:prstGeom prst="rect">
-            <a:avLst/>
-          </a:prstGeom>
-          <a:noFill/>
-        </p:spPr>
-        <p:txBody>
-          <a:bodyPr wrap="square" rtlCol="0">
-            <a:spAutoFit/>
-          </a:bodyPr>
-          <a:lstStyle/>
-          <a:p>
-            <a:pPr marL="342900" indent="-342900">
-              <a:buAutoNum type="arabicPeriod"/>
-            </a:pPr>
-            <a:r>
-              <a:rPr lang="en-US" sz="2800" dirty="0"/>
-              <a:t>Introduction</a:t>
-            </a:r>
-          </a:p>
-          <a:p>
-            <a:pPr marL="342900" indent="-342900">
-              <a:buAutoNum type="arabicPeriod"/>
-            </a:pPr>
-            <a:r>
-              <a:rPr lang="en-US" sz="2800" dirty="0"/>
-              <a:t>Data Cleaning – SQL</a:t>
-            </a:r>
-          </a:p>
-          <a:p>
-            <a:pPr marL="342900" indent="-342900">
-              <a:buAutoNum type="arabicPeriod"/>
-            </a:pPr>
-            <a:r>
-              <a:rPr lang="en-US" sz="2800" dirty="0"/>
-              <a:t>Visualization – Python Matplotlib &amp; Pandas </a:t>
-            </a:r>
-          </a:p>
-          <a:p>
-            <a:pPr marL="342900" indent="-342900">
-              <a:buAutoNum type="arabicPeriod"/>
-            </a:pPr>
-            <a:r>
-              <a:rPr lang="en-US" sz="2800" dirty="0"/>
-              <a:t>Supervised Machine Learning Models </a:t>
-            </a:r>
-          </a:p>
-          <a:p>
-            <a:pPr marL="342900" indent="-342900">
-              <a:buAutoNum type="arabicPeriod"/>
-            </a:pPr>
-            <a:r>
-              <a:rPr lang="en-US" sz="2800" dirty="0"/>
-              <a:t>Result &amp; Conclusion</a:t>
-            </a:r>
-          </a:p>
-        </p:txBody>
-      </p:sp>
-    </p:spTree>
-    <p:extLst>
-      <p:ext uri="{BB962C8B-B14F-4D97-AF65-F5344CB8AC3E}">
-        <p14:creationId xmlns:p14="http://schemas.microsoft.com/office/powerpoint/2010/main" val="3602966235"/>
-      </p:ext>
-    </p:extLst>
-  </p:cSld>
-  <p:clrMapOvr>
-    <a:masterClrMapping/>
-  </p:clrMapOvr>
-</p:sld>
-</file>
-
-<file path=ppt/slides/slide8.xml><?xml version="1.0" encoding="utf-8"?>
-<p:sld xmlns:a="http://schemas.openxmlformats.org/drawingml/2006/main" xmlns:r="http://schemas.openxmlformats.org/officeDocument/2006/relationships" xmlns:p="http://schemas.openxmlformats.org/presentationml/2006/main">
-  <p:cSld>
-    <p:bg>
-      <p:bgPr>
-        <a:solidFill>
-          <a:schemeClr val="bg1"/>
-        </a:solidFill>
-        <a:effectLst/>
-      </p:bgPr>
-    </p:bg>
-    <p:spTree>
-      <p:nvGrpSpPr>
-        <p:cNvPr id="1" name="">
-          <a:extLst>
-            <a:ext uri="{FF2B5EF4-FFF2-40B4-BE49-F238E27FC236}">
-              <a16:creationId xmlns:a16="http://schemas.microsoft.com/office/drawing/2014/main" id="{07076CFD-B08F-D550-E0F7-AD5D4BF78572}"/>
+              <a16:creationId xmlns:a16="http://schemas.microsoft.com/office/drawing/2014/main" id="{43721567-CC8A-A7F3-20FA-1E041D14A7EC}"/>
             </a:ext>
           </a:extLst>
         </p:cNvPr>
@@ -16306,40 +18153,12 @@
           </a:p>
         </p:txBody>
       </p:sp>
-      <p:pic>
-        <p:nvPicPr>
-          <p:cNvPr id="5" name="Picture Placeholder 4">
+      <p:sp>
+        <p:nvSpPr>
+          <p:cNvPr id="4" name="TextBox 3">
             <a:extLst>
               <a:ext uri="{FF2B5EF4-FFF2-40B4-BE49-F238E27FC236}">
-                <a16:creationId xmlns:a16="http://schemas.microsoft.com/office/drawing/2014/main" id="{4E7E008B-52C3-08D7-3FC4-A2992AA7D10E}"/>
-              </a:ext>
-            </a:extLst>
-          </p:cNvPr>
-          <p:cNvPicPr>
-            <a:picLocks noGrp="1" noChangeAspect="1"/>
-          </p:cNvPicPr>
-          <p:nvPr>
-            <p:ph type="pic" sz="quarter" idx="11"/>
-          </p:nvPr>
-        </p:nvPicPr>
-        <p:blipFill>
-          <a:blip r:embed="rId3"/>
-          <a:srcRect t="3172" b="3172"/>
-          <a:stretch/>
-        </p:blipFill>
-        <p:spPr>
-          <a:xfrm>
-            <a:off x="0" y="4700588"/>
-            <a:ext cx="10058400" cy="3071812"/>
-          </a:xfrm>
-        </p:spPr>
-      </p:pic>
-      <p:sp>
-        <p:nvSpPr>
-          <p:cNvPr id="6" name="TextBox 5">
-            <a:extLst>
-              <a:ext uri="{FF2B5EF4-FFF2-40B4-BE49-F238E27FC236}">
-                <a16:creationId xmlns:a16="http://schemas.microsoft.com/office/drawing/2014/main" id="{57471979-3A2A-3115-7259-DFBBC5EDD887}"/>
+                <a16:creationId xmlns:a16="http://schemas.microsoft.com/office/drawing/2014/main" id="{AA30CD2F-F220-0E5F-544F-FC701E5F9F6A}"/>
               </a:ext>
             </a:extLst>
           </p:cNvPr>
@@ -16370,89 +18189,44 @@
                 </a:solidFill>
                 <a:latin typeface="+mj-lt"/>
               </a:rPr>
-              <a:t>Model Optimization</a:t>
+              <a:t>Correlation Heatmap</a:t>
             </a:r>
           </a:p>
         </p:txBody>
       </p:sp>
-      <p:sp>
-        <p:nvSpPr>
-          <p:cNvPr id="7" name="TextBox 6">
+      <p:pic>
+        <p:nvPicPr>
+          <p:cNvPr id="8" name="Picture 7">
             <a:extLst>
               <a:ext uri="{FF2B5EF4-FFF2-40B4-BE49-F238E27FC236}">
-                <a16:creationId xmlns:a16="http://schemas.microsoft.com/office/drawing/2014/main" id="{152DB5FC-6B69-C0C6-2E02-479545CD5E06}"/>
+                <a16:creationId xmlns:a16="http://schemas.microsoft.com/office/drawing/2014/main" id="{E739D135-5263-E8AF-FB9B-50963AA8AE99}"/>
               </a:ext>
             </a:extLst>
           </p:cNvPr>
-          <p:cNvSpPr txBox="1"/>
+          <p:cNvPicPr>
+            <a:picLocks noChangeAspect="1"/>
+          </p:cNvPicPr>
           <p:nvPr/>
-        </p:nvSpPr>
+        </p:nvPicPr>
+        <p:blipFill rotWithShape="1">
+          <a:blip r:embed="rId3"/>
+          <a:srcRect t="1542" b="1"/>
+          <a:stretch/>
+        </p:blipFill>
         <p:spPr>
           <a:xfrm>
-            <a:off x="1528411" y="1737123"/>
-            <a:ext cx="6886575" cy="2246769"/>
+            <a:off x="1088886" y="1521708"/>
+            <a:ext cx="7880628" cy="6200676"/>
           </a:xfrm>
           <a:prstGeom prst="rect">
             <a:avLst/>
           </a:prstGeom>
-          <a:noFill/>
         </p:spPr>
-        <p:txBody>
-          <a:bodyPr wrap="square" rtlCol="0">
-            <a:spAutoFit/>
-          </a:bodyPr>
-          <a:lstStyle/>
-          <a:p>
-            <a:pPr marL="342900" indent="-342900">
-              <a:buAutoNum type="arabicPeriod"/>
-            </a:pPr>
-            <a:r>
-              <a:rPr lang="en-US" sz="2800" dirty="0"/>
-              <a:t>Introduction</a:t>
-            </a:r>
-          </a:p>
-          <a:p>
-            <a:pPr marL="342900" indent="-342900">
-              <a:buAutoNum type="arabicPeriod"/>
-            </a:pPr>
-            <a:r>
-              <a:rPr lang="en-US" sz="2800" dirty="0"/>
-              <a:t>Data Cleaning – SQL</a:t>
-            </a:r>
-          </a:p>
-          <a:p>
-            <a:pPr marL="342900" indent="-342900">
-              <a:buAutoNum type="arabicPeriod"/>
-            </a:pPr>
-            <a:r>
-              <a:rPr lang="en-US" sz="2800" dirty="0"/>
-              <a:t>Visualization – Python Matplotlib &amp; Pandas </a:t>
-            </a:r>
-          </a:p>
-          <a:p>
-            <a:pPr marL="342900" indent="-342900">
-              <a:buAutoNum type="arabicPeriod"/>
-            </a:pPr>
-            <a:r>
-              <a:rPr lang="en-US" sz="2800" dirty="0"/>
-              <a:t>Supervised Machine Learning Models </a:t>
-            </a:r>
-          </a:p>
-          <a:p>
-            <a:pPr marL="342900" indent="-342900">
-              <a:buAutoNum type="arabicPeriod"/>
-            </a:pPr>
-            <a:r>
-              <a:rPr lang="en-US" sz="2800" dirty="0"/>
-              <a:t>Result &amp; Conclusion</a:t>
-            </a:r>
-          </a:p>
-        </p:txBody>
-      </p:sp>
+      </p:pic>
     </p:spTree>
     <p:extLst>
       <p:ext uri="{BB962C8B-B14F-4D97-AF65-F5344CB8AC3E}">
-        <p14:creationId xmlns:p14="http://schemas.microsoft.com/office/powerpoint/2010/main" val="3416960612"/>
+        <p14:creationId xmlns:p14="http://schemas.microsoft.com/office/powerpoint/2010/main" val="1763449738"/>
       </p:ext>
     </p:extLst>
   </p:cSld>
@@ -16462,7 +18236,7 @@
 </p:sld>
 </file>
 
-<file path=ppt/slides/slide9.xml><?xml version="1.0" encoding="utf-8"?>
+<file path=ppt/slides/slide7.xml><?xml version="1.0" encoding="utf-8"?>
 <p:sld xmlns:a="http://schemas.openxmlformats.org/drawingml/2006/main" xmlns:r="http://schemas.openxmlformats.org/officeDocument/2006/relationships" xmlns:p="http://schemas.openxmlformats.org/presentationml/2006/main">
   <p:cSld>
     <p:bg>
@@ -16478,7 +18252,7 @@
         <p:cNvPr id="1" name="">
           <a:extLst>
             <a:ext uri="{FF2B5EF4-FFF2-40B4-BE49-F238E27FC236}">
-              <a16:creationId xmlns:a16="http://schemas.microsoft.com/office/drawing/2014/main" id="{19976652-C50D-0AED-59F5-520024B90CBE}"/>
+              <a16:creationId xmlns:a16="http://schemas.microsoft.com/office/drawing/2014/main" id="{43721567-CC8A-A7F3-20FA-1E041D14A7EC}"/>
             </a:ext>
           </a:extLst>
         </p:cNvPr>
@@ -16493,12 +18267,12 @@
           <a:chExt cx="0" cy="0"/>
         </a:xfrm>
       </p:grpSpPr>
-      <p:sp>
+      <p:sp useBgFill="1">
         <p:nvSpPr>
-          <p:cNvPr id="27" name="Rectangle 26">
+          <p:cNvPr id="66" name="Rectangle 65">
             <a:extLst>
               <a:ext uri="{FF2B5EF4-FFF2-40B4-BE49-F238E27FC236}">
-                <a16:creationId xmlns:a16="http://schemas.microsoft.com/office/drawing/2014/main" id="{7BB21BAA-CED1-B16A-1DEE-E71B871D83E9}"/>
+                <a16:creationId xmlns:a16="http://schemas.microsoft.com/office/drawing/2014/main" id="{70155189-D96C-4527-B0EC-654B946BE615}"/>
               </a:ext>
               <a:ext uri="{C183D7F6-B498-43B3-948B-1728B52AA6E4}">
                 <adec:decorative xmlns:adec="http://schemas.microsoft.com/office/drawing/2017/decorative" val="1"/>
@@ -16519,14 +18293,11 @@
         <p:spPr>
           <a:xfrm>
             <a:off x="0" y="0"/>
-            <a:ext cx="10058400" cy="7772400"/>
+            <a:ext cx="10055884" cy="7772400"/>
           </a:xfrm>
           <a:prstGeom prst="rect">
             <a:avLst/>
           </a:prstGeom>
-          <a:solidFill>
-            <a:schemeClr val="bg1"/>
-          </a:solidFill>
           <a:ln>
             <a:noFill/>
           </a:ln>
@@ -16552,16 +18323,130 @@
           <a:lstStyle/>
           <a:p>
             <a:pPr algn="ctr"/>
-            <a:endParaRPr lang="en-US" dirty="0"/>
+            <a:endParaRPr lang="en-US"/>
           </a:p>
         </p:txBody>
       </p:sp>
+      <p:pic>
+        <p:nvPicPr>
+          <p:cNvPr id="5" name="Picture 4">
+            <a:extLst>
+              <a:ext uri="{FF2B5EF4-FFF2-40B4-BE49-F238E27FC236}">
+                <a16:creationId xmlns:a16="http://schemas.microsoft.com/office/drawing/2014/main" id="{8A088EC9-0CC1-C6B7-D481-62E4480F1211}"/>
+              </a:ext>
+            </a:extLst>
+          </p:cNvPr>
+          <p:cNvPicPr>
+            <a:picLocks noChangeAspect="1"/>
+          </p:cNvPicPr>
+          <p:nvPr/>
+        </p:nvPicPr>
+        <p:blipFill rotWithShape="1">
+          <a:blip r:embed="rId3"/>
+          <a:srcRect l="5285" t="6529" r="8020" b="3086"/>
+          <a:stretch/>
+        </p:blipFill>
+        <p:spPr>
+          <a:xfrm>
+            <a:off x="1298513" y="1521708"/>
+            <a:ext cx="7311232" cy="5678629"/>
+          </a:xfrm>
+          <a:prstGeom prst="rect">
+            <a:avLst/>
+          </a:prstGeom>
+        </p:spPr>
+      </p:pic>
       <p:sp>
         <p:nvSpPr>
-          <p:cNvPr id="29" name="Freeform: Shape 28">
+          <p:cNvPr id="6" name="TextBox 5">
             <a:extLst>
               <a:ext uri="{FF2B5EF4-FFF2-40B4-BE49-F238E27FC236}">
-                <a16:creationId xmlns:a16="http://schemas.microsoft.com/office/drawing/2014/main" id="{59F97F45-7FAF-0965-515C-DF36AA4F4400}"/>
+                <a16:creationId xmlns:a16="http://schemas.microsoft.com/office/drawing/2014/main" id="{0DB93961-CCF8-D4BD-0645-0D3FAC1563EC}"/>
+              </a:ext>
+            </a:extLst>
+          </p:cNvPr>
+          <p:cNvSpPr txBox="1"/>
+          <p:nvPr/>
+        </p:nvSpPr>
+        <p:spPr>
+          <a:xfrm>
+            <a:off x="1448655" y="936933"/>
+            <a:ext cx="7086600" cy="584775"/>
+          </a:xfrm>
+          <a:prstGeom prst="rect">
+            <a:avLst/>
+          </a:prstGeom>
+          <a:noFill/>
+        </p:spPr>
+        <p:txBody>
+          <a:bodyPr wrap="square" rtlCol="0">
+            <a:spAutoFit/>
+          </a:bodyPr>
+          <a:lstStyle/>
+          <a:p>
+            <a:pPr algn="ctr"/>
+            <a:r>
+              <a:rPr lang="en-US" sz="3200" b="1" dirty="0">
+                <a:solidFill>
+                  <a:schemeClr val="tx2"/>
+                </a:solidFill>
+                <a:latin typeface="+mj-lt"/>
+              </a:rPr>
+              <a:t>Age Distribution</a:t>
+            </a:r>
+          </a:p>
+        </p:txBody>
+      </p:sp>
+    </p:spTree>
+    <p:extLst>
+      <p:ext uri="{BB962C8B-B14F-4D97-AF65-F5344CB8AC3E}">
+        <p14:creationId xmlns:p14="http://schemas.microsoft.com/office/powerpoint/2010/main" val="1292348472"/>
+      </p:ext>
+    </p:extLst>
+  </p:cSld>
+  <p:clrMapOvr>
+    <a:masterClrMapping/>
+  </p:clrMapOvr>
+</p:sld>
+</file>
+
+<file path=ppt/slides/slide8.xml><?xml version="1.0" encoding="utf-8"?>
+<p:sld xmlns:a="http://schemas.openxmlformats.org/drawingml/2006/main" xmlns:r="http://schemas.openxmlformats.org/officeDocument/2006/relationships" xmlns:p="http://schemas.openxmlformats.org/presentationml/2006/main">
+  <p:cSld>
+    <p:bg>
+      <p:bgPr>
+        <a:solidFill>
+          <a:schemeClr val="bg1"/>
+        </a:solidFill>
+        <a:effectLst/>
+      </p:bgPr>
+    </p:bg>
+    <p:spTree>
+      <p:nvGrpSpPr>
+        <p:cNvPr id="1" name="">
+          <a:extLst>
+            <a:ext uri="{FF2B5EF4-FFF2-40B4-BE49-F238E27FC236}">
+              <a16:creationId xmlns:a16="http://schemas.microsoft.com/office/drawing/2014/main" id="{43721567-CC8A-A7F3-20FA-1E041D14A7EC}"/>
+            </a:ext>
+          </a:extLst>
+        </p:cNvPr>
+        <p:cNvGrpSpPr/>
+        <p:nvPr/>
+      </p:nvGrpSpPr>
+      <p:grpSpPr>
+        <a:xfrm>
+          <a:off x="0" y="0"/>
+          <a:ext cx="0" cy="0"/>
+          <a:chOff x="0" y="0"/>
+          <a:chExt cx="0" cy="0"/>
+        </a:xfrm>
+      </p:grpSpPr>
+      <p:sp useBgFill="1">
+        <p:nvSpPr>
+          <p:cNvPr id="66" name="Rectangle 65">
+            <a:extLst>
+              <a:ext uri="{FF2B5EF4-FFF2-40B4-BE49-F238E27FC236}">
+                <a16:creationId xmlns:a16="http://schemas.microsoft.com/office/drawing/2014/main" id="{70155189-D96C-4527-B0EC-654B946BE615}"/>
               </a:ext>
               <a:ext uri="{C183D7F6-B498-43B3-948B-1728B52AA6E4}">
                 <adec:decorative xmlns:adec="http://schemas.microsoft.com/office/drawing/2017/decorative" val="1"/>
@@ -16580,69 +18465,13 @@
           </p:nvPr>
         </p:nvSpPr>
         <p:spPr>
-          <a:xfrm rot="18900000" flipH="1">
-            <a:off x="-310328" y="-287492"/>
-            <a:ext cx="1507800" cy="1560586"/>
+          <a:xfrm>
+            <a:off x="0" y="0"/>
+            <a:ext cx="10055884" cy="7772400"/>
           </a:xfrm>
-          <a:custGeom>
+          <a:prstGeom prst="rect">
             <a:avLst/>
-            <a:gdLst>
-              <a:gd name="connsiteX0" fmla="*/ 0 w 1827638"/>
-              <a:gd name="connsiteY0" fmla="*/ 987379 h 1376989"/>
-              <a:gd name="connsiteX1" fmla="*/ 987379 w 1827638"/>
-              <a:gd name="connsiteY1" fmla="*/ 0 h 1376989"/>
-              <a:gd name="connsiteX2" fmla="*/ 1827638 w 1827638"/>
-              <a:gd name="connsiteY2" fmla="*/ 840260 h 1376989"/>
-              <a:gd name="connsiteX3" fmla="*/ 1827638 w 1827638"/>
-              <a:gd name="connsiteY3" fmla="*/ 1376989 h 1376989"/>
-              <a:gd name="connsiteX4" fmla="*/ 0 w 1827638"/>
-              <a:gd name="connsiteY4" fmla="*/ 1376989 h 1376989"/>
-            </a:gdLst>
-            <a:ahLst/>
-            <a:cxnLst>
-              <a:cxn ang="0">
-                <a:pos x="connsiteX0" y="connsiteY0"/>
-              </a:cxn>
-              <a:cxn ang="0">
-                <a:pos x="connsiteX1" y="connsiteY1"/>
-              </a:cxn>
-              <a:cxn ang="0">
-                <a:pos x="connsiteX2" y="connsiteY2"/>
-              </a:cxn>
-              <a:cxn ang="0">
-                <a:pos x="connsiteX3" y="connsiteY3"/>
-              </a:cxn>
-              <a:cxn ang="0">
-                <a:pos x="connsiteX4" y="connsiteY4"/>
-              </a:cxn>
-            </a:cxnLst>
-            <a:rect l="l" t="t" r="r" b="b"/>
-            <a:pathLst>
-              <a:path w="1827638" h="1376989">
-                <a:moveTo>
-                  <a:pt x="0" y="987379"/>
-                </a:moveTo>
-                <a:lnTo>
-                  <a:pt x="987379" y="0"/>
-                </a:lnTo>
-                <a:lnTo>
-                  <a:pt x="1827638" y="840260"/>
-                </a:lnTo>
-                <a:lnTo>
-                  <a:pt x="1827638" y="1376989"/>
-                </a:lnTo>
-                <a:lnTo>
-                  <a:pt x="0" y="1376989"/>
-                </a:lnTo>
-                <a:close/>
-              </a:path>
-            </a:pathLst>
-          </a:custGeom>
-          <a:solidFill>
-            <a:schemeClr val="accent1">
-              <a:alpha val="30000"/>
-            </a:schemeClr>
-          </a:solidFill>
+          </a:prstGeom>
           <a:ln>
             <a:noFill/>
           </a:ln>
@@ -16668,16 +18497,291 @@
           <a:lstStyle/>
           <a:p>
             <a:pPr algn="ctr"/>
-            <a:endParaRPr lang="en-US" dirty="0"/>
+            <a:endParaRPr lang="en-US"/>
           </a:p>
         </p:txBody>
       </p:sp>
       <p:sp>
         <p:nvSpPr>
-          <p:cNvPr id="31" name="Rectangle 30">
+          <p:cNvPr id="6" name="TextBox 5">
             <a:extLst>
               <a:ext uri="{FF2B5EF4-FFF2-40B4-BE49-F238E27FC236}">
-                <a16:creationId xmlns:a16="http://schemas.microsoft.com/office/drawing/2014/main" id="{C8E56BDA-4F67-DA7E-D11A-F7C40647ADE6}"/>
+                <a16:creationId xmlns:a16="http://schemas.microsoft.com/office/drawing/2014/main" id="{0DB93961-CCF8-D4BD-0645-0D3FAC1563EC}"/>
+              </a:ext>
+            </a:extLst>
+          </p:cNvPr>
+          <p:cNvSpPr txBox="1"/>
+          <p:nvPr/>
+        </p:nvSpPr>
+        <p:spPr>
+          <a:xfrm>
+            <a:off x="1484642" y="162424"/>
+            <a:ext cx="7086600" cy="584775"/>
+          </a:xfrm>
+          <a:prstGeom prst="rect">
+            <a:avLst/>
+          </a:prstGeom>
+          <a:noFill/>
+        </p:spPr>
+        <p:txBody>
+          <a:bodyPr wrap="square" rtlCol="0">
+            <a:spAutoFit/>
+          </a:bodyPr>
+          <a:lstStyle/>
+          <a:p>
+            <a:pPr algn="ctr"/>
+            <a:r>
+              <a:rPr lang="en-US" sz="3200" b="1" dirty="0">
+                <a:solidFill>
+                  <a:schemeClr val="tx2"/>
+                </a:solidFill>
+                <a:latin typeface="+mj-lt"/>
+              </a:rPr>
+              <a:t>Age vs BMI</a:t>
+            </a:r>
+          </a:p>
+        </p:txBody>
+      </p:sp>
+      <p:pic>
+        <p:nvPicPr>
+          <p:cNvPr id="2" name="Picture 1" descr="A graph of scatter plot&#10;&#10;Description automatically generated">
+            <a:extLst>
+              <a:ext uri="{FF2B5EF4-FFF2-40B4-BE49-F238E27FC236}">
+                <a16:creationId xmlns:a16="http://schemas.microsoft.com/office/drawing/2014/main" id="{A1A5E7CF-927D-0D5F-C9E1-FB35F9C99DC8}"/>
+              </a:ext>
+            </a:extLst>
+          </p:cNvPr>
+          <p:cNvPicPr>
+            <a:picLocks noChangeAspect="1"/>
+          </p:cNvPicPr>
+          <p:nvPr/>
+        </p:nvPicPr>
+        <p:blipFill rotWithShape="1">
+          <a:blip r:embed="rId3"/>
+          <a:srcRect l="6460" t="7208" r="8675" b="3153"/>
+          <a:stretch/>
+        </p:blipFill>
+        <p:spPr>
+          <a:xfrm>
+            <a:off x="210272" y="1007250"/>
+            <a:ext cx="9618679" cy="6095914"/>
+          </a:xfrm>
+          <a:prstGeom prst="rect">
+            <a:avLst/>
+          </a:prstGeom>
+        </p:spPr>
+      </p:pic>
+      <p:pic>
+        <p:nvPicPr>
+          <p:cNvPr id="4" name="Picture 3">
+            <a:extLst>
+              <a:ext uri="{FF2B5EF4-FFF2-40B4-BE49-F238E27FC236}">
+                <a16:creationId xmlns:a16="http://schemas.microsoft.com/office/drawing/2014/main" id="{7927984C-AD90-6B0B-3BE9-3A05AF46D4EC}"/>
+              </a:ext>
+            </a:extLst>
+          </p:cNvPr>
+          <p:cNvPicPr>
+            <a:picLocks noChangeAspect="1"/>
+          </p:cNvPicPr>
+          <p:nvPr/>
+        </p:nvPicPr>
+        <p:blipFill>
+          <a:blip r:embed="rId4"/>
+          <a:stretch>
+            <a:fillRect/>
+          </a:stretch>
+        </p:blipFill>
+        <p:spPr>
+          <a:xfrm>
+            <a:off x="1527720" y="4040260"/>
+            <a:ext cx="6347791" cy="3569716"/>
+          </a:xfrm>
+          <a:prstGeom prst="rect">
+            <a:avLst/>
+          </a:prstGeom>
+        </p:spPr>
+      </p:pic>
+      <p:pic>
+        <p:nvPicPr>
+          <p:cNvPr id="7" name="Picture 6">
+            <a:extLst>
+              <a:ext uri="{FF2B5EF4-FFF2-40B4-BE49-F238E27FC236}">
+                <a16:creationId xmlns:a16="http://schemas.microsoft.com/office/drawing/2014/main" id="{5BAC7763-7DB8-B682-089E-4C5E422A2DD4}"/>
+              </a:ext>
+            </a:extLst>
+          </p:cNvPr>
+          <p:cNvPicPr>
+            <a:picLocks noChangeAspect="1"/>
+          </p:cNvPicPr>
+          <p:nvPr/>
+        </p:nvPicPr>
+        <p:blipFill rotWithShape="1">
+          <a:blip r:embed="rId5"/>
+          <a:srcRect l="1500" t="3705" r="6310"/>
+          <a:stretch/>
+        </p:blipFill>
+        <p:spPr>
+          <a:xfrm>
+            <a:off x="1928819" y="162424"/>
+            <a:ext cx="5187528" cy="4063962"/>
+          </a:xfrm>
+          <a:prstGeom prst="rect">
+            <a:avLst/>
+          </a:prstGeom>
+        </p:spPr>
+      </p:pic>
+    </p:spTree>
+    <p:extLst>
+      <p:ext uri="{BB962C8B-B14F-4D97-AF65-F5344CB8AC3E}">
+        <p14:creationId xmlns:p14="http://schemas.microsoft.com/office/powerpoint/2010/main" val="3903460589"/>
+      </p:ext>
+    </p:extLst>
+  </p:cSld>
+  <p:clrMapOvr>
+    <a:masterClrMapping/>
+  </p:clrMapOvr>
+  <p:timing>
+    <p:tnLst>
+      <p:par>
+        <p:cTn id="1" dur="indefinite" restart="never" nodeType="tmRoot">
+          <p:childTnLst>
+            <p:seq concurrent="1" nextAc="seek">
+              <p:cTn id="2" dur="indefinite" nodeType="mainSeq">
+                <p:childTnLst>
+                  <p:par>
+                    <p:cTn id="3" fill="hold">
+                      <p:stCondLst>
+                        <p:cond delay="indefinite"/>
+                      </p:stCondLst>
+                      <p:childTnLst>
+                        <p:par>
+                          <p:cTn id="4" fill="hold">
+                            <p:stCondLst>
+                              <p:cond delay="0"/>
+                            </p:stCondLst>
+                            <p:childTnLst>
+                              <p:par>
+                                <p:cTn id="5" presetID="1" presetClass="entr" presetSubtype="0" fill="hold" nodeType="clickEffect">
+                                  <p:stCondLst>
+                                    <p:cond delay="0"/>
+                                  </p:stCondLst>
+                                  <p:childTnLst>
+                                    <p:set>
+                                      <p:cBhvr>
+                                        <p:cTn id="6" dur="1" fill="hold">
+                                          <p:stCondLst>
+                                            <p:cond delay="0"/>
+                                          </p:stCondLst>
+                                        </p:cTn>
+                                        <p:tgtEl>
+                                          <p:spTgt spid="7"/>
+                                        </p:tgtEl>
+                                        <p:attrNameLst>
+                                          <p:attrName>style.visibility</p:attrName>
+                                        </p:attrNameLst>
+                                      </p:cBhvr>
+                                      <p:to>
+                                        <p:strVal val="visible"/>
+                                      </p:to>
+                                    </p:set>
+                                  </p:childTnLst>
+                                </p:cTn>
+                              </p:par>
+                              <p:par>
+                                <p:cTn id="7" presetID="1" presetClass="entr" presetSubtype="0" fill="hold" nodeType="withEffect">
+                                  <p:stCondLst>
+                                    <p:cond delay="0"/>
+                                  </p:stCondLst>
+                                  <p:childTnLst>
+                                    <p:set>
+                                      <p:cBhvr>
+                                        <p:cTn id="8" dur="1" fill="hold">
+                                          <p:stCondLst>
+                                            <p:cond delay="0"/>
+                                          </p:stCondLst>
+                                        </p:cTn>
+                                        <p:tgtEl>
+                                          <p:spTgt spid="4"/>
+                                        </p:tgtEl>
+                                        <p:attrNameLst>
+                                          <p:attrName>style.visibility</p:attrName>
+                                        </p:attrNameLst>
+                                      </p:cBhvr>
+                                      <p:to>
+                                        <p:strVal val="visible"/>
+                                      </p:to>
+                                    </p:set>
+                                  </p:childTnLst>
+                                </p:cTn>
+                              </p:par>
+                            </p:childTnLst>
+                          </p:cTn>
+                        </p:par>
+                      </p:childTnLst>
+                    </p:cTn>
+                  </p:par>
+                </p:childTnLst>
+              </p:cTn>
+              <p:prevCondLst>
+                <p:cond evt="onPrev" delay="0">
+                  <p:tgtEl>
+                    <p:sldTgt/>
+                  </p:tgtEl>
+                </p:cond>
+              </p:prevCondLst>
+              <p:nextCondLst>
+                <p:cond evt="onNext" delay="0">
+                  <p:tgtEl>
+                    <p:sldTgt/>
+                  </p:tgtEl>
+                </p:cond>
+              </p:nextCondLst>
+            </p:seq>
+          </p:childTnLst>
+        </p:cTn>
+      </p:par>
+    </p:tnLst>
+  </p:timing>
+</p:sld>
+</file>
+
+<file path=ppt/slides/slide9.xml><?xml version="1.0" encoding="utf-8"?>
+<p:sld xmlns:a="http://schemas.openxmlformats.org/drawingml/2006/main" xmlns:r="http://schemas.openxmlformats.org/officeDocument/2006/relationships" xmlns:p="http://schemas.openxmlformats.org/presentationml/2006/main">
+  <p:cSld>
+    <p:bg>
+      <p:bgPr>
+        <a:solidFill>
+          <a:schemeClr val="bg1"/>
+        </a:solidFill>
+        <a:effectLst/>
+      </p:bgPr>
+    </p:bg>
+    <p:spTree>
+      <p:nvGrpSpPr>
+        <p:cNvPr id="1" name="">
+          <a:extLst>
+            <a:ext uri="{FF2B5EF4-FFF2-40B4-BE49-F238E27FC236}">
+              <a16:creationId xmlns:a16="http://schemas.microsoft.com/office/drawing/2014/main" id="{43721567-CC8A-A7F3-20FA-1E041D14A7EC}"/>
+            </a:ext>
+          </a:extLst>
+        </p:cNvPr>
+        <p:cNvGrpSpPr/>
+        <p:nvPr/>
+      </p:nvGrpSpPr>
+      <p:grpSpPr>
+        <a:xfrm>
+          <a:off x="0" y="0"/>
+          <a:ext cx="0" cy="0"/>
+          <a:chOff x="0" y="0"/>
+          <a:chExt cx="0" cy="0"/>
+        </a:xfrm>
+      </p:grpSpPr>
+      <p:sp useBgFill="1">
+        <p:nvSpPr>
+          <p:cNvPr id="66" name="Rectangle 65">
+            <a:extLst>
+              <a:ext uri="{FF2B5EF4-FFF2-40B4-BE49-F238E27FC236}">
+                <a16:creationId xmlns:a16="http://schemas.microsoft.com/office/drawing/2014/main" id="{70155189-D96C-4527-B0EC-654B946BE615}"/>
               </a:ext>
               <a:ext uri="{C183D7F6-B498-43B3-948B-1728B52AA6E4}">
                 <adec:decorative xmlns:adec="http://schemas.microsoft.com/office/drawing/2017/decorative" val="1"/>
@@ -16696,18 +18800,13 @@
           </p:nvPr>
         </p:nvSpPr>
         <p:spPr>
-          <a:xfrm rot="18900000" flipH="1">
-            <a:off x="735603" y="478432"/>
-            <a:ext cx="532429" cy="731417"/>
+          <a:xfrm>
+            <a:off x="0" y="0"/>
+            <a:ext cx="10055884" cy="7772400"/>
           </a:xfrm>
           <a:prstGeom prst="rect">
             <a:avLst/>
           </a:prstGeom>
-          <a:solidFill>
-            <a:schemeClr val="accent1">
-              <a:alpha val="30000"/>
-            </a:schemeClr>
-          </a:solidFill>
           <a:ln>
             <a:noFill/>
           </a:ln>
@@ -16739,349 +18838,10 @@
       </p:sp>
       <p:sp>
         <p:nvSpPr>
-          <p:cNvPr id="33" name="Rectangle 32">
+          <p:cNvPr id="7" name="TextBox 6">
             <a:extLst>
               <a:ext uri="{FF2B5EF4-FFF2-40B4-BE49-F238E27FC236}">
-                <a16:creationId xmlns:a16="http://schemas.microsoft.com/office/drawing/2014/main" id="{1AEBF9B3-2C45-A7B0-CBD6-7ACEF01BA03C}"/>
-              </a:ext>
-              <a:ext uri="{C183D7F6-B498-43B3-948B-1728B52AA6E4}">
-                <adec:decorative xmlns:adec="http://schemas.microsoft.com/office/drawing/2017/decorative" val="1"/>
-              </a:ext>
-            </a:extLst>
-          </p:cNvPr>
-          <p:cNvSpPr>
-            <a:spLocks noGrp="1" noRot="1" noChangeAspect="1" noMove="1" noResize="1" noEditPoints="1" noAdjustHandles="1" noChangeArrowheads="1" noChangeShapeType="1" noTextEdit="1"/>
-          </p:cNvSpPr>
-          <p:nvPr>
-            <p:extLst>
-              <p:ext uri="{386F3935-93C4-4BCD-93E2-E3B085C9AB24}">
-                <p16:designElem xmlns:p16="http://schemas.microsoft.com/office/powerpoint/2015/main" val="1"/>
-              </p:ext>
-            </p:extLst>
-          </p:nvPr>
-        </p:nvSpPr>
-        <p:spPr>
-          <a:xfrm rot="18900000" flipH="1">
-            <a:off x="8285872" y="742492"/>
-            <a:ext cx="567165" cy="779134"/>
-          </a:xfrm>
-          <a:prstGeom prst="rect">
-            <a:avLst/>
-          </a:prstGeom>
-          <a:solidFill>
-            <a:schemeClr val="accent4">
-              <a:alpha val="30000"/>
-            </a:schemeClr>
-          </a:solidFill>
-          <a:ln>
-            <a:noFill/>
-          </a:ln>
-        </p:spPr>
-        <p:style>
-          <a:lnRef idx="2">
-            <a:schemeClr val="accent1">
-              <a:shade val="50000"/>
-            </a:schemeClr>
-          </a:lnRef>
-          <a:fillRef idx="1">
-            <a:schemeClr val="accent1"/>
-          </a:fillRef>
-          <a:effectRef idx="0">
-            <a:schemeClr val="accent1"/>
-          </a:effectRef>
-          <a:fontRef idx="minor">
-            <a:schemeClr val="lt1"/>
-          </a:fontRef>
-        </p:style>
-        <p:txBody>
-          <a:bodyPr rtlCol="0" anchor="ctr"/>
-          <a:lstStyle/>
-          <a:p>
-            <a:pPr algn="ctr"/>
-            <a:endParaRPr lang="en-US"/>
-          </a:p>
-        </p:txBody>
-      </p:sp>
-      <p:sp>
-        <p:nvSpPr>
-          <p:cNvPr id="35" name="Freeform: Shape 34">
-            <a:extLst>
-              <a:ext uri="{FF2B5EF4-FFF2-40B4-BE49-F238E27FC236}">
-                <a16:creationId xmlns:a16="http://schemas.microsoft.com/office/drawing/2014/main" id="{9683BA8B-41AC-57DC-440A-8E392CF1D52A}"/>
-              </a:ext>
-              <a:ext uri="{C183D7F6-B498-43B3-948B-1728B52AA6E4}">
-                <adec:decorative xmlns:adec="http://schemas.microsoft.com/office/drawing/2017/decorative" val="1"/>
-              </a:ext>
-            </a:extLst>
-          </p:cNvPr>
-          <p:cNvSpPr>
-            <a:spLocks noGrp="1" noRot="1" noChangeAspect="1" noMove="1" noResize="1" noEditPoints="1" noAdjustHandles="1" noChangeArrowheads="1" noChangeShapeType="1" noTextEdit="1"/>
-          </p:cNvSpPr>
-          <p:nvPr>
-            <p:extLst>
-              <p:ext uri="{386F3935-93C4-4BCD-93E2-E3B085C9AB24}">
-                <p16:designElem xmlns:p16="http://schemas.microsoft.com/office/powerpoint/2015/main" val="1"/>
-              </p:ext>
-            </p:extLst>
-          </p:nvPr>
-        </p:nvSpPr>
-        <p:spPr>
-          <a:xfrm rot="10800000" flipH="1">
-            <a:off x="7719230" y="0"/>
-            <a:ext cx="2339170" cy="1678281"/>
-          </a:xfrm>
-          <a:custGeom>
-            <a:avLst/>
-            <a:gdLst>
-              <a:gd name="connsiteX0" fmla="*/ 2835357 w 2835357"/>
-              <a:gd name="connsiteY0" fmla="*/ 1480837 h 1480837"/>
-              <a:gd name="connsiteX1" fmla="*/ 0 w 2835357"/>
-              <a:gd name="connsiteY1" fmla="*/ 1480837 h 1480837"/>
-              <a:gd name="connsiteX2" fmla="*/ 1552727 w 2835357"/>
-              <a:gd name="connsiteY2" fmla="*/ 0 h 1480837"/>
-              <a:gd name="connsiteX3" fmla="*/ 2835357 w 2835357"/>
-              <a:gd name="connsiteY3" fmla="*/ 1223245 h 1480837"/>
-            </a:gdLst>
-            <a:ahLst/>
-            <a:cxnLst>
-              <a:cxn ang="0">
-                <a:pos x="connsiteX0" y="connsiteY0"/>
-              </a:cxn>
-              <a:cxn ang="0">
-                <a:pos x="connsiteX1" y="connsiteY1"/>
-              </a:cxn>
-              <a:cxn ang="0">
-                <a:pos x="connsiteX2" y="connsiteY2"/>
-              </a:cxn>
-              <a:cxn ang="0">
-                <a:pos x="connsiteX3" y="connsiteY3"/>
-              </a:cxn>
-            </a:cxnLst>
-            <a:rect l="l" t="t" r="r" b="b"/>
-            <a:pathLst>
-              <a:path w="2835357" h="1480837">
-                <a:moveTo>
-                  <a:pt x="2835357" y="1480837"/>
-                </a:moveTo>
-                <a:lnTo>
-                  <a:pt x="0" y="1480837"/>
-                </a:lnTo>
-                <a:lnTo>
-                  <a:pt x="1552727" y="0"/>
-                </a:lnTo>
-                <a:lnTo>
-                  <a:pt x="2835357" y="1223245"/>
-                </a:lnTo>
-                <a:close/>
-              </a:path>
-            </a:pathLst>
-          </a:custGeom>
-          <a:solidFill>
-            <a:schemeClr val="accent4">
-              <a:alpha val="30000"/>
-            </a:schemeClr>
-          </a:solidFill>
-          <a:ln>
-            <a:noFill/>
-          </a:ln>
-        </p:spPr>
-        <p:style>
-          <a:lnRef idx="2">
-            <a:schemeClr val="accent1">
-              <a:shade val="50000"/>
-            </a:schemeClr>
-          </a:lnRef>
-          <a:fillRef idx="1">
-            <a:schemeClr val="accent1"/>
-          </a:fillRef>
-          <a:effectRef idx="0">
-            <a:schemeClr val="accent1"/>
-          </a:effectRef>
-          <a:fontRef idx="minor">
-            <a:schemeClr val="lt1"/>
-          </a:fontRef>
-        </p:style>
-        <p:txBody>
-          <a:bodyPr wrap="square" rtlCol="0" anchor="ctr">
-            <a:noAutofit/>
-          </a:bodyPr>
-          <a:lstStyle/>
-          <a:p>
-            <a:pPr algn="ctr"/>
-            <a:endParaRPr lang="en-US" dirty="0"/>
-          </a:p>
-        </p:txBody>
-      </p:sp>
-      <p:sp>
-        <p:nvSpPr>
-          <p:cNvPr id="37" name="Isosceles Triangle 36">
-            <a:extLst>
-              <a:ext uri="{FF2B5EF4-FFF2-40B4-BE49-F238E27FC236}">
-                <a16:creationId xmlns:a16="http://schemas.microsoft.com/office/drawing/2014/main" id="{D21B866A-A77B-1BB1-62F9-4A0813EBCE97}"/>
-              </a:ext>
-              <a:ext uri="{C183D7F6-B498-43B3-948B-1728B52AA6E4}">
-                <adec:decorative xmlns:adec="http://schemas.microsoft.com/office/drawing/2017/decorative" val="1"/>
-              </a:ext>
-            </a:extLst>
-          </p:cNvPr>
-          <p:cNvSpPr>
-            <a:spLocks noGrp="1" noRot="1" noChangeAspect="1" noMove="1" noResize="1" noEditPoints="1" noAdjustHandles="1" noChangeArrowheads="1" noChangeShapeType="1" noTextEdit="1"/>
-          </p:cNvSpPr>
-          <p:nvPr>
-            <p:extLst>
-              <p:ext uri="{386F3935-93C4-4BCD-93E2-E3B085C9AB24}">
-                <p16:designElem xmlns:p16="http://schemas.microsoft.com/office/powerpoint/2015/main" val="1"/>
-              </p:ext>
-            </p:extLst>
-          </p:nvPr>
-        </p:nvSpPr>
-        <p:spPr>
-          <a:xfrm flipH="1">
-            <a:off x="6580483" y="6930901"/>
-            <a:ext cx="1232974" cy="841499"/>
-          </a:xfrm>
-          <a:prstGeom prst="triangle">
-            <a:avLst/>
-          </a:prstGeom>
-          <a:solidFill>
-            <a:schemeClr val="accent1">
-              <a:alpha val="30000"/>
-            </a:schemeClr>
-          </a:solidFill>
-          <a:ln>
-            <a:noFill/>
-          </a:ln>
-        </p:spPr>
-        <p:style>
-          <a:lnRef idx="2">
-            <a:schemeClr val="accent1">
-              <a:shade val="50000"/>
-            </a:schemeClr>
-          </a:lnRef>
-          <a:fillRef idx="1">
-            <a:schemeClr val="accent1"/>
-          </a:fillRef>
-          <a:effectRef idx="0">
-            <a:schemeClr val="accent1"/>
-          </a:effectRef>
-          <a:fontRef idx="minor">
-            <a:schemeClr val="lt1"/>
-          </a:fontRef>
-        </p:style>
-        <p:txBody>
-          <a:bodyPr rtlCol="0" anchor="ctr"/>
-          <a:lstStyle/>
-          <a:p>
-            <a:pPr algn="ctr"/>
-            <a:endParaRPr lang="en-US"/>
-          </a:p>
-        </p:txBody>
-      </p:sp>
-      <p:pic>
-        <p:nvPicPr>
-          <p:cNvPr id="22" name="Picture Placeholder 21">
-            <a:extLst>
-              <a:ext uri="{FF2B5EF4-FFF2-40B4-BE49-F238E27FC236}">
-                <a16:creationId xmlns:a16="http://schemas.microsoft.com/office/drawing/2014/main" id="{A15C48D8-1E7C-8255-8356-E6FB553D0FC0}"/>
-              </a:ext>
-            </a:extLst>
-          </p:cNvPr>
-          <p:cNvPicPr>
-            <a:picLocks noGrp="1" noChangeAspect="1"/>
-          </p:cNvPicPr>
-          <p:nvPr>
-            <p:ph type="pic" sz="quarter" idx="11"/>
-          </p:nvPr>
-        </p:nvPicPr>
-        <p:blipFill>
-          <a:blip r:embed="rId3"/>
-          <a:srcRect t="4962" b="4962"/>
-          <a:stretch/>
-        </p:blipFill>
-        <p:spPr>
-          <a:xfrm>
-            <a:off x="0" y="4700588"/>
-            <a:ext cx="10058400" cy="3071812"/>
-          </a:xfrm>
-          <a:prstGeom prst="rect">
-            <a:avLst/>
-          </a:prstGeom>
-          <a:ln>
-            <a:noFill/>
-          </a:ln>
-        </p:spPr>
-      </p:pic>
-      <p:sp>
-        <p:nvSpPr>
-          <p:cNvPr id="39" name="Isosceles Triangle 38">
-            <a:extLst>
-              <a:ext uri="{FF2B5EF4-FFF2-40B4-BE49-F238E27FC236}">
-                <a16:creationId xmlns:a16="http://schemas.microsoft.com/office/drawing/2014/main" id="{2F03BE48-83EC-1FB1-519E-B8C8262286CB}"/>
-              </a:ext>
-              <a:ext uri="{C183D7F6-B498-43B3-948B-1728B52AA6E4}">
-                <adec:decorative xmlns:adec="http://schemas.microsoft.com/office/drawing/2017/decorative" val="1"/>
-              </a:ext>
-            </a:extLst>
-          </p:cNvPr>
-          <p:cNvSpPr>
-            <a:spLocks noGrp="1" noRot="1" noChangeAspect="1" noMove="1" noResize="1" noEditPoints="1" noAdjustHandles="1" noChangeArrowheads="1" noChangeShapeType="1" noTextEdit="1"/>
-          </p:cNvSpPr>
-          <p:nvPr>
-            <p:extLst>
-              <p:ext uri="{386F3935-93C4-4BCD-93E2-E3B085C9AB24}">
-                <p16:designElem xmlns:p16="http://schemas.microsoft.com/office/powerpoint/2015/main" val="1"/>
-              </p:ext>
-            </p:extLst>
-          </p:nvPr>
-        </p:nvSpPr>
-        <p:spPr>
-          <a:xfrm flipH="1">
-            <a:off x="6273366" y="7313562"/>
-            <a:ext cx="672294" cy="458838"/>
-          </a:xfrm>
-          <a:prstGeom prst="triangle">
-            <a:avLst/>
-          </a:prstGeom>
-          <a:solidFill>
-            <a:schemeClr val="accent1">
-              <a:alpha val="30000"/>
-            </a:schemeClr>
-          </a:solidFill>
-          <a:ln>
-            <a:noFill/>
-          </a:ln>
-        </p:spPr>
-        <p:style>
-          <a:lnRef idx="2">
-            <a:schemeClr val="accent1">
-              <a:shade val="50000"/>
-            </a:schemeClr>
-          </a:lnRef>
-          <a:fillRef idx="1">
-            <a:schemeClr val="accent1"/>
-          </a:fillRef>
-          <a:effectRef idx="0">
-            <a:schemeClr val="accent1"/>
-          </a:effectRef>
-          <a:fontRef idx="minor">
-            <a:schemeClr val="lt1"/>
-          </a:fontRef>
-        </p:style>
-        <p:txBody>
-          <a:bodyPr rtlCol="0" anchor="ctr"/>
-          <a:lstStyle/>
-          <a:p>
-            <a:pPr algn="ctr"/>
-            <a:endParaRPr lang="en-US"/>
-          </a:p>
-        </p:txBody>
-      </p:sp>
-      <p:sp>
-        <p:nvSpPr>
-          <p:cNvPr id="26" name="TextBox 25">
-            <a:extLst>
-              <a:ext uri="{FF2B5EF4-FFF2-40B4-BE49-F238E27FC236}">
-                <a16:creationId xmlns:a16="http://schemas.microsoft.com/office/drawing/2014/main" id="{2EA0F888-E47D-84AF-8912-FA2245A9C028}"/>
+                <a16:creationId xmlns:a16="http://schemas.microsoft.com/office/drawing/2014/main" id="{70D30F51-241E-59B8-16D4-E0932C99B071}"/>
               </a:ext>
             </a:extLst>
           </p:cNvPr>
@@ -17112,95 +18872,154 @@
                 </a:solidFill>
                 <a:latin typeface="+mj-lt"/>
               </a:rPr>
-              <a:t>Results &amp; Conclusion</a:t>
+              <a:t>Age vs Blood Sugar</a:t>
             </a:r>
           </a:p>
         </p:txBody>
       </p:sp>
-      <p:sp>
-        <p:nvSpPr>
-          <p:cNvPr id="28" name="TextBox 27">
+      <p:pic>
+        <p:nvPicPr>
+          <p:cNvPr id="13" name="Picture 12" descr="A graph of blood sugar&#10;&#10;Description automatically generated">
             <a:extLst>
               <a:ext uri="{FF2B5EF4-FFF2-40B4-BE49-F238E27FC236}">
-                <a16:creationId xmlns:a16="http://schemas.microsoft.com/office/drawing/2014/main" id="{DCB1C84C-702C-0EAB-153F-3F34A9FA2AC5}"/>
+                <a16:creationId xmlns:a16="http://schemas.microsoft.com/office/drawing/2014/main" id="{DA087C0A-E8FE-A452-892A-BE46260B01D9}"/>
               </a:ext>
             </a:extLst>
           </p:cNvPr>
-          <p:cNvSpPr txBox="1"/>
+          <p:cNvPicPr>
+            <a:picLocks noChangeAspect="1"/>
+          </p:cNvPicPr>
           <p:nvPr/>
-        </p:nvSpPr>
+        </p:nvPicPr>
+        <p:blipFill rotWithShape="1">
+          <a:blip r:embed="rId3"/>
+          <a:srcRect l="6133" t="5581" r="8996" b="4124"/>
+          <a:stretch/>
+        </p:blipFill>
         <p:spPr>
           <a:xfrm>
-            <a:off x="1528411" y="1737123"/>
-            <a:ext cx="6886575" cy="2246769"/>
+            <a:off x="310578" y="1621471"/>
+            <a:ext cx="9354827" cy="5971653"/>
           </a:xfrm>
           <a:prstGeom prst="rect">
             <a:avLst/>
           </a:prstGeom>
-          <a:noFill/>
         </p:spPr>
-        <p:txBody>
-          <a:bodyPr wrap="square" rtlCol="0">
-            <a:spAutoFit/>
-          </a:bodyPr>
-          <a:lstStyle/>
-          <a:p>
-            <a:pPr marL="342900" indent="-342900">
-              <a:buAutoNum type="arabicPeriod"/>
-            </a:pPr>
-            <a:r>
-              <a:rPr lang="en-US" sz="2800" dirty="0"/>
-              <a:t>Introduction</a:t>
-            </a:r>
-          </a:p>
-          <a:p>
-            <a:pPr marL="342900" indent="-342900">
-              <a:buAutoNum type="arabicPeriod"/>
-            </a:pPr>
-            <a:r>
-              <a:rPr lang="en-US" sz="2800" dirty="0"/>
-              <a:t>Data Cleaning – SQL</a:t>
-            </a:r>
-          </a:p>
-          <a:p>
-            <a:pPr marL="342900" indent="-342900">
-              <a:buAutoNum type="arabicPeriod"/>
-            </a:pPr>
-            <a:r>
-              <a:rPr lang="en-US" sz="2800" dirty="0"/>
-              <a:t>Visualization – Python Matplotlib &amp; Pandas </a:t>
-            </a:r>
-          </a:p>
-          <a:p>
-            <a:pPr marL="342900" indent="-342900">
-              <a:buAutoNum type="arabicPeriod"/>
-            </a:pPr>
-            <a:r>
-              <a:rPr lang="en-US" sz="2800" dirty="0"/>
-              <a:t>Supervised Machine Learning Models </a:t>
-            </a:r>
-          </a:p>
-          <a:p>
-            <a:pPr marL="342900" indent="-342900">
-              <a:buAutoNum type="arabicPeriod"/>
-            </a:pPr>
-            <a:r>
-              <a:rPr lang="en-US" sz="2800" dirty="0"/>
-              <a:t>Result &amp; Conclusion</a:t>
-            </a:r>
-          </a:p>
-        </p:txBody>
-      </p:sp>
+      </p:pic>
+      <p:pic>
+        <p:nvPicPr>
+          <p:cNvPr id="14" name="Picture 13">
+            <a:extLst>
+              <a:ext uri="{FF2B5EF4-FFF2-40B4-BE49-F238E27FC236}">
+                <a16:creationId xmlns:a16="http://schemas.microsoft.com/office/drawing/2014/main" id="{BCD1A8F6-3304-D6B6-C595-0EF953C27E81}"/>
+              </a:ext>
+            </a:extLst>
+          </p:cNvPr>
+          <p:cNvPicPr>
+            <a:picLocks noChangeAspect="1"/>
+          </p:cNvPicPr>
+          <p:nvPr/>
+        </p:nvPicPr>
+        <p:blipFill rotWithShape="1">
+          <a:blip r:embed="rId4"/>
+          <a:srcRect l="4243" t="4523" r="7435"/>
+          <a:stretch/>
+        </p:blipFill>
+        <p:spPr>
+          <a:xfrm>
+            <a:off x="310577" y="1621471"/>
+            <a:ext cx="9412123" cy="5971653"/>
+          </a:xfrm>
+          <a:prstGeom prst="rect">
+            <a:avLst/>
+          </a:prstGeom>
+        </p:spPr>
+      </p:pic>
     </p:spTree>
     <p:extLst>
       <p:ext uri="{BB962C8B-B14F-4D97-AF65-F5344CB8AC3E}">
-        <p14:creationId xmlns:p14="http://schemas.microsoft.com/office/powerpoint/2010/main" val="3736711359"/>
+        <p14:creationId xmlns:p14="http://schemas.microsoft.com/office/powerpoint/2010/main" val="3077219261"/>
       </p:ext>
     </p:extLst>
   </p:cSld>
   <p:clrMapOvr>
     <a:masterClrMapping/>
   </p:clrMapOvr>
+  <p:timing>
+    <p:tnLst>
+      <p:par>
+        <p:cTn id="1" dur="indefinite" restart="never" nodeType="tmRoot">
+          <p:childTnLst>
+            <p:seq concurrent="1" nextAc="seek">
+              <p:cTn id="2" dur="indefinite" nodeType="mainSeq">
+                <p:childTnLst>
+                  <p:par>
+                    <p:cTn id="3" fill="hold">
+                      <p:stCondLst>
+                        <p:cond delay="indefinite"/>
+                      </p:stCondLst>
+                      <p:childTnLst>
+                        <p:par>
+                          <p:cTn id="4" fill="hold">
+                            <p:stCondLst>
+                              <p:cond delay="0"/>
+                            </p:stCondLst>
+                            <p:childTnLst>
+                              <p:par>
+                                <p:cTn id="5" presetID="1" presetClass="entr" presetSubtype="0" fill="hold" nodeType="clickEffect">
+                                  <p:stCondLst>
+                                    <p:cond delay="0"/>
+                                  </p:stCondLst>
+                                  <p:childTnLst>
+                                    <p:set>
+                                      <p:cBhvr>
+                                        <p:cTn id="6" dur="1" fill="hold">
+                                          <p:stCondLst>
+                                            <p:cond delay="0"/>
+                                          </p:stCondLst>
+                                        </p:cTn>
+                                        <p:tgtEl>
+                                          <p:spTgt spid="14"/>
+                                        </p:tgtEl>
+                                        <p:attrNameLst>
+                                          <p:attrName>style.visibility</p:attrName>
+                                        </p:attrNameLst>
+                                      </p:cBhvr>
+                                      <p:to>
+                                        <p:strVal val="visible"/>
+                                      </p:to>
+                                    </p:set>
+                                  </p:childTnLst>
+                                </p:cTn>
+                              </p:par>
+                            </p:childTnLst>
+                          </p:cTn>
+                        </p:par>
+                      </p:childTnLst>
+                    </p:cTn>
+                  </p:par>
+                </p:childTnLst>
+              </p:cTn>
+              <p:prevCondLst>
+                <p:cond evt="onPrev" delay="0">
+                  <p:tgtEl>
+                    <p:sldTgt/>
+                  </p:tgtEl>
+                </p:cond>
+              </p:prevCondLst>
+              <p:nextCondLst>
+                <p:cond evt="onNext" delay="0">
+                  <p:tgtEl>
+                    <p:sldTgt/>
+                  </p:tgtEl>
+                </p:cond>
+              </p:nextCondLst>
+            </p:seq>
+          </p:childTnLst>
+        </p:cTn>
+      </p:par>
+    </p:tnLst>
+  </p:timing>
 </p:sld>
 </file>
 
@@ -18042,21 +19861,21 @@
 </file>
 
 <file path=customXml/item1.xml><?xml version="1.0" encoding="utf-8"?>
+<?mso-contentType ?>
+<FormTemplates xmlns="http://schemas.microsoft.com/sharepoint/v3/contenttype/forms">
+  <Display>DocumentLibraryForm</Display>
+  <Edit>DocumentLibraryForm</Edit>
+  <New>DocumentLibraryForm</New>
+</FormTemplates>
+</file>
+
+<file path=customXml/item2.xml><?xml version="1.0" encoding="utf-8"?>
 <p:properties xmlns:p="http://schemas.microsoft.com/office/2006/metadata/properties" xmlns:xsi="http://www.w3.org/2001/XMLSchema-instance" xmlns:pc="http://schemas.microsoft.com/office/infopath/2007/PartnerControls">
   <documentManagement>
     <Status xmlns="71af3243-3dd4-4a8d-8c0d-dd76da1f02a5">Not started</Status>
     <MediaServiceKeyPoints xmlns="71af3243-3dd4-4a8d-8c0d-dd76da1f02a5" xsi:nil="true"/>
   </documentManagement>
 </p:properties>
-</file>
-
-<file path=customXml/item2.xml><?xml version="1.0" encoding="utf-8"?>
-<?mso-contentType ?>
-<FormTemplates xmlns="http://schemas.microsoft.com/sharepoint/v3/contenttype/forms">
-  <Display>DocumentLibraryForm</Display>
-  <Edit>DocumentLibraryForm</Edit>
-  <New>DocumentLibraryForm</New>
-</FormTemplates>
 </file>
 
 <file path=customXml/item3.xml><?xml version="1.0" encoding="utf-8"?>
@@ -18281,19 +20100,19 @@
 </file>
 
 <file path=customXml/itemProps1.xml><?xml version="1.0" encoding="utf-8"?>
+<ds:datastoreItem xmlns:ds="http://schemas.openxmlformats.org/officeDocument/2006/customXml" ds:itemID="{D9EAC644-7B36-4B02-AE6A-271637DE6193}">
+  <ds:schemaRefs>
+    <ds:schemaRef ds:uri="http://schemas.microsoft.com/sharepoint/v3/contenttype/forms"/>
+  </ds:schemaRefs>
+</ds:datastoreItem>
+</file>
+
+<file path=customXml/itemProps2.xml><?xml version="1.0" encoding="utf-8"?>
 <ds:datastoreItem xmlns:ds="http://schemas.openxmlformats.org/officeDocument/2006/customXml" ds:itemID="{581AEECB-7CBF-41B6-B304-895A4D5BDF0F}">
   <ds:schemaRefs>
     <ds:schemaRef ds:uri="http://schemas.microsoft.com/office/2006/metadata/properties"/>
     <ds:schemaRef ds:uri="http://schemas.microsoft.com/office/infopath/2007/PartnerControls"/>
     <ds:schemaRef ds:uri="71af3243-3dd4-4a8d-8c0d-dd76da1f02a5"/>
-  </ds:schemaRefs>
-</ds:datastoreItem>
-</file>
-
-<file path=customXml/itemProps2.xml><?xml version="1.0" encoding="utf-8"?>
-<ds:datastoreItem xmlns:ds="http://schemas.openxmlformats.org/officeDocument/2006/customXml" ds:itemID="{D9EAC644-7B36-4B02-AE6A-271637DE6193}">
-  <ds:schemaRefs>
-    <ds:schemaRef ds:uri="http://schemas.microsoft.com/sharepoint/v3/contenttype/forms"/>
   </ds:schemaRefs>
 </ds:datastoreItem>
 </file>
